--- a/Hardware/Hardware.pptx
+++ b/Hardware/Hardware.pptx
@@ -291,7 +291,7 @@
           <a:p>
             <a:fld id="{E62101CF-87A5-471D-ACE7-0C9EA2CCD883}" type="datetimeFigureOut">
               <a:rPr lang="de-DE" smtClean="0"/>
-              <a:t>13.03.2016</a:t>
+              <a:t>09.04.2016</a:t>
             </a:fld>
             <a:endParaRPr lang="de-DE"/>
           </a:p>
@@ -461,7 +461,7 @@
           <a:p>
             <a:fld id="{E62101CF-87A5-471D-ACE7-0C9EA2CCD883}" type="datetimeFigureOut">
               <a:rPr lang="de-DE" smtClean="0"/>
-              <a:t>13.03.2016</a:t>
+              <a:t>09.04.2016</a:t>
             </a:fld>
             <a:endParaRPr lang="de-DE"/>
           </a:p>
@@ -641,7 +641,7 @@
           <a:p>
             <a:fld id="{E62101CF-87A5-471D-ACE7-0C9EA2CCD883}" type="datetimeFigureOut">
               <a:rPr lang="de-DE" smtClean="0"/>
-              <a:t>13.03.2016</a:t>
+              <a:t>09.04.2016</a:t>
             </a:fld>
             <a:endParaRPr lang="de-DE"/>
           </a:p>
@@ -811,7 +811,7 @@
           <a:p>
             <a:fld id="{E62101CF-87A5-471D-ACE7-0C9EA2CCD883}" type="datetimeFigureOut">
               <a:rPr lang="de-DE" smtClean="0"/>
-              <a:t>13.03.2016</a:t>
+              <a:t>09.04.2016</a:t>
             </a:fld>
             <a:endParaRPr lang="de-DE"/>
           </a:p>
@@ -1057,7 +1057,7 @@
           <a:p>
             <a:fld id="{E62101CF-87A5-471D-ACE7-0C9EA2CCD883}" type="datetimeFigureOut">
               <a:rPr lang="de-DE" smtClean="0"/>
-              <a:t>13.03.2016</a:t>
+              <a:t>09.04.2016</a:t>
             </a:fld>
             <a:endParaRPr lang="de-DE"/>
           </a:p>
@@ -1345,7 +1345,7 @@
           <a:p>
             <a:fld id="{E62101CF-87A5-471D-ACE7-0C9EA2CCD883}" type="datetimeFigureOut">
               <a:rPr lang="de-DE" smtClean="0"/>
-              <a:t>13.03.2016</a:t>
+              <a:t>09.04.2016</a:t>
             </a:fld>
             <a:endParaRPr lang="de-DE"/>
           </a:p>
@@ -1767,7 +1767,7 @@
           <a:p>
             <a:fld id="{E62101CF-87A5-471D-ACE7-0C9EA2CCD883}" type="datetimeFigureOut">
               <a:rPr lang="de-DE" smtClean="0"/>
-              <a:t>13.03.2016</a:t>
+              <a:t>09.04.2016</a:t>
             </a:fld>
             <a:endParaRPr lang="de-DE"/>
           </a:p>
@@ -1885,7 +1885,7 @@
           <a:p>
             <a:fld id="{E62101CF-87A5-471D-ACE7-0C9EA2CCD883}" type="datetimeFigureOut">
               <a:rPr lang="de-DE" smtClean="0"/>
-              <a:t>13.03.2016</a:t>
+              <a:t>09.04.2016</a:t>
             </a:fld>
             <a:endParaRPr lang="de-DE"/>
           </a:p>
@@ -1980,7 +1980,7 @@
           <a:p>
             <a:fld id="{E62101CF-87A5-471D-ACE7-0C9EA2CCD883}" type="datetimeFigureOut">
               <a:rPr lang="de-DE" smtClean="0"/>
-              <a:t>13.03.2016</a:t>
+              <a:t>09.04.2016</a:t>
             </a:fld>
             <a:endParaRPr lang="de-DE"/>
           </a:p>
@@ -2257,7 +2257,7 @@
           <a:p>
             <a:fld id="{E62101CF-87A5-471D-ACE7-0C9EA2CCD883}" type="datetimeFigureOut">
               <a:rPr lang="de-DE" smtClean="0"/>
-              <a:t>13.03.2016</a:t>
+              <a:t>09.04.2016</a:t>
             </a:fld>
             <a:endParaRPr lang="de-DE"/>
           </a:p>
@@ -2510,7 +2510,7 @@
           <a:p>
             <a:fld id="{E62101CF-87A5-471D-ACE7-0C9EA2CCD883}" type="datetimeFigureOut">
               <a:rPr lang="de-DE" smtClean="0"/>
-              <a:t>13.03.2016</a:t>
+              <a:t>09.04.2016</a:t>
             </a:fld>
             <a:endParaRPr lang="de-DE"/>
           </a:p>
@@ -2723,7 +2723,7 @@
           <a:p>
             <a:fld id="{E62101CF-87A5-471D-ACE7-0C9EA2CCD883}" type="datetimeFigureOut">
               <a:rPr lang="de-DE" smtClean="0"/>
-              <a:t>13.03.2016</a:t>
+              <a:t>09.04.2016</a:t>
             </a:fld>
             <a:endParaRPr lang="de-DE"/>
           </a:p>
@@ -16474,15 +16474,7 @@
               <a:pPr algn="r"/>
               <a:r>
                 <a:rPr lang="de-DE" sz="1400" smtClean="0"/>
-                <a:t>Gnd +</a:t>
-              </a:r>
-              <a:r>
-                <a:rPr lang="de-DE" sz="1400" smtClean="0"/>
-                <a:t>5V                       </a:t>
-              </a:r>
-              <a:r>
-                <a:rPr lang="de-DE" sz="1400" smtClean="0"/>
-                <a:t>A0 A1</a:t>
+                <a:t>Gnd +5V                       A0 A1</a:t>
               </a:r>
               <a:endParaRPr lang="de-DE" sz="1400"/>
             </a:p>
@@ -17140,15 +17132,7 @@
           <a:p>
             <a:r>
               <a:rPr lang="de-DE" sz="1200" smtClean="0"/>
-              <a:t>int. red </a:t>
-            </a:r>
-            <a:r>
-              <a:rPr lang="de-DE" sz="1200" smtClean="0"/>
-              <a:t> switch </a:t>
-            </a:r>
-            <a:r>
-              <a:rPr lang="de-DE" sz="1200" smtClean="0"/>
-              <a:t>(enter)</a:t>
+              <a:t>int. red  switch (enter)</a:t>
             </a:r>
             <a:endParaRPr lang="de-DE" sz="1200"/>
           </a:p>
@@ -17216,15 +17200,7 @@
           <a:p>
             <a:r>
               <a:rPr lang="de-DE" sz="1200" smtClean="0"/>
-              <a:t>int. black </a:t>
-            </a:r>
-            <a:r>
-              <a:rPr lang="de-DE" sz="1200" smtClean="0"/>
-              <a:t> switch </a:t>
-            </a:r>
-            <a:r>
-              <a:rPr lang="de-DE" sz="1200" smtClean="0"/>
-              <a:t>(exit)</a:t>
+              <a:t>int. black  switch (exit)</a:t>
             </a:r>
             <a:endParaRPr lang="de-DE" sz="1200"/>
           </a:p>
@@ -21043,11 +21019,7 @@
           <a:p>
             <a:r>
               <a:rPr lang="de-DE" sz="1200" smtClean="0"/>
-              <a:t>R</a:t>
-            </a:r>
-            <a:r>
-              <a:rPr lang="de-DE" sz="1200" smtClean="0"/>
-              <a:t>13 green</a:t>
+              <a:t>R13 green</a:t>
             </a:r>
             <a:endParaRPr lang="de-DE" sz="1200"/>
           </a:p>
@@ -21592,7 +21564,6 @@
               <a:rPr lang="de-DE" sz="1100" smtClean="0"/>
               <a:t>blue </a:t>
             </a:r>
-            <a:endParaRPr lang="de-DE" sz="1100" smtClean="0"/>
           </a:p>
         </p:txBody>
       </p:sp>
@@ -21702,7 +21673,6 @@
                 <a:rPr lang="de-DE" sz="1200" smtClean="0"/>
                 <a:t>PC817</a:t>
               </a:r>
-              <a:endParaRPr lang="de-DE" sz="1200" smtClean="0"/>
             </a:p>
           </p:txBody>
         </p:sp>
@@ -22133,11 +22103,7 @@
           <a:p>
             <a:r>
               <a:rPr lang="de-DE" sz="1200" smtClean="0"/>
-              <a:t>30</a:t>
-            </a:r>
-            <a:r>
-              <a:rPr lang="de-DE" sz="1200" smtClean="0"/>
-              <a:t>0</a:t>
+              <a:t>300</a:t>
             </a:r>
             <a:endParaRPr lang="de-DE" sz="1200"/>
           </a:p>
@@ -24182,7 +24148,6 @@
                 <a:rPr lang="de-DE" sz="1200" smtClean="0"/>
                 <a:t>PC817</a:t>
               </a:r>
-              <a:endParaRPr lang="de-DE" sz="1200" smtClean="0"/>
             </a:p>
           </p:txBody>
         </p:sp>
@@ -25478,11 +25443,7 @@
           <a:p>
             <a:r>
               <a:rPr lang="de-DE" sz="1200" smtClean="0"/>
-              <a:t>30</a:t>
-            </a:r>
-            <a:r>
-              <a:rPr lang="de-DE" sz="1200" smtClean="0"/>
-              <a:t>0</a:t>
+              <a:t>300</a:t>
             </a:r>
             <a:endParaRPr lang="de-DE" sz="1200"/>
           </a:p>
@@ -25790,11 +25751,7 @@
             <a:pPr algn="r"/>
             <a:r>
               <a:rPr lang="de-DE" sz="1200" smtClean="0"/>
-              <a:t>ext. switch </a:t>
-            </a:r>
-            <a:r>
-              <a:rPr lang="de-DE" sz="1200" smtClean="0"/>
-              <a:t>1</a:t>
+              <a:t>ext. switch 1</a:t>
             </a:r>
             <a:endParaRPr lang="de-DE" sz="1200"/>
           </a:p>
@@ -25953,7 +25910,7 @@
         </p:blipFill>
         <p:spPr bwMode="auto">
           <a:xfrm>
-            <a:off x="166413" y="130130"/>
+            <a:off x="166413" y="274146"/>
             <a:ext cx="3325467" cy="1714694"/>
           </a:xfrm>
           <a:prstGeom prst="rect">
@@ -25979,7 +25936,7 @@
         </p:nvGrpSpPr>
         <p:grpSpPr>
           <a:xfrm>
-            <a:off x="2853470" y="3596766"/>
+            <a:off x="2853470" y="3740782"/>
             <a:ext cx="1070458" cy="1296144"/>
             <a:chOff x="2699792" y="2749754"/>
             <a:chExt cx="1070458" cy="1296144"/>
@@ -26038,8 +25995,13 @@
                     <a:schemeClr val="bg1"/>
                   </a:solidFill>
                 </a:rPr>
-                <a:t>TL072</a:t>
+                <a:t>NE5532</a:t>
               </a:r>
+              <a:endParaRPr lang="de-DE" sz="1400" smtClean="0">
+                <a:solidFill>
+                  <a:schemeClr val="bg1"/>
+                </a:solidFill>
+              </a:endParaRPr>
             </a:p>
             <a:p>
               <a:pPr algn="ctr"/>
@@ -26115,7 +26077,7 @@
         </p:nvCxnSpPr>
         <p:spPr>
           <a:xfrm>
-            <a:off x="539552" y="2187779"/>
+            <a:off x="539552" y="2331795"/>
             <a:ext cx="7704856" cy="0"/>
           </a:xfrm>
           <a:prstGeom prst="line">
@@ -26150,7 +26112,7 @@
         </p:nvGrpSpPr>
         <p:grpSpPr>
           <a:xfrm flipH="1">
-            <a:off x="4788024" y="3607157"/>
+            <a:off x="4788024" y="3751173"/>
             <a:ext cx="1070458" cy="1296144"/>
             <a:chOff x="2699792" y="2749754"/>
             <a:chExt cx="1070458" cy="1296144"/>
@@ -26198,8 +26160,21 @@
                     <a:schemeClr val="bg1"/>
                   </a:solidFill>
                 </a:rPr>
-                <a:t>1/2 TL072</a:t>
+                <a:t>1/2 </a:t>
               </a:r>
+              <a:r>
+                <a:rPr lang="de-DE" sz="1400" smtClean="0">
+                  <a:solidFill>
+                    <a:schemeClr val="bg1"/>
+                  </a:solidFill>
+                </a:rPr>
+                <a:t>NE5532</a:t>
+              </a:r>
+              <a:endParaRPr lang="de-DE" sz="1400" smtClean="0">
+                <a:solidFill>
+                  <a:schemeClr val="bg1"/>
+                </a:solidFill>
+              </a:endParaRPr>
             </a:p>
             <a:p>
               <a:pPr algn="ctr"/>
@@ -26270,7 +26245,7 @@
         </p:nvCxnSpPr>
         <p:spPr>
           <a:xfrm>
-            <a:off x="539552" y="6271453"/>
+            <a:off x="539552" y="6415469"/>
             <a:ext cx="7704856" cy="0"/>
           </a:xfrm>
           <a:prstGeom prst="line">
@@ -26299,51 +26274,195 @@
       </p:cxnSp>
       <p:grpSp>
         <p:nvGrpSpPr>
-          <p:cNvPr id="39" name="Gruppieren 38"/>
+          <p:cNvPr id="2055" name="Gruppieren 2054"/>
           <p:cNvGrpSpPr/>
           <p:nvPr/>
         </p:nvGrpSpPr>
         <p:grpSpPr>
           <a:xfrm>
-            <a:off x="539552" y="3372084"/>
-            <a:ext cx="1728192" cy="1747241"/>
-            <a:chOff x="179512" y="3265935"/>
-            <a:chExt cx="1728192" cy="1747241"/>
+            <a:off x="827584" y="3516100"/>
+            <a:ext cx="1008112" cy="461665"/>
+            <a:chOff x="467544" y="3265935"/>
+            <a:chExt cx="1008112" cy="461665"/>
           </a:xfrm>
         </p:grpSpPr>
+        <p:sp>
+          <p:nvSpPr>
+            <p:cNvPr id="19" name="Textfeld 18"/>
+            <p:cNvSpPr txBox="1"/>
+            <p:nvPr/>
+          </p:nvSpPr>
+          <p:spPr>
+            <a:xfrm>
+              <a:off x="1063364" y="3356992"/>
+              <a:ext cx="412292" cy="276999"/>
+            </a:xfrm>
+            <a:prstGeom prst="rect">
+              <a:avLst/>
+            </a:prstGeom>
+            <a:noFill/>
+            <a:ln>
+              <a:solidFill>
+                <a:schemeClr val="tx1"/>
+              </a:solidFill>
+            </a:ln>
+          </p:spPr>
+          <p:txBody>
+            <a:bodyPr wrap="none" rtlCol="0">
+              <a:spAutoFit/>
+            </a:bodyPr>
+            <a:lstStyle/>
+            <a:p>
+              <a:r>
+                <a:rPr lang="de-DE" sz="1200"/>
+                <a:t>2</a:t>
+              </a:r>
+              <a:r>
+                <a:rPr lang="de-DE" sz="1200" smtClean="0"/>
+                <a:t>0k</a:t>
+              </a:r>
+              <a:endParaRPr lang="de-DE" sz="1200"/>
+            </a:p>
+          </p:txBody>
+        </p:sp>
         <p:grpSp>
           <p:nvGrpSpPr>
-            <p:cNvPr id="2055" name="Gruppieren 2054"/>
+            <p:cNvPr id="25" name="Gruppieren 24"/>
             <p:cNvGrpSpPr/>
             <p:nvPr/>
           </p:nvGrpSpPr>
           <p:grpSpPr>
             <a:xfrm>
               <a:off x="467544" y="3265935"/>
-              <a:ext cx="1008112" cy="461665"/>
-              <a:chOff x="467544" y="3265935"/>
-              <a:chExt cx="1008112" cy="461665"/>
+              <a:ext cx="601001" cy="461665"/>
+              <a:chOff x="4763087" y="2957810"/>
+              <a:chExt cx="601001" cy="461665"/>
             </a:xfrm>
           </p:grpSpPr>
+          <p:grpSp>
+            <p:nvGrpSpPr>
+              <p:cNvPr id="22" name="Gruppieren 21"/>
+              <p:cNvGrpSpPr/>
+              <p:nvPr/>
+            </p:nvGrpSpPr>
+            <p:grpSpPr>
+              <a:xfrm rot="16200000">
+                <a:off x="4644008" y="3140968"/>
+                <a:ext cx="360040" cy="121882"/>
+                <a:chOff x="4572000" y="6165304"/>
+                <a:chExt cx="360040" cy="121882"/>
+              </a:xfrm>
+            </p:grpSpPr>
+            <p:sp>
+              <p:nvSpPr>
+                <p:cNvPr id="23" name="Rechteck 22"/>
+                <p:cNvSpPr/>
+                <p:nvPr/>
+              </p:nvSpPr>
+              <p:spPr>
+                <a:xfrm>
+                  <a:off x="4572000" y="6165304"/>
+                  <a:ext cx="360040" cy="45719"/>
+                </a:xfrm>
+                <a:prstGeom prst="rect">
+                  <a:avLst/>
+                </a:prstGeom>
+                <a:solidFill>
+                  <a:schemeClr val="tx1"/>
+                </a:solidFill>
+                <a:ln>
+                  <a:noFill/>
+                </a:ln>
+              </p:spPr>
+              <p:style>
+                <a:lnRef idx="2">
+                  <a:schemeClr val="accent1">
+                    <a:shade val="50000"/>
+                  </a:schemeClr>
+                </a:lnRef>
+                <a:fillRef idx="1">
+                  <a:schemeClr val="accent1"/>
+                </a:fillRef>
+                <a:effectRef idx="0">
+                  <a:schemeClr val="accent1"/>
+                </a:effectRef>
+                <a:fontRef idx="minor">
+                  <a:schemeClr val="lt1"/>
+                </a:fontRef>
+              </p:style>
+              <p:txBody>
+                <a:bodyPr rtlCol="0" anchor="ctr"/>
+                <a:lstStyle/>
+                <a:p>
+                  <a:pPr algn="ctr"/>
+                  <a:endParaRPr lang="de-DE"/>
+                </a:p>
+              </p:txBody>
+            </p:sp>
+            <p:sp>
+              <p:nvSpPr>
+                <p:cNvPr id="24" name="Rechteck 23"/>
+                <p:cNvSpPr/>
+                <p:nvPr/>
+              </p:nvSpPr>
+              <p:spPr>
+                <a:xfrm>
+                  <a:off x="4572000" y="6241467"/>
+                  <a:ext cx="360040" cy="45719"/>
+                </a:xfrm>
+                <a:prstGeom prst="rect">
+                  <a:avLst/>
+                </a:prstGeom>
+                <a:solidFill>
+                  <a:schemeClr val="tx1"/>
+                </a:solidFill>
+                <a:ln>
+                  <a:noFill/>
+                </a:ln>
+              </p:spPr>
+              <p:style>
+                <a:lnRef idx="2">
+                  <a:schemeClr val="accent1">
+                    <a:shade val="50000"/>
+                  </a:schemeClr>
+                </a:lnRef>
+                <a:fillRef idx="1">
+                  <a:schemeClr val="accent1"/>
+                </a:fillRef>
+                <a:effectRef idx="0">
+                  <a:schemeClr val="accent1"/>
+                </a:effectRef>
+                <a:fontRef idx="minor">
+                  <a:schemeClr val="lt1"/>
+                </a:fontRef>
+              </p:style>
+              <p:txBody>
+                <a:bodyPr rtlCol="0" anchor="ctr"/>
+                <a:lstStyle/>
+                <a:p>
+                  <a:pPr algn="ctr"/>
+                  <a:endParaRPr lang="de-DE"/>
+                </a:p>
+              </p:txBody>
+            </p:sp>
+          </p:grpSp>
           <p:sp>
             <p:nvSpPr>
-              <p:cNvPr id="19" name="Textfeld 18"/>
+              <p:cNvPr id="21" name="Textfeld 20"/>
               <p:cNvSpPr txBox="1"/>
               <p:nvPr/>
             </p:nvSpPr>
             <p:spPr>
               <a:xfrm>
-                <a:off x="1063364" y="3356992"/>
-                <a:ext cx="412292" cy="276999"/>
+                <a:off x="4833173" y="2957810"/>
+                <a:ext cx="530915" cy="461665"/>
               </a:xfrm>
               <a:prstGeom prst="rect">
                 <a:avLst/>
               </a:prstGeom>
               <a:noFill/>
               <a:ln>
-                <a:solidFill>
-                  <a:schemeClr val="tx1"/>
-                </a:solidFill>
+                <a:noFill/>
               </a:ln>
             </p:spPr>
             <p:txBody>
@@ -26354,1230 +26473,32 @@
               <a:p>
                 <a:r>
                   <a:rPr lang="de-DE" sz="1200" smtClean="0"/>
-                  <a:t>10k</a:t>
+                  <a:t>+</a:t>
+                </a:r>
+              </a:p>
+              <a:p>
+                <a:r>
+                  <a:rPr lang="de-DE" sz="1200" smtClean="0"/>
+                  <a:t>4,7uF</a:t>
                 </a:r>
                 <a:endParaRPr lang="de-DE" sz="1200"/>
               </a:p>
             </p:txBody>
           </p:sp>
-          <p:grpSp>
-            <p:nvGrpSpPr>
-              <p:cNvPr id="25" name="Gruppieren 24"/>
-              <p:cNvGrpSpPr/>
-              <p:nvPr/>
-            </p:nvGrpSpPr>
-            <p:grpSpPr>
-              <a:xfrm>
-                <a:off x="467544" y="3265935"/>
-                <a:ext cx="601001" cy="461665"/>
-                <a:chOff x="4763087" y="2957810"/>
-                <a:chExt cx="601001" cy="461665"/>
-              </a:xfrm>
-            </p:grpSpPr>
-            <p:grpSp>
-              <p:nvGrpSpPr>
-                <p:cNvPr id="22" name="Gruppieren 21"/>
-                <p:cNvGrpSpPr/>
-                <p:nvPr/>
-              </p:nvGrpSpPr>
-              <p:grpSpPr>
-                <a:xfrm rot="16200000">
-                  <a:off x="4644008" y="3140968"/>
-                  <a:ext cx="360040" cy="121882"/>
-                  <a:chOff x="4572000" y="6165304"/>
-                  <a:chExt cx="360040" cy="121882"/>
-                </a:xfrm>
-              </p:grpSpPr>
-              <p:sp>
-                <p:nvSpPr>
-                  <p:cNvPr id="23" name="Rechteck 22"/>
-                  <p:cNvSpPr/>
-                  <p:nvPr/>
-                </p:nvSpPr>
-                <p:spPr>
-                  <a:xfrm>
-                    <a:off x="4572000" y="6165304"/>
-                    <a:ext cx="360040" cy="45719"/>
-                  </a:xfrm>
-                  <a:prstGeom prst="rect">
-                    <a:avLst/>
-                  </a:prstGeom>
-                  <a:solidFill>
-                    <a:schemeClr val="tx1"/>
-                  </a:solidFill>
-                  <a:ln>
-                    <a:noFill/>
-                  </a:ln>
-                </p:spPr>
-                <p:style>
-                  <a:lnRef idx="2">
-                    <a:schemeClr val="accent1">
-                      <a:shade val="50000"/>
-                    </a:schemeClr>
-                  </a:lnRef>
-                  <a:fillRef idx="1">
-                    <a:schemeClr val="accent1"/>
-                  </a:fillRef>
-                  <a:effectRef idx="0">
-                    <a:schemeClr val="accent1"/>
-                  </a:effectRef>
-                  <a:fontRef idx="minor">
-                    <a:schemeClr val="lt1"/>
-                  </a:fontRef>
-                </p:style>
-                <p:txBody>
-                  <a:bodyPr rtlCol="0" anchor="ctr"/>
-                  <a:lstStyle/>
-                  <a:p>
-                    <a:pPr algn="ctr"/>
-                    <a:endParaRPr lang="de-DE"/>
-                  </a:p>
-                </p:txBody>
-              </p:sp>
-              <p:sp>
-                <p:nvSpPr>
-                  <p:cNvPr id="24" name="Rechteck 23"/>
-                  <p:cNvSpPr/>
-                  <p:nvPr/>
-                </p:nvSpPr>
-                <p:spPr>
-                  <a:xfrm>
-                    <a:off x="4572000" y="6241467"/>
-                    <a:ext cx="360040" cy="45719"/>
-                  </a:xfrm>
-                  <a:prstGeom prst="rect">
-                    <a:avLst/>
-                  </a:prstGeom>
-                  <a:solidFill>
-                    <a:schemeClr val="tx1"/>
-                  </a:solidFill>
-                  <a:ln>
-                    <a:noFill/>
-                  </a:ln>
-                </p:spPr>
-                <p:style>
-                  <a:lnRef idx="2">
-                    <a:schemeClr val="accent1">
-                      <a:shade val="50000"/>
-                    </a:schemeClr>
-                  </a:lnRef>
-                  <a:fillRef idx="1">
-                    <a:schemeClr val="accent1"/>
-                  </a:fillRef>
-                  <a:effectRef idx="0">
-                    <a:schemeClr val="accent1"/>
-                  </a:effectRef>
-                  <a:fontRef idx="minor">
-                    <a:schemeClr val="lt1"/>
-                  </a:fontRef>
-                </p:style>
-                <p:txBody>
-                  <a:bodyPr rtlCol="0" anchor="ctr"/>
-                  <a:lstStyle/>
-                  <a:p>
-                    <a:pPr algn="ctr"/>
-                    <a:endParaRPr lang="de-DE"/>
-                  </a:p>
-                </p:txBody>
-              </p:sp>
-            </p:grpSp>
-            <p:sp>
-              <p:nvSpPr>
-                <p:cNvPr id="21" name="Textfeld 20"/>
-                <p:cNvSpPr txBox="1"/>
-                <p:nvPr/>
-              </p:nvSpPr>
-              <p:spPr>
-                <a:xfrm>
-                  <a:off x="4833173" y="2957810"/>
-                  <a:ext cx="530915" cy="461665"/>
-                </a:xfrm>
-                <a:prstGeom prst="rect">
-                  <a:avLst/>
-                </a:prstGeom>
-                <a:noFill/>
-                <a:ln>
-                  <a:noFill/>
-                </a:ln>
-              </p:spPr>
-              <p:txBody>
-                <a:bodyPr wrap="none" rtlCol="0">
-                  <a:spAutoFit/>
-                </a:bodyPr>
-                <a:lstStyle/>
-                <a:p>
-                  <a:r>
-                    <a:rPr lang="de-DE" sz="1200" smtClean="0"/>
-                    <a:t>+</a:t>
-                  </a:r>
-                </a:p>
-                <a:p>
-                  <a:r>
-                    <a:rPr lang="de-DE" sz="1200" smtClean="0"/>
-                    <a:t>4,7uF</a:t>
-                  </a:r>
-                  <a:endParaRPr lang="de-DE" sz="1200"/>
-                </a:p>
-              </p:txBody>
-            </p:sp>
-          </p:grpSp>
-          <p:cxnSp>
-            <p:nvCxnSpPr>
-              <p:cNvPr id="2048" name="Gerade Verbindung 2047"/>
-              <p:cNvCxnSpPr>
-                <a:stCxn id="21" idx="1"/>
-                <a:endCxn id="19" idx="1"/>
-              </p:cNvCxnSpPr>
-              <p:nvPr/>
-            </p:nvCxnSpPr>
-            <p:spPr>
-              <a:xfrm flipV="1">
-                <a:off x="537630" y="3495492"/>
-                <a:ext cx="525734" cy="1276"/>
-              </a:xfrm>
-              <a:prstGeom prst="line">
-                <a:avLst/>
-              </a:prstGeom>
-              <a:ln>
-                <a:solidFill>
-                  <a:schemeClr val="tx1"/>
-                </a:solidFill>
-              </a:ln>
-            </p:spPr>
-            <p:style>
-              <a:lnRef idx="1">
-                <a:schemeClr val="accent1"/>
-              </a:lnRef>
-              <a:fillRef idx="0">
-                <a:schemeClr val="accent1"/>
-              </a:fillRef>
-              <a:effectRef idx="0">
-                <a:schemeClr val="accent1"/>
-              </a:effectRef>
-              <a:fontRef idx="minor">
-                <a:schemeClr val="tx1"/>
-              </a:fontRef>
-            </p:style>
-          </p:cxnSp>
-        </p:grpSp>
-        <p:grpSp>
-          <p:nvGrpSpPr>
-            <p:cNvPr id="44" name="Gruppieren 43"/>
-            <p:cNvGrpSpPr/>
-            <p:nvPr/>
-          </p:nvGrpSpPr>
-          <p:grpSpPr>
-            <a:xfrm>
-              <a:off x="467544" y="3687415"/>
-              <a:ext cx="1008112" cy="461665"/>
-              <a:chOff x="467544" y="3265935"/>
-              <a:chExt cx="1008112" cy="461665"/>
-            </a:xfrm>
-          </p:grpSpPr>
-          <p:sp>
-            <p:nvSpPr>
-              <p:cNvPr id="45" name="Textfeld 44"/>
-              <p:cNvSpPr txBox="1"/>
-              <p:nvPr/>
-            </p:nvSpPr>
-            <p:spPr>
-              <a:xfrm>
-                <a:off x="1063364" y="3356992"/>
-                <a:ext cx="412292" cy="276999"/>
-              </a:xfrm>
-              <a:prstGeom prst="rect">
-                <a:avLst/>
-              </a:prstGeom>
-              <a:noFill/>
-              <a:ln>
-                <a:solidFill>
-                  <a:schemeClr val="tx1"/>
-                </a:solidFill>
-              </a:ln>
-            </p:spPr>
-            <p:txBody>
-              <a:bodyPr wrap="none" rtlCol="0">
-                <a:spAutoFit/>
-              </a:bodyPr>
-              <a:lstStyle/>
-              <a:p>
-                <a:r>
-                  <a:rPr lang="de-DE" sz="1200" smtClean="0"/>
-                  <a:t>10k</a:t>
-                </a:r>
-                <a:endParaRPr lang="de-DE" sz="1200"/>
-              </a:p>
-            </p:txBody>
-          </p:sp>
-          <p:grpSp>
-            <p:nvGrpSpPr>
-              <p:cNvPr id="46" name="Gruppieren 45"/>
-              <p:cNvGrpSpPr/>
-              <p:nvPr/>
-            </p:nvGrpSpPr>
-            <p:grpSpPr>
-              <a:xfrm>
-                <a:off x="467544" y="3265935"/>
-                <a:ext cx="601001" cy="461665"/>
-                <a:chOff x="4763087" y="2957810"/>
-                <a:chExt cx="601001" cy="461665"/>
-              </a:xfrm>
-            </p:grpSpPr>
-            <p:grpSp>
-              <p:nvGrpSpPr>
-                <p:cNvPr id="48" name="Gruppieren 47"/>
-                <p:cNvGrpSpPr/>
-                <p:nvPr/>
-              </p:nvGrpSpPr>
-              <p:grpSpPr>
-                <a:xfrm rot="16200000">
-                  <a:off x="4644008" y="3140968"/>
-                  <a:ext cx="360040" cy="121882"/>
-                  <a:chOff x="4572000" y="6165304"/>
-                  <a:chExt cx="360040" cy="121882"/>
-                </a:xfrm>
-              </p:grpSpPr>
-              <p:sp>
-                <p:nvSpPr>
-                  <p:cNvPr id="50" name="Rechteck 49"/>
-                  <p:cNvSpPr/>
-                  <p:nvPr/>
-                </p:nvSpPr>
-                <p:spPr>
-                  <a:xfrm>
-                    <a:off x="4572000" y="6165304"/>
-                    <a:ext cx="360040" cy="45719"/>
-                  </a:xfrm>
-                  <a:prstGeom prst="rect">
-                    <a:avLst/>
-                  </a:prstGeom>
-                  <a:solidFill>
-                    <a:schemeClr val="tx1"/>
-                  </a:solidFill>
-                  <a:ln>
-                    <a:noFill/>
-                  </a:ln>
-                </p:spPr>
-                <p:style>
-                  <a:lnRef idx="2">
-                    <a:schemeClr val="accent1">
-                      <a:shade val="50000"/>
-                    </a:schemeClr>
-                  </a:lnRef>
-                  <a:fillRef idx="1">
-                    <a:schemeClr val="accent1"/>
-                  </a:fillRef>
-                  <a:effectRef idx="0">
-                    <a:schemeClr val="accent1"/>
-                  </a:effectRef>
-                  <a:fontRef idx="minor">
-                    <a:schemeClr val="lt1"/>
-                  </a:fontRef>
-                </p:style>
-                <p:txBody>
-                  <a:bodyPr rtlCol="0" anchor="ctr"/>
-                  <a:lstStyle/>
-                  <a:p>
-                    <a:pPr algn="ctr"/>
-                    <a:endParaRPr lang="de-DE"/>
-                  </a:p>
-                </p:txBody>
-              </p:sp>
-              <p:sp>
-                <p:nvSpPr>
-                  <p:cNvPr id="51" name="Rechteck 50"/>
-                  <p:cNvSpPr/>
-                  <p:nvPr/>
-                </p:nvSpPr>
-                <p:spPr>
-                  <a:xfrm>
-                    <a:off x="4572000" y="6241467"/>
-                    <a:ext cx="360040" cy="45719"/>
-                  </a:xfrm>
-                  <a:prstGeom prst="rect">
-                    <a:avLst/>
-                  </a:prstGeom>
-                  <a:solidFill>
-                    <a:schemeClr val="tx1"/>
-                  </a:solidFill>
-                  <a:ln>
-                    <a:noFill/>
-                  </a:ln>
-                </p:spPr>
-                <p:style>
-                  <a:lnRef idx="2">
-                    <a:schemeClr val="accent1">
-                      <a:shade val="50000"/>
-                    </a:schemeClr>
-                  </a:lnRef>
-                  <a:fillRef idx="1">
-                    <a:schemeClr val="accent1"/>
-                  </a:fillRef>
-                  <a:effectRef idx="0">
-                    <a:schemeClr val="accent1"/>
-                  </a:effectRef>
-                  <a:fontRef idx="minor">
-                    <a:schemeClr val="lt1"/>
-                  </a:fontRef>
-                </p:style>
-                <p:txBody>
-                  <a:bodyPr rtlCol="0" anchor="ctr"/>
-                  <a:lstStyle/>
-                  <a:p>
-                    <a:pPr algn="ctr"/>
-                    <a:endParaRPr lang="de-DE"/>
-                  </a:p>
-                </p:txBody>
-              </p:sp>
-            </p:grpSp>
-            <p:sp>
-              <p:nvSpPr>
-                <p:cNvPr id="49" name="Textfeld 48"/>
-                <p:cNvSpPr txBox="1"/>
-                <p:nvPr/>
-              </p:nvSpPr>
-              <p:spPr>
-                <a:xfrm>
-                  <a:off x="4833173" y="2957810"/>
-                  <a:ext cx="530915" cy="461665"/>
-                </a:xfrm>
-                <a:prstGeom prst="rect">
-                  <a:avLst/>
-                </a:prstGeom>
-                <a:noFill/>
-                <a:ln>
-                  <a:noFill/>
-                </a:ln>
-              </p:spPr>
-              <p:txBody>
-                <a:bodyPr wrap="none" rtlCol="0">
-                  <a:spAutoFit/>
-                </a:bodyPr>
-                <a:lstStyle/>
-                <a:p>
-                  <a:r>
-                    <a:rPr lang="de-DE" sz="1200" smtClean="0"/>
-                    <a:t>+</a:t>
-                  </a:r>
-                </a:p>
-                <a:p>
-                  <a:r>
-                    <a:rPr lang="de-DE" sz="1200" smtClean="0"/>
-                    <a:t>4,7uF</a:t>
-                  </a:r>
-                  <a:endParaRPr lang="de-DE" sz="1200"/>
-                </a:p>
-              </p:txBody>
-            </p:sp>
-          </p:grpSp>
-          <p:cxnSp>
-            <p:nvCxnSpPr>
-              <p:cNvPr id="47" name="Gerade Verbindung 46"/>
-              <p:cNvCxnSpPr>
-                <a:stCxn id="49" idx="1"/>
-                <a:endCxn id="45" idx="1"/>
-              </p:cNvCxnSpPr>
-              <p:nvPr/>
-            </p:nvCxnSpPr>
-            <p:spPr>
-              <a:xfrm flipV="1">
-                <a:off x="537630" y="3495492"/>
-                <a:ext cx="525734" cy="1276"/>
-              </a:xfrm>
-              <a:prstGeom prst="line">
-                <a:avLst/>
-              </a:prstGeom>
-              <a:ln>
-                <a:solidFill>
-                  <a:schemeClr val="tx1"/>
-                </a:solidFill>
-              </a:ln>
-            </p:spPr>
-            <p:style>
-              <a:lnRef idx="1">
-                <a:schemeClr val="accent1"/>
-              </a:lnRef>
-              <a:fillRef idx="0">
-                <a:schemeClr val="accent1"/>
-              </a:fillRef>
-              <a:effectRef idx="0">
-                <a:schemeClr val="accent1"/>
-              </a:effectRef>
-              <a:fontRef idx="minor">
-                <a:schemeClr val="tx1"/>
-              </a:fontRef>
-            </p:style>
-          </p:cxnSp>
-        </p:grpSp>
-        <p:grpSp>
-          <p:nvGrpSpPr>
-            <p:cNvPr id="52" name="Gruppieren 51"/>
-            <p:cNvGrpSpPr/>
-            <p:nvPr/>
-          </p:nvGrpSpPr>
-          <p:grpSpPr>
-            <a:xfrm>
-              <a:off x="467544" y="4119463"/>
-              <a:ext cx="1008112" cy="461665"/>
-              <a:chOff x="467544" y="3265935"/>
-              <a:chExt cx="1008112" cy="461665"/>
-            </a:xfrm>
-          </p:grpSpPr>
-          <p:sp>
-            <p:nvSpPr>
-              <p:cNvPr id="53" name="Textfeld 52"/>
-              <p:cNvSpPr txBox="1"/>
-              <p:nvPr/>
-            </p:nvSpPr>
-            <p:spPr>
-              <a:xfrm>
-                <a:off x="1063364" y="3356992"/>
-                <a:ext cx="412292" cy="276999"/>
-              </a:xfrm>
-              <a:prstGeom prst="rect">
-                <a:avLst/>
-              </a:prstGeom>
-              <a:noFill/>
-              <a:ln>
-                <a:solidFill>
-                  <a:schemeClr val="tx1"/>
-                </a:solidFill>
-              </a:ln>
-            </p:spPr>
-            <p:txBody>
-              <a:bodyPr wrap="none" rtlCol="0">
-                <a:spAutoFit/>
-              </a:bodyPr>
-              <a:lstStyle/>
-              <a:p>
-                <a:r>
-                  <a:rPr lang="de-DE" sz="1200" smtClean="0"/>
-                  <a:t>10k</a:t>
-                </a:r>
-                <a:endParaRPr lang="de-DE" sz="1200"/>
-              </a:p>
-            </p:txBody>
-          </p:sp>
-          <p:grpSp>
-            <p:nvGrpSpPr>
-              <p:cNvPr id="54" name="Gruppieren 53"/>
-              <p:cNvGrpSpPr/>
-              <p:nvPr/>
-            </p:nvGrpSpPr>
-            <p:grpSpPr>
-              <a:xfrm>
-                <a:off x="467544" y="3265935"/>
-                <a:ext cx="601001" cy="461665"/>
-                <a:chOff x="4763087" y="2957810"/>
-                <a:chExt cx="601001" cy="461665"/>
-              </a:xfrm>
-            </p:grpSpPr>
-            <p:grpSp>
-              <p:nvGrpSpPr>
-                <p:cNvPr id="56" name="Gruppieren 55"/>
-                <p:cNvGrpSpPr/>
-                <p:nvPr/>
-              </p:nvGrpSpPr>
-              <p:grpSpPr>
-                <a:xfrm rot="16200000">
-                  <a:off x="4644008" y="3140968"/>
-                  <a:ext cx="360040" cy="121882"/>
-                  <a:chOff x="4572000" y="6165304"/>
-                  <a:chExt cx="360040" cy="121882"/>
-                </a:xfrm>
-              </p:grpSpPr>
-              <p:sp>
-                <p:nvSpPr>
-                  <p:cNvPr id="58" name="Rechteck 57"/>
-                  <p:cNvSpPr/>
-                  <p:nvPr/>
-                </p:nvSpPr>
-                <p:spPr>
-                  <a:xfrm>
-                    <a:off x="4572000" y="6165304"/>
-                    <a:ext cx="360040" cy="45719"/>
-                  </a:xfrm>
-                  <a:prstGeom prst="rect">
-                    <a:avLst/>
-                  </a:prstGeom>
-                  <a:solidFill>
-                    <a:schemeClr val="tx1"/>
-                  </a:solidFill>
-                  <a:ln>
-                    <a:noFill/>
-                  </a:ln>
-                </p:spPr>
-                <p:style>
-                  <a:lnRef idx="2">
-                    <a:schemeClr val="accent1">
-                      <a:shade val="50000"/>
-                    </a:schemeClr>
-                  </a:lnRef>
-                  <a:fillRef idx="1">
-                    <a:schemeClr val="accent1"/>
-                  </a:fillRef>
-                  <a:effectRef idx="0">
-                    <a:schemeClr val="accent1"/>
-                  </a:effectRef>
-                  <a:fontRef idx="minor">
-                    <a:schemeClr val="lt1"/>
-                  </a:fontRef>
-                </p:style>
-                <p:txBody>
-                  <a:bodyPr rtlCol="0" anchor="ctr"/>
-                  <a:lstStyle/>
-                  <a:p>
-                    <a:pPr algn="ctr"/>
-                    <a:endParaRPr lang="de-DE"/>
-                  </a:p>
-                </p:txBody>
-              </p:sp>
-              <p:sp>
-                <p:nvSpPr>
-                  <p:cNvPr id="59" name="Rechteck 58"/>
-                  <p:cNvSpPr/>
-                  <p:nvPr/>
-                </p:nvSpPr>
-                <p:spPr>
-                  <a:xfrm>
-                    <a:off x="4572000" y="6241467"/>
-                    <a:ext cx="360040" cy="45719"/>
-                  </a:xfrm>
-                  <a:prstGeom prst="rect">
-                    <a:avLst/>
-                  </a:prstGeom>
-                  <a:solidFill>
-                    <a:schemeClr val="tx1"/>
-                  </a:solidFill>
-                  <a:ln>
-                    <a:noFill/>
-                  </a:ln>
-                </p:spPr>
-                <p:style>
-                  <a:lnRef idx="2">
-                    <a:schemeClr val="accent1">
-                      <a:shade val="50000"/>
-                    </a:schemeClr>
-                  </a:lnRef>
-                  <a:fillRef idx="1">
-                    <a:schemeClr val="accent1"/>
-                  </a:fillRef>
-                  <a:effectRef idx="0">
-                    <a:schemeClr val="accent1"/>
-                  </a:effectRef>
-                  <a:fontRef idx="minor">
-                    <a:schemeClr val="lt1"/>
-                  </a:fontRef>
-                </p:style>
-                <p:txBody>
-                  <a:bodyPr rtlCol="0" anchor="ctr"/>
-                  <a:lstStyle/>
-                  <a:p>
-                    <a:pPr algn="ctr"/>
-                    <a:endParaRPr lang="de-DE"/>
-                  </a:p>
-                </p:txBody>
-              </p:sp>
-            </p:grpSp>
-            <p:sp>
-              <p:nvSpPr>
-                <p:cNvPr id="57" name="Textfeld 56"/>
-                <p:cNvSpPr txBox="1"/>
-                <p:nvPr/>
-              </p:nvSpPr>
-              <p:spPr>
-                <a:xfrm>
-                  <a:off x="4833173" y="2957810"/>
-                  <a:ext cx="530915" cy="461665"/>
-                </a:xfrm>
-                <a:prstGeom prst="rect">
-                  <a:avLst/>
-                </a:prstGeom>
-                <a:noFill/>
-                <a:ln>
-                  <a:noFill/>
-                </a:ln>
-              </p:spPr>
-              <p:txBody>
-                <a:bodyPr wrap="none" rtlCol="0">
-                  <a:spAutoFit/>
-                </a:bodyPr>
-                <a:lstStyle/>
-                <a:p>
-                  <a:r>
-                    <a:rPr lang="de-DE" sz="1200" smtClean="0"/>
-                    <a:t>+</a:t>
-                  </a:r>
-                </a:p>
-                <a:p>
-                  <a:r>
-                    <a:rPr lang="de-DE" sz="1200" smtClean="0"/>
-                    <a:t>4,7uF</a:t>
-                  </a:r>
-                  <a:endParaRPr lang="de-DE" sz="1200"/>
-                </a:p>
-              </p:txBody>
-            </p:sp>
-          </p:grpSp>
-          <p:cxnSp>
-            <p:nvCxnSpPr>
-              <p:cNvPr id="55" name="Gerade Verbindung 54"/>
-              <p:cNvCxnSpPr>
-                <a:stCxn id="57" idx="1"/>
-                <a:endCxn id="53" idx="1"/>
-              </p:cNvCxnSpPr>
-              <p:nvPr/>
-            </p:nvCxnSpPr>
-            <p:spPr>
-              <a:xfrm flipV="1">
-                <a:off x="537630" y="3495492"/>
-                <a:ext cx="525734" cy="1276"/>
-              </a:xfrm>
-              <a:prstGeom prst="line">
-                <a:avLst/>
-              </a:prstGeom>
-              <a:ln>
-                <a:solidFill>
-                  <a:schemeClr val="tx1"/>
-                </a:solidFill>
-              </a:ln>
-            </p:spPr>
-            <p:style>
-              <a:lnRef idx="1">
-                <a:schemeClr val="accent1"/>
-              </a:lnRef>
-              <a:fillRef idx="0">
-                <a:schemeClr val="accent1"/>
-              </a:fillRef>
-              <a:effectRef idx="0">
-                <a:schemeClr val="accent1"/>
-              </a:effectRef>
-              <a:fontRef idx="minor">
-                <a:schemeClr val="tx1"/>
-              </a:fontRef>
-            </p:style>
-          </p:cxnSp>
-        </p:grpSp>
-        <p:grpSp>
-          <p:nvGrpSpPr>
-            <p:cNvPr id="60" name="Gruppieren 59"/>
-            <p:cNvGrpSpPr/>
-            <p:nvPr/>
-          </p:nvGrpSpPr>
-          <p:grpSpPr>
-            <a:xfrm>
-              <a:off x="467544" y="4551511"/>
-              <a:ext cx="1008112" cy="461665"/>
-              <a:chOff x="467544" y="3265935"/>
-              <a:chExt cx="1008112" cy="461665"/>
-            </a:xfrm>
-          </p:grpSpPr>
-          <p:sp>
-            <p:nvSpPr>
-              <p:cNvPr id="61" name="Textfeld 60"/>
-              <p:cNvSpPr txBox="1"/>
-              <p:nvPr/>
-            </p:nvSpPr>
-            <p:spPr>
-              <a:xfrm>
-                <a:off x="1063364" y="3356992"/>
-                <a:ext cx="412292" cy="276999"/>
-              </a:xfrm>
-              <a:prstGeom prst="rect">
-                <a:avLst/>
-              </a:prstGeom>
-              <a:noFill/>
-              <a:ln>
-                <a:solidFill>
-                  <a:schemeClr val="tx1"/>
-                </a:solidFill>
-              </a:ln>
-            </p:spPr>
-            <p:txBody>
-              <a:bodyPr wrap="none" rtlCol="0">
-                <a:spAutoFit/>
-              </a:bodyPr>
-              <a:lstStyle/>
-              <a:p>
-                <a:r>
-                  <a:rPr lang="de-DE" sz="1200" smtClean="0"/>
-                  <a:t>10k</a:t>
-                </a:r>
-                <a:endParaRPr lang="de-DE" sz="1200"/>
-              </a:p>
-            </p:txBody>
-          </p:sp>
-          <p:grpSp>
-            <p:nvGrpSpPr>
-              <p:cNvPr id="62" name="Gruppieren 61"/>
-              <p:cNvGrpSpPr/>
-              <p:nvPr/>
-            </p:nvGrpSpPr>
-            <p:grpSpPr>
-              <a:xfrm>
-                <a:off x="467544" y="3265935"/>
-                <a:ext cx="601001" cy="461665"/>
-                <a:chOff x="4763087" y="2957810"/>
-                <a:chExt cx="601001" cy="461665"/>
-              </a:xfrm>
-            </p:grpSpPr>
-            <p:grpSp>
-              <p:nvGrpSpPr>
-                <p:cNvPr id="64" name="Gruppieren 63"/>
-                <p:cNvGrpSpPr/>
-                <p:nvPr/>
-              </p:nvGrpSpPr>
-              <p:grpSpPr>
-                <a:xfrm rot="16200000">
-                  <a:off x="4644008" y="3140968"/>
-                  <a:ext cx="360040" cy="121882"/>
-                  <a:chOff x="4572000" y="6165304"/>
-                  <a:chExt cx="360040" cy="121882"/>
-                </a:xfrm>
-              </p:grpSpPr>
-              <p:sp>
-                <p:nvSpPr>
-                  <p:cNvPr id="66" name="Rechteck 65"/>
-                  <p:cNvSpPr/>
-                  <p:nvPr/>
-                </p:nvSpPr>
-                <p:spPr>
-                  <a:xfrm>
-                    <a:off x="4572000" y="6165304"/>
-                    <a:ext cx="360040" cy="45719"/>
-                  </a:xfrm>
-                  <a:prstGeom prst="rect">
-                    <a:avLst/>
-                  </a:prstGeom>
-                  <a:solidFill>
-                    <a:schemeClr val="tx1"/>
-                  </a:solidFill>
-                  <a:ln>
-                    <a:noFill/>
-                  </a:ln>
-                </p:spPr>
-                <p:style>
-                  <a:lnRef idx="2">
-                    <a:schemeClr val="accent1">
-                      <a:shade val="50000"/>
-                    </a:schemeClr>
-                  </a:lnRef>
-                  <a:fillRef idx="1">
-                    <a:schemeClr val="accent1"/>
-                  </a:fillRef>
-                  <a:effectRef idx="0">
-                    <a:schemeClr val="accent1"/>
-                  </a:effectRef>
-                  <a:fontRef idx="minor">
-                    <a:schemeClr val="lt1"/>
-                  </a:fontRef>
-                </p:style>
-                <p:txBody>
-                  <a:bodyPr rtlCol="0" anchor="ctr"/>
-                  <a:lstStyle/>
-                  <a:p>
-                    <a:pPr algn="ctr"/>
-                    <a:endParaRPr lang="de-DE"/>
-                  </a:p>
-                </p:txBody>
-              </p:sp>
-              <p:sp>
-                <p:nvSpPr>
-                  <p:cNvPr id="67" name="Rechteck 66"/>
-                  <p:cNvSpPr/>
-                  <p:nvPr/>
-                </p:nvSpPr>
-                <p:spPr>
-                  <a:xfrm>
-                    <a:off x="4572000" y="6241467"/>
-                    <a:ext cx="360040" cy="45719"/>
-                  </a:xfrm>
-                  <a:prstGeom prst="rect">
-                    <a:avLst/>
-                  </a:prstGeom>
-                  <a:solidFill>
-                    <a:schemeClr val="tx1"/>
-                  </a:solidFill>
-                  <a:ln>
-                    <a:noFill/>
-                  </a:ln>
-                </p:spPr>
-                <p:style>
-                  <a:lnRef idx="2">
-                    <a:schemeClr val="accent1">
-                      <a:shade val="50000"/>
-                    </a:schemeClr>
-                  </a:lnRef>
-                  <a:fillRef idx="1">
-                    <a:schemeClr val="accent1"/>
-                  </a:fillRef>
-                  <a:effectRef idx="0">
-                    <a:schemeClr val="accent1"/>
-                  </a:effectRef>
-                  <a:fontRef idx="minor">
-                    <a:schemeClr val="lt1"/>
-                  </a:fontRef>
-                </p:style>
-                <p:txBody>
-                  <a:bodyPr rtlCol="0" anchor="ctr"/>
-                  <a:lstStyle/>
-                  <a:p>
-                    <a:pPr algn="ctr"/>
-                    <a:endParaRPr lang="de-DE"/>
-                  </a:p>
-                </p:txBody>
-              </p:sp>
-            </p:grpSp>
-            <p:sp>
-              <p:nvSpPr>
-                <p:cNvPr id="65" name="Textfeld 64"/>
-                <p:cNvSpPr txBox="1"/>
-                <p:nvPr/>
-              </p:nvSpPr>
-              <p:spPr>
-                <a:xfrm>
-                  <a:off x="4833173" y="2957810"/>
-                  <a:ext cx="530915" cy="461665"/>
-                </a:xfrm>
-                <a:prstGeom prst="rect">
-                  <a:avLst/>
-                </a:prstGeom>
-                <a:noFill/>
-                <a:ln>
-                  <a:noFill/>
-                </a:ln>
-              </p:spPr>
-              <p:txBody>
-                <a:bodyPr wrap="none" rtlCol="0">
-                  <a:spAutoFit/>
-                </a:bodyPr>
-                <a:lstStyle/>
-                <a:p>
-                  <a:r>
-                    <a:rPr lang="de-DE" sz="1200" smtClean="0"/>
-                    <a:t>+</a:t>
-                  </a:r>
-                </a:p>
-                <a:p>
-                  <a:r>
-                    <a:rPr lang="de-DE" sz="1200" smtClean="0"/>
-                    <a:t>4,7uF</a:t>
-                  </a:r>
-                  <a:endParaRPr lang="de-DE" sz="1200"/>
-                </a:p>
-              </p:txBody>
-            </p:sp>
-          </p:grpSp>
-          <p:cxnSp>
-            <p:nvCxnSpPr>
-              <p:cNvPr id="63" name="Gerade Verbindung 62"/>
-              <p:cNvCxnSpPr>
-                <a:stCxn id="65" idx="1"/>
-                <a:endCxn id="61" idx="1"/>
-              </p:cNvCxnSpPr>
-              <p:nvPr/>
-            </p:nvCxnSpPr>
-            <p:spPr>
-              <a:xfrm flipV="1">
-                <a:off x="537630" y="3495492"/>
-                <a:ext cx="525734" cy="1276"/>
-              </a:xfrm>
-              <a:prstGeom prst="line">
-                <a:avLst/>
-              </a:prstGeom>
-              <a:ln>
-                <a:solidFill>
-                  <a:schemeClr val="tx1"/>
-                </a:solidFill>
-              </a:ln>
-            </p:spPr>
-            <p:style>
-              <a:lnRef idx="1">
-                <a:schemeClr val="accent1"/>
-              </a:lnRef>
-              <a:fillRef idx="0">
-                <a:schemeClr val="accent1"/>
-              </a:fillRef>
-              <a:effectRef idx="0">
-                <a:schemeClr val="accent1"/>
-              </a:effectRef>
-              <a:fontRef idx="minor">
-                <a:schemeClr val="tx1"/>
-              </a:fontRef>
-            </p:style>
-          </p:cxnSp>
         </p:grpSp>
         <p:cxnSp>
           <p:nvCxnSpPr>
-            <p:cNvPr id="2057" name="Gerade Verbindung 2056"/>
+            <p:cNvPr id="2048" name="Gerade Verbindung 2047"/>
             <p:cNvCxnSpPr>
-              <a:stCxn id="19" idx="3"/>
+              <a:stCxn id="21" idx="1"/>
+              <a:endCxn id="19" idx="1"/>
             </p:cNvCxnSpPr>
             <p:nvPr/>
           </p:nvCxnSpPr>
           <p:spPr>
             <a:xfrm flipV="1">
-              <a:off x="1475656" y="3495491"/>
-              <a:ext cx="432048" cy="1"/>
-            </a:xfrm>
-            <a:prstGeom prst="line">
-              <a:avLst/>
-            </a:prstGeom>
-            <a:ln>
-              <a:solidFill>
-                <a:schemeClr val="tx1"/>
-              </a:solidFill>
-            </a:ln>
-          </p:spPr>
-          <p:style>
-            <a:lnRef idx="1">
-              <a:schemeClr val="accent1"/>
-            </a:lnRef>
-            <a:fillRef idx="0">
-              <a:schemeClr val="accent1"/>
-            </a:fillRef>
-            <a:effectRef idx="0">
-              <a:schemeClr val="accent1"/>
-            </a:effectRef>
-            <a:fontRef idx="minor">
-              <a:schemeClr val="tx1"/>
-            </a:fontRef>
-          </p:style>
-        </p:cxnSp>
-        <p:cxnSp>
-          <p:nvCxnSpPr>
-            <p:cNvPr id="70" name="Gerade Verbindung 69"/>
-            <p:cNvCxnSpPr>
-              <a:stCxn id="45" idx="3"/>
-            </p:cNvCxnSpPr>
-            <p:nvPr/>
-          </p:nvCxnSpPr>
-          <p:spPr>
-            <a:xfrm flipV="1">
-              <a:off x="1475656" y="3916971"/>
-              <a:ext cx="432048" cy="1"/>
-            </a:xfrm>
-            <a:prstGeom prst="line">
-              <a:avLst/>
-            </a:prstGeom>
-            <a:ln>
-              <a:solidFill>
-                <a:schemeClr val="tx1"/>
-              </a:solidFill>
-            </a:ln>
-          </p:spPr>
-          <p:style>
-            <a:lnRef idx="1">
-              <a:schemeClr val="accent1"/>
-            </a:lnRef>
-            <a:fillRef idx="0">
-              <a:schemeClr val="accent1"/>
-            </a:fillRef>
-            <a:effectRef idx="0">
-              <a:schemeClr val="accent1"/>
-            </a:effectRef>
-            <a:fontRef idx="minor">
-              <a:schemeClr val="tx1"/>
-            </a:fontRef>
-          </p:style>
-        </p:cxnSp>
-        <p:cxnSp>
-          <p:nvCxnSpPr>
-            <p:cNvPr id="73" name="Gerade Verbindung 72"/>
-            <p:cNvCxnSpPr>
-              <a:stCxn id="53" idx="3"/>
-            </p:cNvCxnSpPr>
-            <p:nvPr/>
-          </p:nvCxnSpPr>
-          <p:spPr>
-            <a:xfrm flipV="1">
-              <a:off x="1475656" y="4349019"/>
-              <a:ext cx="432048" cy="1"/>
-            </a:xfrm>
-            <a:prstGeom prst="line">
-              <a:avLst/>
-            </a:prstGeom>
-            <a:ln>
-              <a:solidFill>
-                <a:schemeClr val="tx1"/>
-              </a:solidFill>
-            </a:ln>
-          </p:spPr>
-          <p:style>
-            <a:lnRef idx="1">
-              <a:schemeClr val="accent1"/>
-            </a:lnRef>
-            <a:fillRef idx="0">
-              <a:schemeClr val="accent1"/>
-            </a:fillRef>
-            <a:effectRef idx="0">
-              <a:schemeClr val="accent1"/>
-            </a:effectRef>
-            <a:fontRef idx="minor">
-              <a:schemeClr val="tx1"/>
-            </a:fontRef>
-          </p:style>
-        </p:cxnSp>
-        <p:cxnSp>
-          <p:nvCxnSpPr>
-            <p:cNvPr id="77" name="Gerade Verbindung 76"/>
-            <p:cNvCxnSpPr>
-              <a:stCxn id="61" idx="3"/>
-            </p:cNvCxnSpPr>
-            <p:nvPr/>
-          </p:nvCxnSpPr>
-          <p:spPr>
-            <a:xfrm flipV="1">
-              <a:off x="1475656" y="4781067"/>
-              <a:ext cx="432048" cy="1"/>
-            </a:xfrm>
-            <a:prstGeom prst="line">
-              <a:avLst/>
-            </a:prstGeom>
-            <a:ln>
-              <a:solidFill>
-                <a:schemeClr val="tx1"/>
-              </a:solidFill>
-            </a:ln>
-          </p:spPr>
-          <p:style>
-            <a:lnRef idx="1">
-              <a:schemeClr val="accent1"/>
-            </a:lnRef>
-            <a:fillRef idx="0">
-              <a:schemeClr val="accent1"/>
-            </a:fillRef>
-            <a:effectRef idx="0">
-              <a:schemeClr val="accent1"/>
-            </a:effectRef>
-            <a:fontRef idx="minor">
-              <a:schemeClr val="tx1"/>
-            </a:fontRef>
-          </p:style>
-        </p:cxnSp>
-        <p:cxnSp>
-          <p:nvCxnSpPr>
-            <p:cNvPr id="80" name="Gerade Verbindung 79"/>
-            <p:cNvCxnSpPr>
-              <a:stCxn id="23" idx="0"/>
-            </p:cNvCxnSpPr>
-            <p:nvPr/>
-          </p:nvCxnSpPr>
-          <p:spPr>
-            <a:xfrm flipH="1">
-              <a:off x="179512" y="3510035"/>
-              <a:ext cx="288033" cy="0"/>
-            </a:xfrm>
-            <a:prstGeom prst="line">
-              <a:avLst/>
-            </a:prstGeom>
-            <a:ln>
-              <a:solidFill>
-                <a:schemeClr val="tx1"/>
-              </a:solidFill>
-            </a:ln>
-          </p:spPr>
-          <p:style>
-            <a:lnRef idx="1">
-              <a:schemeClr val="accent1"/>
-            </a:lnRef>
-            <a:fillRef idx="0">
-              <a:schemeClr val="accent1"/>
-            </a:fillRef>
-            <a:effectRef idx="0">
-              <a:schemeClr val="accent1"/>
-            </a:effectRef>
-            <a:fontRef idx="minor">
-              <a:schemeClr val="tx1"/>
-            </a:fontRef>
-          </p:style>
-        </p:cxnSp>
-        <p:cxnSp>
-          <p:nvCxnSpPr>
-            <p:cNvPr id="83" name="Gerade Verbindung 82"/>
-            <p:cNvCxnSpPr>
-              <a:stCxn id="50" idx="0"/>
-            </p:cNvCxnSpPr>
-            <p:nvPr/>
-          </p:nvCxnSpPr>
-          <p:spPr>
-            <a:xfrm flipH="1">
-              <a:off x="179512" y="3931514"/>
-              <a:ext cx="288033" cy="0"/>
-            </a:xfrm>
-            <a:prstGeom prst="line">
-              <a:avLst/>
-            </a:prstGeom>
-            <a:ln>
-              <a:solidFill>
-                <a:schemeClr val="tx1"/>
-              </a:solidFill>
-            </a:ln>
-          </p:spPr>
-          <p:style>
-            <a:lnRef idx="1">
-              <a:schemeClr val="accent1"/>
-            </a:lnRef>
-            <a:fillRef idx="0">
-              <a:schemeClr val="accent1"/>
-            </a:fillRef>
-            <a:effectRef idx="0">
-              <a:schemeClr val="accent1"/>
-            </a:effectRef>
-            <a:fontRef idx="minor">
-              <a:schemeClr val="tx1"/>
-            </a:fontRef>
-          </p:style>
-        </p:cxnSp>
-        <p:cxnSp>
-          <p:nvCxnSpPr>
-            <p:cNvPr id="86" name="Gerade Verbindung 85"/>
-            <p:cNvCxnSpPr>
-              <a:stCxn id="58" idx="0"/>
-            </p:cNvCxnSpPr>
-            <p:nvPr/>
-          </p:nvCxnSpPr>
-          <p:spPr>
-            <a:xfrm flipH="1" flipV="1">
-              <a:off x="179512" y="4363561"/>
-              <a:ext cx="288033" cy="1"/>
-            </a:xfrm>
-            <a:prstGeom prst="line">
-              <a:avLst/>
-            </a:prstGeom>
-            <a:ln>
-              <a:solidFill>
-                <a:schemeClr val="tx1"/>
-              </a:solidFill>
-            </a:ln>
-          </p:spPr>
-          <p:style>
-            <a:lnRef idx="1">
-              <a:schemeClr val="accent1"/>
-            </a:lnRef>
-            <a:fillRef idx="0">
-              <a:schemeClr val="accent1"/>
-            </a:fillRef>
-            <a:effectRef idx="0">
-              <a:schemeClr val="accent1"/>
-            </a:effectRef>
-            <a:fontRef idx="minor">
-              <a:schemeClr val="tx1"/>
-            </a:fontRef>
-          </p:style>
-        </p:cxnSp>
-        <p:cxnSp>
-          <p:nvCxnSpPr>
-            <p:cNvPr id="89" name="Gerade Verbindung 88"/>
-            <p:cNvCxnSpPr>
-              <a:stCxn id="66" idx="0"/>
-            </p:cNvCxnSpPr>
-            <p:nvPr/>
-          </p:nvCxnSpPr>
-          <p:spPr>
-            <a:xfrm flipH="1">
-              <a:off x="179512" y="4795610"/>
-              <a:ext cx="288033" cy="0"/>
+              <a:off x="537630" y="3495492"/>
+              <a:ext cx="525734" cy="1276"/>
             </a:xfrm>
             <a:prstGeom prst="line">
               <a:avLst/>
@@ -27604,6 +26525,726 @@
           </p:style>
         </p:cxnSp>
       </p:grpSp>
+      <p:grpSp>
+        <p:nvGrpSpPr>
+          <p:cNvPr id="44" name="Gruppieren 43"/>
+          <p:cNvGrpSpPr/>
+          <p:nvPr/>
+        </p:nvGrpSpPr>
+        <p:grpSpPr>
+          <a:xfrm>
+            <a:off x="827584" y="3937580"/>
+            <a:ext cx="1008112" cy="461665"/>
+            <a:chOff x="467544" y="3265935"/>
+            <a:chExt cx="1008112" cy="461665"/>
+          </a:xfrm>
+        </p:grpSpPr>
+        <p:sp>
+          <p:nvSpPr>
+            <p:cNvPr id="45" name="Textfeld 44"/>
+            <p:cNvSpPr txBox="1"/>
+            <p:nvPr/>
+          </p:nvSpPr>
+          <p:spPr>
+            <a:xfrm>
+              <a:off x="1063364" y="3356992"/>
+              <a:ext cx="412292" cy="276999"/>
+            </a:xfrm>
+            <a:prstGeom prst="rect">
+              <a:avLst/>
+            </a:prstGeom>
+            <a:noFill/>
+            <a:ln>
+              <a:solidFill>
+                <a:schemeClr val="tx1"/>
+              </a:solidFill>
+            </a:ln>
+          </p:spPr>
+          <p:txBody>
+            <a:bodyPr wrap="none" rtlCol="0">
+              <a:spAutoFit/>
+            </a:bodyPr>
+            <a:lstStyle/>
+            <a:p>
+              <a:r>
+                <a:rPr lang="de-DE" sz="1200" smtClean="0"/>
+                <a:t>10k</a:t>
+              </a:r>
+              <a:endParaRPr lang="de-DE" sz="1200"/>
+            </a:p>
+          </p:txBody>
+        </p:sp>
+        <p:grpSp>
+          <p:nvGrpSpPr>
+            <p:cNvPr id="46" name="Gruppieren 45"/>
+            <p:cNvGrpSpPr/>
+            <p:nvPr/>
+          </p:nvGrpSpPr>
+          <p:grpSpPr>
+            <a:xfrm>
+              <a:off x="467544" y="3265935"/>
+              <a:ext cx="601001" cy="461665"/>
+              <a:chOff x="4763087" y="2957810"/>
+              <a:chExt cx="601001" cy="461665"/>
+            </a:xfrm>
+          </p:grpSpPr>
+          <p:grpSp>
+            <p:nvGrpSpPr>
+              <p:cNvPr id="48" name="Gruppieren 47"/>
+              <p:cNvGrpSpPr/>
+              <p:nvPr/>
+            </p:nvGrpSpPr>
+            <p:grpSpPr>
+              <a:xfrm rot="16200000">
+                <a:off x="4644008" y="3140968"/>
+                <a:ext cx="360040" cy="121882"/>
+                <a:chOff x="4572000" y="6165304"/>
+                <a:chExt cx="360040" cy="121882"/>
+              </a:xfrm>
+            </p:grpSpPr>
+            <p:sp>
+              <p:nvSpPr>
+                <p:cNvPr id="50" name="Rechteck 49"/>
+                <p:cNvSpPr/>
+                <p:nvPr/>
+              </p:nvSpPr>
+              <p:spPr>
+                <a:xfrm>
+                  <a:off x="4572000" y="6165304"/>
+                  <a:ext cx="360040" cy="45719"/>
+                </a:xfrm>
+                <a:prstGeom prst="rect">
+                  <a:avLst/>
+                </a:prstGeom>
+                <a:solidFill>
+                  <a:schemeClr val="tx1"/>
+                </a:solidFill>
+                <a:ln>
+                  <a:noFill/>
+                </a:ln>
+              </p:spPr>
+              <p:style>
+                <a:lnRef idx="2">
+                  <a:schemeClr val="accent1">
+                    <a:shade val="50000"/>
+                  </a:schemeClr>
+                </a:lnRef>
+                <a:fillRef idx="1">
+                  <a:schemeClr val="accent1"/>
+                </a:fillRef>
+                <a:effectRef idx="0">
+                  <a:schemeClr val="accent1"/>
+                </a:effectRef>
+                <a:fontRef idx="minor">
+                  <a:schemeClr val="lt1"/>
+                </a:fontRef>
+              </p:style>
+              <p:txBody>
+                <a:bodyPr rtlCol="0" anchor="ctr"/>
+                <a:lstStyle/>
+                <a:p>
+                  <a:pPr algn="ctr"/>
+                  <a:endParaRPr lang="de-DE"/>
+                </a:p>
+              </p:txBody>
+            </p:sp>
+            <p:sp>
+              <p:nvSpPr>
+                <p:cNvPr id="51" name="Rechteck 50"/>
+                <p:cNvSpPr/>
+                <p:nvPr/>
+              </p:nvSpPr>
+              <p:spPr>
+                <a:xfrm>
+                  <a:off x="4572000" y="6241467"/>
+                  <a:ext cx="360040" cy="45719"/>
+                </a:xfrm>
+                <a:prstGeom prst="rect">
+                  <a:avLst/>
+                </a:prstGeom>
+                <a:solidFill>
+                  <a:schemeClr val="tx1"/>
+                </a:solidFill>
+                <a:ln>
+                  <a:noFill/>
+                </a:ln>
+              </p:spPr>
+              <p:style>
+                <a:lnRef idx="2">
+                  <a:schemeClr val="accent1">
+                    <a:shade val="50000"/>
+                  </a:schemeClr>
+                </a:lnRef>
+                <a:fillRef idx="1">
+                  <a:schemeClr val="accent1"/>
+                </a:fillRef>
+                <a:effectRef idx="0">
+                  <a:schemeClr val="accent1"/>
+                </a:effectRef>
+                <a:fontRef idx="minor">
+                  <a:schemeClr val="lt1"/>
+                </a:fontRef>
+              </p:style>
+              <p:txBody>
+                <a:bodyPr rtlCol="0" anchor="ctr"/>
+                <a:lstStyle/>
+                <a:p>
+                  <a:pPr algn="ctr"/>
+                  <a:endParaRPr lang="de-DE"/>
+                </a:p>
+              </p:txBody>
+            </p:sp>
+          </p:grpSp>
+          <p:sp>
+            <p:nvSpPr>
+              <p:cNvPr id="49" name="Textfeld 48"/>
+              <p:cNvSpPr txBox="1"/>
+              <p:nvPr/>
+            </p:nvSpPr>
+            <p:spPr>
+              <a:xfrm>
+                <a:off x="4833173" y="2957810"/>
+                <a:ext cx="530915" cy="461665"/>
+              </a:xfrm>
+              <a:prstGeom prst="rect">
+                <a:avLst/>
+              </a:prstGeom>
+              <a:noFill/>
+              <a:ln>
+                <a:noFill/>
+              </a:ln>
+            </p:spPr>
+            <p:txBody>
+              <a:bodyPr wrap="none" rtlCol="0">
+                <a:spAutoFit/>
+              </a:bodyPr>
+              <a:lstStyle/>
+              <a:p>
+                <a:r>
+                  <a:rPr lang="de-DE" sz="1200" smtClean="0"/>
+                  <a:t>+</a:t>
+                </a:r>
+              </a:p>
+              <a:p>
+                <a:r>
+                  <a:rPr lang="de-DE" sz="1200" smtClean="0"/>
+                  <a:t>4,7uF</a:t>
+                </a:r>
+                <a:endParaRPr lang="de-DE" sz="1200"/>
+              </a:p>
+            </p:txBody>
+          </p:sp>
+        </p:grpSp>
+        <p:cxnSp>
+          <p:nvCxnSpPr>
+            <p:cNvPr id="47" name="Gerade Verbindung 46"/>
+            <p:cNvCxnSpPr>
+              <a:stCxn id="49" idx="1"/>
+              <a:endCxn id="45" idx="1"/>
+            </p:cNvCxnSpPr>
+            <p:nvPr/>
+          </p:nvCxnSpPr>
+          <p:spPr>
+            <a:xfrm flipV="1">
+              <a:off x="537630" y="3495492"/>
+              <a:ext cx="525734" cy="1276"/>
+            </a:xfrm>
+            <a:prstGeom prst="line">
+              <a:avLst/>
+            </a:prstGeom>
+            <a:ln>
+              <a:solidFill>
+                <a:schemeClr val="tx1"/>
+              </a:solidFill>
+            </a:ln>
+          </p:spPr>
+          <p:style>
+            <a:lnRef idx="1">
+              <a:schemeClr val="accent1"/>
+            </a:lnRef>
+            <a:fillRef idx="0">
+              <a:schemeClr val="accent1"/>
+            </a:fillRef>
+            <a:effectRef idx="0">
+              <a:schemeClr val="accent1"/>
+            </a:effectRef>
+            <a:fontRef idx="minor">
+              <a:schemeClr val="tx1"/>
+            </a:fontRef>
+          </p:style>
+        </p:cxnSp>
+      </p:grpSp>
+      <p:grpSp>
+        <p:nvGrpSpPr>
+          <p:cNvPr id="52" name="Gruppieren 51"/>
+          <p:cNvGrpSpPr/>
+          <p:nvPr/>
+        </p:nvGrpSpPr>
+        <p:grpSpPr>
+          <a:xfrm>
+            <a:off x="827584" y="4369628"/>
+            <a:ext cx="1008112" cy="461665"/>
+            <a:chOff x="467544" y="3265935"/>
+            <a:chExt cx="1008112" cy="461665"/>
+          </a:xfrm>
+        </p:grpSpPr>
+        <p:sp>
+          <p:nvSpPr>
+            <p:cNvPr id="53" name="Textfeld 52"/>
+            <p:cNvSpPr txBox="1"/>
+            <p:nvPr/>
+          </p:nvSpPr>
+          <p:spPr>
+            <a:xfrm>
+              <a:off x="1063364" y="3356992"/>
+              <a:ext cx="412292" cy="276999"/>
+            </a:xfrm>
+            <a:prstGeom prst="rect">
+              <a:avLst/>
+            </a:prstGeom>
+            <a:noFill/>
+            <a:ln>
+              <a:solidFill>
+                <a:schemeClr val="tx1"/>
+              </a:solidFill>
+            </a:ln>
+          </p:spPr>
+          <p:txBody>
+            <a:bodyPr wrap="none" rtlCol="0">
+              <a:spAutoFit/>
+            </a:bodyPr>
+            <a:lstStyle/>
+            <a:p>
+              <a:r>
+                <a:rPr lang="de-DE" sz="1200" smtClean="0"/>
+                <a:t>10k</a:t>
+              </a:r>
+              <a:endParaRPr lang="de-DE" sz="1200"/>
+            </a:p>
+          </p:txBody>
+        </p:sp>
+        <p:grpSp>
+          <p:nvGrpSpPr>
+            <p:cNvPr id="54" name="Gruppieren 53"/>
+            <p:cNvGrpSpPr/>
+            <p:nvPr/>
+          </p:nvGrpSpPr>
+          <p:grpSpPr>
+            <a:xfrm>
+              <a:off x="467544" y="3265935"/>
+              <a:ext cx="601001" cy="461665"/>
+              <a:chOff x="4763087" y="2957810"/>
+              <a:chExt cx="601001" cy="461665"/>
+            </a:xfrm>
+          </p:grpSpPr>
+          <p:grpSp>
+            <p:nvGrpSpPr>
+              <p:cNvPr id="56" name="Gruppieren 55"/>
+              <p:cNvGrpSpPr/>
+              <p:nvPr/>
+            </p:nvGrpSpPr>
+            <p:grpSpPr>
+              <a:xfrm rot="16200000">
+                <a:off x="4644008" y="3140968"/>
+                <a:ext cx="360040" cy="121882"/>
+                <a:chOff x="4572000" y="6165304"/>
+                <a:chExt cx="360040" cy="121882"/>
+              </a:xfrm>
+            </p:grpSpPr>
+            <p:sp>
+              <p:nvSpPr>
+                <p:cNvPr id="58" name="Rechteck 57"/>
+                <p:cNvSpPr/>
+                <p:nvPr/>
+              </p:nvSpPr>
+              <p:spPr>
+                <a:xfrm>
+                  <a:off x="4572000" y="6165304"/>
+                  <a:ext cx="360040" cy="45719"/>
+                </a:xfrm>
+                <a:prstGeom prst="rect">
+                  <a:avLst/>
+                </a:prstGeom>
+                <a:solidFill>
+                  <a:schemeClr val="tx1"/>
+                </a:solidFill>
+                <a:ln>
+                  <a:noFill/>
+                </a:ln>
+              </p:spPr>
+              <p:style>
+                <a:lnRef idx="2">
+                  <a:schemeClr val="accent1">
+                    <a:shade val="50000"/>
+                  </a:schemeClr>
+                </a:lnRef>
+                <a:fillRef idx="1">
+                  <a:schemeClr val="accent1"/>
+                </a:fillRef>
+                <a:effectRef idx="0">
+                  <a:schemeClr val="accent1"/>
+                </a:effectRef>
+                <a:fontRef idx="minor">
+                  <a:schemeClr val="lt1"/>
+                </a:fontRef>
+              </p:style>
+              <p:txBody>
+                <a:bodyPr rtlCol="0" anchor="ctr"/>
+                <a:lstStyle/>
+                <a:p>
+                  <a:pPr algn="ctr"/>
+                  <a:endParaRPr lang="de-DE"/>
+                </a:p>
+              </p:txBody>
+            </p:sp>
+            <p:sp>
+              <p:nvSpPr>
+                <p:cNvPr id="59" name="Rechteck 58"/>
+                <p:cNvSpPr/>
+                <p:nvPr/>
+              </p:nvSpPr>
+              <p:spPr>
+                <a:xfrm>
+                  <a:off x="4572000" y="6241467"/>
+                  <a:ext cx="360040" cy="45719"/>
+                </a:xfrm>
+                <a:prstGeom prst="rect">
+                  <a:avLst/>
+                </a:prstGeom>
+                <a:solidFill>
+                  <a:schemeClr val="tx1"/>
+                </a:solidFill>
+                <a:ln>
+                  <a:noFill/>
+                </a:ln>
+              </p:spPr>
+              <p:style>
+                <a:lnRef idx="2">
+                  <a:schemeClr val="accent1">
+                    <a:shade val="50000"/>
+                  </a:schemeClr>
+                </a:lnRef>
+                <a:fillRef idx="1">
+                  <a:schemeClr val="accent1"/>
+                </a:fillRef>
+                <a:effectRef idx="0">
+                  <a:schemeClr val="accent1"/>
+                </a:effectRef>
+                <a:fontRef idx="minor">
+                  <a:schemeClr val="lt1"/>
+                </a:fontRef>
+              </p:style>
+              <p:txBody>
+                <a:bodyPr rtlCol="0" anchor="ctr"/>
+                <a:lstStyle/>
+                <a:p>
+                  <a:pPr algn="ctr"/>
+                  <a:endParaRPr lang="de-DE"/>
+                </a:p>
+              </p:txBody>
+            </p:sp>
+          </p:grpSp>
+          <p:sp>
+            <p:nvSpPr>
+              <p:cNvPr id="57" name="Textfeld 56"/>
+              <p:cNvSpPr txBox="1"/>
+              <p:nvPr/>
+            </p:nvSpPr>
+            <p:spPr>
+              <a:xfrm>
+                <a:off x="4833173" y="2957810"/>
+                <a:ext cx="530915" cy="461665"/>
+              </a:xfrm>
+              <a:prstGeom prst="rect">
+                <a:avLst/>
+              </a:prstGeom>
+              <a:noFill/>
+              <a:ln>
+                <a:noFill/>
+              </a:ln>
+            </p:spPr>
+            <p:txBody>
+              <a:bodyPr wrap="none" rtlCol="0">
+                <a:spAutoFit/>
+              </a:bodyPr>
+              <a:lstStyle/>
+              <a:p>
+                <a:r>
+                  <a:rPr lang="de-DE" sz="1200" smtClean="0"/>
+                  <a:t>+</a:t>
+                </a:r>
+              </a:p>
+              <a:p>
+                <a:r>
+                  <a:rPr lang="de-DE" sz="1200" smtClean="0"/>
+                  <a:t>4,7uF</a:t>
+                </a:r>
+                <a:endParaRPr lang="de-DE" sz="1200"/>
+              </a:p>
+            </p:txBody>
+          </p:sp>
+        </p:grpSp>
+        <p:cxnSp>
+          <p:nvCxnSpPr>
+            <p:cNvPr id="55" name="Gerade Verbindung 54"/>
+            <p:cNvCxnSpPr>
+              <a:stCxn id="57" idx="1"/>
+              <a:endCxn id="53" idx="1"/>
+            </p:cNvCxnSpPr>
+            <p:nvPr/>
+          </p:nvCxnSpPr>
+          <p:spPr>
+            <a:xfrm flipV="1">
+              <a:off x="537630" y="3495492"/>
+              <a:ext cx="525734" cy="1276"/>
+            </a:xfrm>
+            <a:prstGeom prst="line">
+              <a:avLst/>
+            </a:prstGeom>
+            <a:ln>
+              <a:solidFill>
+                <a:schemeClr val="tx1"/>
+              </a:solidFill>
+            </a:ln>
+          </p:spPr>
+          <p:style>
+            <a:lnRef idx="1">
+              <a:schemeClr val="accent1"/>
+            </a:lnRef>
+            <a:fillRef idx="0">
+              <a:schemeClr val="accent1"/>
+            </a:fillRef>
+            <a:effectRef idx="0">
+              <a:schemeClr val="accent1"/>
+            </a:effectRef>
+            <a:fontRef idx="minor">
+              <a:schemeClr val="tx1"/>
+            </a:fontRef>
+          </p:style>
+        </p:cxnSp>
+      </p:grpSp>
+      <p:cxnSp>
+        <p:nvCxnSpPr>
+          <p:cNvPr id="2057" name="Gerade Verbindung 2056"/>
+          <p:cNvCxnSpPr>
+            <a:stCxn id="19" idx="3"/>
+          </p:cNvCxnSpPr>
+          <p:nvPr/>
+        </p:nvCxnSpPr>
+        <p:spPr>
+          <a:xfrm>
+            <a:off x="1835696" y="3745657"/>
+            <a:ext cx="432048" cy="0"/>
+          </a:xfrm>
+          <a:prstGeom prst="line">
+            <a:avLst/>
+          </a:prstGeom>
+          <a:ln>
+            <a:solidFill>
+              <a:schemeClr val="tx1"/>
+            </a:solidFill>
+          </a:ln>
+        </p:spPr>
+        <p:style>
+          <a:lnRef idx="1">
+            <a:schemeClr val="accent1"/>
+          </a:lnRef>
+          <a:fillRef idx="0">
+            <a:schemeClr val="accent1"/>
+          </a:fillRef>
+          <a:effectRef idx="0">
+            <a:schemeClr val="accent1"/>
+          </a:effectRef>
+          <a:fontRef idx="minor">
+            <a:schemeClr val="tx1"/>
+          </a:fontRef>
+        </p:style>
+      </p:cxnSp>
+      <p:cxnSp>
+        <p:nvCxnSpPr>
+          <p:cNvPr id="70" name="Gerade Verbindung 69"/>
+          <p:cNvCxnSpPr>
+            <a:stCxn id="45" idx="3"/>
+          </p:cNvCxnSpPr>
+          <p:nvPr/>
+        </p:nvCxnSpPr>
+        <p:spPr>
+          <a:xfrm flipV="1">
+            <a:off x="1835696" y="4167136"/>
+            <a:ext cx="432048" cy="1"/>
+          </a:xfrm>
+          <a:prstGeom prst="line">
+            <a:avLst/>
+          </a:prstGeom>
+          <a:ln>
+            <a:solidFill>
+              <a:schemeClr val="tx1"/>
+            </a:solidFill>
+          </a:ln>
+        </p:spPr>
+        <p:style>
+          <a:lnRef idx="1">
+            <a:schemeClr val="accent1"/>
+          </a:lnRef>
+          <a:fillRef idx="0">
+            <a:schemeClr val="accent1"/>
+          </a:fillRef>
+          <a:effectRef idx="0">
+            <a:schemeClr val="accent1"/>
+          </a:effectRef>
+          <a:fontRef idx="minor">
+            <a:schemeClr val="tx1"/>
+          </a:fontRef>
+        </p:style>
+      </p:cxnSp>
+      <p:cxnSp>
+        <p:nvCxnSpPr>
+          <p:cNvPr id="73" name="Gerade Verbindung 72"/>
+          <p:cNvCxnSpPr>
+            <a:stCxn id="53" idx="3"/>
+          </p:cNvCxnSpPr>
+          <p:nvPr/>
+        </p:nvCxnSpPr>
+        <p:spPr>
+          <a:xfrm flipV="1">
+            <a:off x="1835696" y="4599184"/>
+            <a:ext cx="432048" cy="1"/>
+          </a:xfrm>
+          <a:prstGeom prst="line">
+            <a:avLst/>
+          </a:prstGeom>
+          <a:ln>
+            <a:solidFill>
+              <a:schemeClr val="tx1"/>
+            </a:solidFill>
+          </a:ln>
+        </p:spPr>
+        <p:style>
+          <a:lnRef idx="1">
+            <a:schemeClr val="accent1"/>
+          </a:lnRef>
+          <a:fillRef idx="0">
+            <a:schemeClr val="accent1"/>
+          </a:fillRef>
+          <a:effectRef idx="0">
+            <a:schemeClr val="accent1"/>
+          </a:effectRef>
+          <a:fontRef idx="minor">
+            <a:schemeClr val="tx1"/>
+          </a:fontRef>
+        </p:style>
+      </p:cxnSp>
+      <p:cxnSp>
+        <p:nvCxnSpPr>
+          <p:cNvPr id="80" name="Gerade Verbindung 79"/>
+          <p:cNvCxnSpPr>
+            <a:stCxn id="23" idx="0"/>
+          </p:cNvCxnSpPr>
+          <p:nvPr/>
+        </p:nvCxnSpPr>
+        <p:spPr>
+          <a:xfrm flipH="1">
+            <a:off x="539552" y="3760200"/>
+            <a:ext cx="288033" cy="0"/>
+          </a:xfrm>
+          <a:prstGeom prst="line">
+            <a:avLst/>
+          </a:prstGeom>
+          <a:ln>
+            <a:solidFill>
+              <a:schemeClr val="tx1"/>
+            </a:solidFill>
+          </a:ln>
+        </p:spPr>
+        <p:style>
+          <a:lnRef idx="1">
+            <a:schemeClr val="accent1"/>
+          </a:lnRef>
+          <a:fillRef idx="0">
+            <a:schemeClr val="accent1"/>
+          </a:fillRef>
+          <a:effectRef idx="0">
+            <a:schemeClr val="accent1"/>
+          </a:effectRef>
+          <a:fontRef idx="minor">
+            <a:schemeClr val="tx1"/>
+          </a:fontRef>
+        </p:style>
+      </p:cxnSp>
+      <p:cxnSp>
+        <p:nvCxnSpPr>
+          <p:cNvPr id="83" name="Gerade Verbindung 82"/>
+          <p:cNvCxnSpPr>
+            <a:stCxn id="50" idx="0"/>
+          </p:cNvCxnSpPr>
+          <p:nvPr/>
+        </p:nvCxnSpPr>
+        <p:spPr>
+          <a:xfrm flipH="1">
+            <a:off x="539552" y="4181679"/>
+            <a:ext cx="288033" cy="0"/>
+          </a:xfrm>
+          <a:prstGeom prst="line">
+            <a:avLst/>
+          </a:prstGeom>
+          <a:ln>
+            <a:solidFill>
+              <a:schemeClr val="tx1"/>
+            </a:solidFill>
+          </a:ln>
+        </p:spPr>
+        <p:style>
+          <a:lnRef idx="1">
+            <a:schemeClr val="accent1"/>
+          </a:lnRef>
+          <a:fillRef idx="0">
+            <a:schemeClr val="accent1"/>
+          </a:fillRef>
+          <a:effectRef idx="0">
+            <a:schemeClr val="accent1"/>
+          </a:effectRef>
+          <a:fontRef idx="minor">
+            <a:schemeClr val="tx1"/>
+          </a:fontRef>
+        </p:style>
+      </p:cxnSp>
+      <p:cxnSp>
+        <p:nvCxnSpPr>
+          <p:cNvPr id="86" name="Gerade Verbindung 85"/>
+          <p:cNvCxnSpPr>
+            <a:stCxn id="58" idx="0"/>
+          </p:cNvCxnSpPr>
+          <p:nvPr/>
+        </p:nvCxnSpPr>
+        <p:spPr>
+          <a:xfrm flipH="1" flipV="1">
+            <a:off x="539552" y="4613726"/>
+            <a:ext cx="288033" cy="1"/>
+          </a:xfrm>
+          <a:prstGeom prst="line">
+            <a:avLst/>
+          </a:prstGeom>
+          <a:ln>
+            <a:solidFill>
+              <a:schemeClr val="tx1"/>
+            </a:solidFill>
+          </a:ln>
+        </p:spPr>
+        <p:style>
+          <a:lnRef idx="1">
+            <a:schemeClr val="accent1"/>
+          </a:lnRef>
+          <a:fillRef idx="0">
+            <a:schemeClr val="accent1"/>
+          </a:fillRef>
+          <a:effectRef idx="0">
+            <a:schemeClr val="accent1"/>
+          </a:effectRef>
+          <a:fontRef idx="minor">
+            <a:schemeClr val="tx1"/>
+          </a:fontRef>
+        </p:style>
+      </p:cxnSp>
       <p:sp>
         <p:nvSpPr>
           <p:cNvPr id="10" name="Textfeld 9"/>
@@ -27612,7 +27253,7 @@
         </p:nvSpPr>
         <p:spPr>
           <a:xfrm>
-            <a:off x="6793033" y="3468467"/>
+            <a:off x="6793033" y="3612483"/>
             <a:ext cx="412292" cy="276999"/>
           </a:xfrm>
           <a:prstGeom prst="rect">
@@ -27632,8 +27273,12 @@
           <a:lstStyle/>
           <a:p>
             <a:r>
+              <a:rPr lang="de-DE" sz="1200"/>
+              <a:t>2</a:t>
+            </a:r>
+            <a:r>
               <a:rPr lang="de-DE" sz="1200" smtClean="0"/>
-              <a:t>10k</a:t>
+              <a:t>0k</a:t>
             </a:r>
             <a:endParaRPr lang="de-DE" sz="1200"/>
           </a:p>
@@ -27642,14 +27287,12 @@
       <p:cxnSp>
         <p:nvCxnSpPr>
           <p:cNvPr id="34" name="Gerade Verbindung 33"/>
-          <p:cNvCxnSpPr>
-            <a:endCxn id="10" idx="1"/>
-          </p:cNvCxnSpPr>
+          <p:cNvCxnSpPr/>
           <p:nvPr/>
         </p:nvCxnSpPr>
         <p:spPr>
           <a:xfrm>
-            <a:off x="6372200" y="3606967"/>
+            <a:off x="6365342" y="3750751"/>
             <a:ext cx="420833" cy="0"/>
           </a:xfrm>
           <a:prstGeom prst="line">
@@ -27684,7 +27327,7 @@
         </p:nvGrpSpPr>
         <p:grpSpPr>
           <a:xfrm>
-            <a:off x="7203907" y="3357792"/>
+            <a:off x="7203907" y="3501808"/>
             <a:ext cx="968493" cy="461665"/>
             <a:chOff x="7203907" y="3251643"/>
             <a:chExt cx="968493" cy="461665"/>
@@ -27846,8 +27489,8 @@
           </p:nvCxnSpPr>
           <p:spPr>
             <a:xfrm flipV="1">
-              <a:off x="7205325" y="3499717"/>
-              <a:ext cx="457490" cy="1101"/>
+              <a:off x="7205325" y="3499716"/>
+              <a:ext cx="457490" cy="1102"/>
             </a:xfrm>
             <a:prstGeom prst="line">
               <a:avLst/>
@@ -27919,7 +27562,7 @@
         </p:nvGrpSpPr>
         <p:grpSpPr>
           <a:xfrm>
-            <a:off x="6372200" y="3760223"/>
+            <a:off x="6372200" y="3904239"/>
             <a:ext cx="1800200" cy="461665"/>
             <a:chOff x="1763688" y="2204864"/>
             <a:chExt cx="1800200" cy="461665"/>
@@ -28226,7 +27869,7 @@
         </p:nvGrpSpPr>
         <p:grpSpPr>
           <a:xfrm>
-            <a:off x="6372200" y="4192271"/>
+            <a:off x="6372200" y="4336287"/>
             <a:ext cx="1800200" cy="461665"/>
             <a:chOff x="1763688" y="2204864"/>
             <a:chExt cx="1800200" cy="461665"/>
@@ -28525,30 +28168,519 @@
           </p:style>
         </p:cxnSp>
       </p:grpSp>
+      <p:sp>
+        <p:nvSpPr>
+          <p:cNvPr id="135" name="Textfeld 134"/>
+          <p:cNvSpPr txBox="1"/>
+          <p:nvPr/>
+        </p:nvSpPr>
+        <p:spPr>
+          <a:xfrm>
+            <a:off x="3203848" y="2898110"/>
+            <a:ext cx="412292" cy="276999"/>
+          </a:xfrm>
+          <a:prstGeom prst="rect">
+            <a:avLst/>
+          </a:prstGeom>
+          <a:noFill/>
+          <a:ln>
+            <a:solidFill>
+              <a:schemeClr val="tx1"/>
+            </a:solidFill>
+          </a:ln>
+        </p:spPr>
+        <p:txBody>
+          <a:bodyPr wrap="none" rtlCol="0">
+            <a:spAutoFit/>
+          </a:bodyPr>
+          <a:lstStyle/>
+          <a:p>
+            <a:r>
+              <a:rPr lang="de-DE" sz="1200"/>
+              <a:t>2</a:t>
+            </a:r>
+            <a:r>
+              <a:rPr lang="de-DE" sz="1200" smtClean="0"/>
+              <a:t>0k</a:t>
+            </a:r>
+            <a:endParaRPr lang="de-DE" sz="1200"/>
+          </a:p>
+        </p:txBody>
+      </p:sp>
+      <p:cxnSp>
+        <p:nvCxnSpPr>
+          <p:cNvPr id="69" name="Gewinkelte Verbindung 68"/>
+          <p:cNvCxnSpPr>
+            <a:stCxn id="135" idx="3"/>
+            <a:endCxn id="4" idx="0"/>
+          </p:cNvCxnSpPr>
+          <p:nvPr/>
+        </p:nvCxnSpPr>
+        <p:spPr>
+          <a:xfrm>
+            <a:off x="3616140" y="3036610"/>
+            <a:ext cx="307788" cy="1352244"/>
+          </a:xfrm>
+          <a:prstGeom prst="bentConnector3">
+            <a:avLst>
+              <a:gd name="adj1" fmla="val 215214"/>
+            </a:avLst>
+          </a:prstGeom>
+          <a:ln>
+            <a:solidFill>
+              <a:schemeClr val="tx1"/>
+            </a:solidFill>
+          </a:ln>
+        </p:spPr>
+        <p:style>
+          <a:lnRef idx="1">
+            <a:schemeClr val="accent1"/>
+          </a:lnRef>
+          <a:fillRef idx="0">
+            <a:schemeClr val="accent1"/>
+          </a:fillRef>
+          <a:effectRef idx="0">
+            <a:schemeClr val="accent1"/>
+          </a:effectRef>
+          <a:fontRef idx="minor">
+            <a:schemeClr val="tx1"/>
+          </a:fontRef>
+        </p:style>
+      </p:cxnSp>
+      <p:cxnSp>
+        <p:nvCxnSpPr>
+          <p:cNvPr id="72" name="Gewinkelte Verbindung 71"/>
+          <p:cNvCxnSpPr>
+            <a:stCxn id="136" idx="1"/>
+            <a:endCxn id="12" idx="0"/>
+          </p:cNvCxnSpPr>
+          <p:nvPr/>
+        </p:nvCxnSpPr>
+        <p:spPr>
+          <a:xfrm rot="10800000" flipV="1">
+            <a:off x="4788024" y="3036609"/>
+            <a:ext cx="235780" cy="1362635"/>
+          </a:xfrm>
+          <a:prstGeom prst="bentConnector3">
+            <a:avLst>
+              <a:gd name="adj1" fmla="val 250400"/>
+            </a:avLst>
+          </a:prstGeom>
+          <a:ln>
+            <a:solidFill>
+              <a:schemeClr val="tx1"/>
+            </a:solidFill>
+          </a:ln>
+        </p:spPr>
+        <p:style>
+          <a:lnRef idx="1">
+            <a:schemeClr val="accent1"/>
+          </a:lnRef>
+          <a:fillRef idx="0">
+            <a:schemeClr val="accent1"/>
+          </a:fillRef>
+          <a:effectRef idx="0">
+            <a:schemeClr val="accent1"/>
+          </a:effectRef>
+          <a:fontRef idx="minor">
+            <a:schemeClr val="tx1"/>
+          </a:fontRef>
+        </p:style>
+      </p:cxnSp>
+      <p:cxnSp>
+        <p:nvCxnSpPr>
+          <p:cNvPr id="81" name="Gewinkelte Verbindung 80"/>
+          <p:cNvCxnSpPr>
+            <a:stCxn id="136" idx="3"/>
+          </p:cNvCxnSpPr>
+          <p:nvPr/>
+        </p:nvCxnSpPr>
+        <p:spPr>
+          <a:xfrm>
+            <a:off x="5436096" y="3036610"/>
+            <a:ext cx="936104" cy="1550529"/>
+          </a:xfrm>
+          <a:prstGeom prst="bentConnector2">
+            <a:avLst/>
+          </a:prstGeom>
+          <a:ln>
+            <a:solidFill>
+              <a:schemeClr val="tx1"/>
+            </a:solidFill>
+          </a:ln>
+        </p:spPr>
+        <p:style>
+          <a:lnRef idx="1">
+            <a:schemeClr val="accent1"/>
+          </a:lnRef>
+          <a:fillRef idx="0">
+            <a:schemeClr val="accent1"/>
+          </a:fillRef>
+          <a:effectRef idx="0">
+            <a:schemeClr val="accent1"/>
+          </a:effectRef>
+          <a:fontRef idx="minor">
+            <a:schemeClr val="tx1"/>
+          </a:fontRef>
+        </p:style>
+      </p:cxnSp>
+      <p:cxnSp>
+        <p:nvCxnSpPr>
+          <p:cNvPr id="148" name="Gewinkelte Verbindung 147"/>
+          <p:cNvCxnSpPr>
+            <a:stCxn id="135" idx="1"/>
+          </p:cNvCxnSpPr>
+          <p:nvPr/>
+        </p:nvCxnSpPr>
+        <p:spPr>
+          <a:xfrm rot="10800000" flipV="1">
+            <a:off x="2267744" y="3036610"/>
+            <a:ext cx="936105" cy="1562574"/>
+          </a:xfrm>
+          <a:prstGeom prst="bentConnector2">
+            <a:avLst/>
+          </a:prstGeom>
+          <a:ln>
+            <a:solidFill>
+              <a:schemeClr val="tx1"/>
+            </a:solidFill>
+          </a:ln>
+        </p:spPr>
+        <p:style>
+          <a:lnRef idx="1">
+            <a:schemeClr val="accent1"/>
+          </a:lnRef>
+          <a:fillRef idx="0">
+            <a:schemeClr val="accent1"/>
+          </a:fillRef>
+          <a:effectRef idx="0">
+            <a:schemeClr val="accent1"/>
+          </a:effectRef>
+          <a:fontRef idx="minor">
+            <a:schemeClr val="tx1"/>
+          </a:fontRef>
+        </p:style>
+      </p:cxnSp>
+      <p:sp>
+        <p:nvSpPr>
+          <p:cNvPr id="151" name="Ellipse 150"/>
+          <p:cNvSpPr/>
+          <p:nvPr/>
+        </p:nvSpPr>
+        <p:spPr>
+          <a:xfrm>
+            <a:off x="2239169" y="3707740"/>
+            <a:ext cx="72008" cy="72008"/>
+          </a:xfrm>
+          <a:prstGeom prst="ellipse">
+            <a:avLst/>
+          </a:prstGeom>
+          <a:solidFill>
+            <a:schemeClr val="tx1"/>
+          </a:solidFill>
+          <a:ln>
+            <a:noFill/>
+          </a:ln>
+        </p:spPr>
+        <p:style>
+          <a:lnRef idx="2">
+            <a:schemeClr val="accent1">
+              <a:shade val="50000"/>
+            </a:schemeClr>
+          </a:lnRef>
+          <a:fillRef idx="1">
+            <a:schemeClr val="accent1"/>
+          </a:fillRef>
+          <a:effectRef idx="0">
+            <a:schemeClr val="accent1"/>
+          </a:effectRef>
+          <a:fontRef idx="minor">
+            <a:schemeClr val="lt1"/>
+          </a:fontRef>
+        </p:style>
+        <p:txBody>
+          <a:bodyPr rtlCol="0" anchor="ctr"/>
+          <a:lstStyle/>
+          <a:p>
+            <a:pPr algn="ctr"/>
+            <a:endParaRPr lang="de-DE"/>
+          </a:p>
+        </p:txBody>
+      </p:sp>
+      <p:sp>
+        <p:nvSpPr>
+          <p:cNvPr id="152" name="Ellipse 151"/>
+          <p:cNvSpPr/>
+          <p:nvPr/>
+        </p:nvSpPr>
+        <p:spPr>
+          <a:xfrm>
+            <a:off x="2233836" y="4133314"/>
+            <a:ext cx="72008" cy="72008"/>
+          </a:xfrm>
+          <a:prstGeom prst="ellipse">
+            <a:avLst/>
+          </a:prstGeom>
+          <a:solidFill>
+            <a:schemeClr val="tx1"/>
+          </a:solidFill>
+          <a:ln>
+            <a:noFill/>
+          </a:ln>
+        </p:spPr>
+        <p:style>
+          <a:lnRef idx="2">
+            <a:schemeClr val="accent1">
+              <a:shade val="50000"/>
+            </a:schemeClr>
+          </a:lnRef>
+          <a:fillRef idx="1">
+            <a:schemeClr val="accent1"/>
+          </a:fillRef>
+          <a:effectRef idx="0">
+            <a:schemeClr val="accent1"/>
+          </a:effectRef>
+          <a:fontRef idx="minor">
+            <a:schemeClr val="lt1"/>
+          </a:fontRef>
+        </p:style>
+        <p:txBody>
+          <a:bodyPr rtlCol="0" anchor="ctr"/>
+          <a:lstStyle/>
+          <a:p>
+            <a:pPr algn="ctr"/>
+            <a:endParaRPr lang="de-DE"/>
+          </a:p>
+        </p:txBody>
+      </p:sp>
+      <p:sp>
+        <p:nvSpPr>
+          <p:cNvPr id="154" name="Ellipse 153"/>
+          <p:cNvSpPr/>
+          <p:nvPr/>
+        </p:nvSpPr>
+        <p:spPr>
+          <a:xfrm>
+            <a:off x="6331433" y="3717032"/>
+            <a:ext cx="72008" cy="72008"/>
+          </a:xfrm>
+          <a:prstGeom prst="ellipse">
+            <a:avLst/>
+          </a:prstGeom>
+          <a:solidFill>
+            <a:schemeClr val="tx1"/>
+          </a:solidFill>
+          <a:ln>
+            <a:noFill/>
+          </a:ln>
+        </p:spPr>
+        <p:style>
+          <a:lnRef idx="2">
+            <a:schemeClr val="accent1">
+              <a:shade val="50000"/>
+            </a:schemeClr>
+          </a:lnRef>
+          <a:fillRef idx="1">
+            <a:schemeClr val="accent1"/>
+          </a:fillRef>
+          <a:effectRef idx="0">
+            <a:schemeClr val="accent1"/>
+          </a:effectRef>
+          <a:fontRef idx="minor">
+            <a:schemeClr val="lt1"/>
+          </a:fontRef>
+        </p:style>
+        <p:txBody>
+          <a:bodyPr rtlCol="0" anchor="ctr"/>
+          <a:lstStyle/>
+          <a:p>
+            <a:pPr algn="ctr"/>
+            <a:endParaRPr lang="de-DE"/>
+          </a:p>
+        </p:txBody>
+      </p:sp>
+      <p:sp>
+        <p:nvSpPr>
+          <p:cNvPr id="155" name="Ellipse 154"/>
+          <p:cNvSpPr/>
+          <p:nvPr/>
+        </p:nvSpPr>
+        <p:spPr>
+          <a:xfrm>
+            <a:off x="6335626" y="4123557"/>
+            <a:ext cx="72008" cy="72008"/>
+          </a:xfrm>
+          <a:prstGeom prst="ellipse">
+            <a:avLst/>
+          </a:prstGeom>
+          <a:solidFill>
+            <a:schemeClr val="tx1"/>
+          </a:solidFill>
+          <a:ln>
+            <a:noFill/>
+          </a:ln>
+        </p:spPr>
+        <p:style>
+          <a:lnRef idx="2">
+            <a:schemeClr val="accent1">
+              <a:shade val="50000"/>
+            </a:schemeClr>
+          </a:lnRef>
+          <a:fillRef idx="1">
+            <a:schemeClr val="accent1"/>
+          </a:fillRef>
+          <a:effectRef idx="0">
+            <a:schemeClr val="accent1"/>
+          </a:effectRef>
+          <a:fontRef idx="minor">
+            <a:schemeClr val="lt1"/>
+          </a:fontRef>
+        </p:style>
+        <p:txBody>
+          <a:bodyPr rtlCol="0" anchor="ctr"/>
+          <a:lstStyle/>
+          <a:p>
+            <a:pPr algn="ctr"/>
+            <a:endParaRPr lang="de-DE"/>
+          </a:p>
+        </p:txBody>
+      </p:sp>
+      <p:sp>
+        <p:nvSpPr>
+          <p:cNvPr id="87" name="Textfeld 86"/>
+          <p:cNvSpPr txBox="1"/>
+          <p:nvPr/>
+        </p:nvSpPr>
+        <p:spPr>
+          <a:xfrm>
+            <a:off x="8316416" y="2157705"/>
+            <a:ext cx="548548" cy="369332"/>
+          </a:xfrm>
+          <a:prstGeom prst="rect">
+            <a:avLst/>
+          </a:prstGeom>
+          <a:noFill/>
+        </p:spPr>
+        <p:txBody>
+          <a:bodyPr wrap="none" rtlCol="0">
+            <a:spAutoFit/>
+          </a:bodyPr>
+          <a:lstStyle/>
+          <a:p>
+            <a:r>
+              <a:rPr lang="de-DE" smtClean="0"/>
+              <a:t>+</a:t>
+            </a:r>
+            <a:r>
+              <a:rPr lang="de-DE"/>
+              <a:t>9</a:t>
+            </a:r>
+            <a:r>
+              <a:rPr lang="de-DE" smtClean="0"/>
+              <a:t>V</a:t>
+            </a:r>
+            <a:endParaRPr lang="de-DE"/>
+          </a:p>
+        </p:txBody>
+      </p:sp>
+      <p:sp>
+        <p:nvSpPr>
+          <p:cNvPr id="158" name="Textfeld 157"/>
+          <p:cNvSpPr txBox="1"/>
+          <p:nvPr/>
+        </p:nvSpPr>
+        <p:spPr>
+          <a:xfrm>
+            <a:off x="8316416" y="6228020"/>
+            <a:ext cx="574196" cy="369332"/>
+          </a:xfrm>
+          <a:prstGeom prst="rect">
+            <a:avLst/>
+          </a:prstGeom>
+          <a:noFill/>
+        </p:spPr>
+        <p:txBody>
+          <a:bodyPr wrap="none" rtlCol="0">
+            <a:spAutoFit/>
+          </a:bodyPr>
+          <a:lstStyle/>
+          <a:p>
+            <a:r>
+              <a:rPr lang="de-DE" smtClean="0"/>
+              <a:t>Gnd</a:t>
+            </a:r>
+            <a:endParaRPr lang="de-DE"/>
+          </a:p>
+        </p:txBody>
+      </p:sp>
+      <p:sp>
+        <p:nvSpPr>
+          <p:cNvPr id="159" name="Textfeld 158"/>
+          <p:cNvSpPr txBox="1"/>
+          <p:nvPr/>
+        </p:nvSpPr>
+        <p:spPr>
+          <a:xfrm>
+            <a:off x="395536" y="5230941"/>
+            <a:ext cx="1705916" cy="646331"/>
+          </a:xfrm>
+          <a:prstGeom prst="rect">
+            <a:avLst/>
+          </a:prstGeom>
+          <a:noFill/>
+        </p:spPr>
+        <p:txBody>
+          <a:bodyPr wrap="none" rtlCol="0">
+            <a:spAutoFit/>
+          </a:bodyPr>
+          <a:lstStyle/>
+          <a:p>
+            <a:r>
+              <a:rPr lang="de-DE" smtClean="0"/>
+              <a:t>Audio Mixer</a:t>
+            </a:r>
+          </a:p>
+          <a:p>
+            <a:r>
+              <a:rPr lang="de-DE" smtClean="0"/>
+              <a:t>Input f</a:t>
+            </a:r>
+            <a:r>
+              <a:rPr lang="de-DE" sz="1600" smtClean="0"/>
+              <a:t>g</a:t>
+            </a:r>
+            <a:r>
+              <a:rPr lang="de-DE" smtClean="0"/>
+              <a:t> = 3,4 Hz</a:t>
+            </a:r>
+            <a:endParaRPr lang="de-DE"/>
+          </a:p>
+        </p:txBody>
+      </p:sp>
       <p:grpSp>
         <p:nvGrpSpPr>
-          <p:cNvPr id="124" name="Gruppieren 123"/>
+          <p:cNvPr id="95" name="Gruppieren 94"/>
           <p:cNvGrpSpPr/>
           <p:nvPr/>
         </p:nvGrpSpPr>
         <p:grpSpPr>
           <a:xfrm>
-            <a:off x="6372200" y="4624319"/>
-            <a:ext cx="1800200" cy="461665"/>
-            <a:chOff x="1763688" y="2204864"/>
-            <a:chExt cx="1800200" cy="461665"/>
+            <a:off x="2422792" y="2342371"/>
+            <a:ext cx="276999" cy="4070315"/>
+            <a:chOff x="2422792" y="2092206"/>
+            <a:chExt cx="276999" cy="4070315"/>
           </a:xfrm>
         </p:grpSpPr>
         <p:sp>
           <p:nvSpPr>
-            <p:cNvPr id="125" name="Textfeld 124"/>
+            <p:cNvPr id="160" name="Textfeld 159"/>
             <p:cNvSpPr txBox="1"/>
             <p:nvPr/>
           </p:nvSpPr>
           <p:spPr>
-            <a:xfrm>
-              <a:off x="2184521" y="2315539"/>
-              <a:ext cx="412292" cy="276999"/>
+            <a:xfrm rot="16200000">
+              <a:off x="2394419" y="3224362"/>
+              <a:ext cx="333746" cy="276999"/>
             </a:xfrm>
             <a:prstGeom prst="rect">
               <a:avLst/>
@@ -28567,899 +28699,27 @@
             <a:lstStyle/>
             <a:p>
               <a:r>
+                <a:rPr lang="de-DE" sz="1200"/>
+                <a:t>5</a:t>
+              </a:r>
+              <a:r>
                 <a:rPr lang="de-DE" sz="1200" smtClean="0"/>
-                <a:t>10k</a:t>
+                <a:t>k</a:t>
               </a:r>
               <a:endParaRPr lang="de-DE" sz="1200"/>
             </a:p>
           </p:txBody>
         </p:sp>
-        <p:grpSp>
-          <p:nvGrpSpPr>
-            <p:cNvPr id="126" name="Gruppieren 125"/>
-            <p:cNvGrpSpPr/>
-            <p:nvPr/>
-          </p:nvGrpSpPr>
-          <p:grpSpPr>
-            <a:xfrm rot="16200000">
-              <a:off x="2935223" y="2391996"/>
-              <a:ext cx="360040" cy="121882"/>
-              <a:chOff x="4572000" y="6165304"/>
-              <a:chExt cx="360040" cy="121882"/>
-            </a:xfrm>
-          </p:grpSpPr>
-          <p:sp>
-            <p:nvSpPr>
-              <p:cNvPr id="131" name="Rechteck 130"/>
-              <p:cNvSpPr/>
-              <p:nvPr/>
-            </p:nvSpPr>
-            <p:spPr>
-              <a:xfrm>
-                <a:off x="4572000" y="6165304"/>
-                <a:ext cx="360040" cy="45719"/>
-              </a:xfrm>
-              <a:prstGeom prst="rect">
-                <a:avLst/>
-              </a:prstGeom>
-              <a:solidFill>
-                <a:schemeClr val="tx1"/>
-              </a:solidFill>
-              <a:ln>
-                <a:noFill/>
-              </a:ln>
-            </p:spPr>
-            <p:style>
-              <a:lnRef idx="2">
-                <a:schemeClr val="accent1">
-                  <a:shade val="50000"/>
-                </a:schemeClr>
-              </a:lnRef>
-              <a:fillRef idx="1">
-                <a:schemeClr val="accent1"/>
-              </a:fillRef>
-              <a:effectRef idx="0">
-                <a:schemeClr val="accent1"/>
-              </a:effectRef>
-              <a:fontRef idx="minor">
-                <a:schemeClr val="lt1"/>
-              </a:fontRef>
-            </p:style>
-            <p:txBody>
-              <a:bodyPr rtlCol="0" anchor="ctr"/>
-              <a:lstStyle/>
-              <a:p>
-                <a:pPr algn="ctr"/>
-                <a:endParaRPr lang="de-DE"/>
-              </a:p>
-            </p:txBody>
-          </p:sp>
-          <p:sp>
-            <p:nvSpPr>
-              <p:cNvPr id="132" name="Rechteck 131"/>
-              <p:cNvSpPr/>
-              <p:nvPr/>
-            </p:nvSpPr>
-            <p:spPr>
-              <a:xfrm>
-                <a:off x="4572000" y="6241467"/>
-                <a:ext cx="360040" cy="45719"/>
-              </a:xfrm>
-              <a:prstGeom prst="rect">
-                <a:avLst/>
-              </a:prstGeom>
-              <a:solidFill>
-                <a:schemeClr val="tx1"/>
-              </a:solidFill>
-              <a:ln>
-                <a:noFill/>
-              </a:ln>
-            </p:spPr>
-            <p:style>
-              <a:lnRef idx="2">
-                <a:schemeClr val="accent1">
-                  <a:shade val="50000"/>
-                </a:schemeClr>
-              </a:lnRef>
-              <a:fillRef idx="1">
-                <a:schemeClr val="accent1"/>
-              </a:fillRef>
-              <a:effectRef idx="0">
-                <a:schemeClr val="accent1"/>
-              </a:effectRef>
-              <a:fontRef idx="minor">
-                <a:schemeClr val="lt1"/>
-              </a:fontRef>
-            </p:style>
-            <p:txBody>
-              <a:bodyPr rtlCol="0" anchor="ctr"/>
-              <a:lstStyle/>
-              <a:p>
-                <a:pPr algn="ctr"/>
-                <a:endParaRPr lang="de-DE"/>
-              </a:p>
-            </p:txBody>
-          </p:sp>
-        </p:grpSp>
         <p:sp>
           <p:nvSpPr>
-            <p:cNvPr id="127" name="Textfeld 126"/>
-            <p:cNvSpPr txBox="1"/>
-            <p:nvPr/>
-          </p:nvSpPr>
-          <p:spPr>
-            <a:xfrm>
-              <a:off x="2595395" y="2204864"/>
-              <a:ext cx="530915" cy="461665"/>
-            </a:xfrm>
-            <a:prstGeom prst="rect">
-              <a:avLst/>
-            </a:prstGeom>
-            <a:noFill/>
-          </p:spPr>
-          <p:txBody>
-            <a:bodyPr wrap="none" rtlCol="0">
-              <a:spAutoFit/>
-            </a:bodyPr>
-            <a:lstStyle/>
-            <a:p>
-              <a:pPr algn="r"/>
-              <a:r>
-                <a:rPr lang="de-DE" sz="1200" smtClean="0"/>
-                <a:t>+</a:t>
-              </a:r>
-            </a:p>
-            <a:p>
-              <a:pPr algn="r"/>
-              <a:r>
-                <a:rPr lang="de-DE" sz="1200" smtClean="0"/>
-                <a:t>4,7uF</a:t>
-              </a:r>
-              <a:endParaRPr lang="de-DE" sz="1200"/>
-            </a:p>
-          </p:txBody>
-        </p:sp>
-        <p:cxnSp>
-          <p:nvCxnSpPr>
-            <p:cNvPr id="128" name="Gerade Verbindung 127"/>
-            <p:cNvCxnSpPr>
-              <a:stCxn id="125" idx="3"/>
-              <a:endCxn id="131" idx="0"/>
-            </p:cNvCxnSpPr>
-            <p:nvPr/>
-          </p:nvCxnSpPr>
-          <p:spPr>
-            <a:xfrm flipV="1">
-              <a:off x="2596813" y="2452938"/>
-              <a:ext cx="457490" cy="1101"/>
-            </a:xfrm>
-            <a:prstGeom prst="line">
-              <a:avLst/>
-            </a:prstGeom>
-            <a:ln>
-              <a:solidFill>
-                <a:schemeClr val="tx1"/>
-              </a:solidFill>
-            </a:ln>
-          </p:spPr>
-          <p:style>
-            <a:lnRef idx="1">
-              <a:schemeClr val="accent1"/>
-            </a:lnRef>
-            <a:fillRef idx="0">
-              <a:schemeClr val="accent1"/>
-            </a:fillRef>
-            <a:effectRef idx="0">
-              <a:schemeClr val="accent1"/>
-            </a:effectRef>
-            <a:fontRef idx="minor">
-              <a:schemeClr val="tx1"/>
-            </a:fontRef>
-          </p:style>
-        </p:cxnSp>
-        <p:cxnSp>
-          <p:nvCxnSpPr>
-            <p:cNvPr id="129" name="Gerade Verbindung 128"/>
-            <p:cNvCxnSpPr>
-              <a:endCxn id="125" idx="1"/>
-            </p:cNvCxnSpPr>
-            <p:nvPr/>
-          </p:nvCxnSpPr>
-          <p:spPr>
-            <a:xfrm>
-              <a:off x="1763688" y="2454039"/>
-              <a:ext cx="420833" cy="0"/>
-            </a:xfrm>
-            <a:prstGeom prst="line">
-              <a:avLst/>
-            </a:prstGeom>
-            <a:ln>
-              <a:solidFill>
-                <a:schemeClr val="tx1"/>
-              </a:solidFill>
-            </a:ln>
-          </p:spPr>
-          <p:style>
-            <a:lnRef idx="1">
-              <a:schemeClr val="accent1"/>
-            </a:lnRef>
-            <a:fillRef idx="0">
-              <a:schemeClr val="accent1"/>
-            </a:fillRef>
-            <a:effectRef idx="0">
-              <a:schemeClr val="accent1"/>
-            </a:effectRef>
-            <a:fontRef idx="minor">
-              <a:schemeClr val="tx1"/>
-            </a:fontRef>
-          </p:style>
-        </p:cxnSp>
-        <p:cxnSp>
-          <p:nvCxnSpPr>
-            <p:cNvPr id="130" name="Gerade Verbindung 129"/>
-            <p:cNvCxnSpPr>
-              <a:stCxn id="132" idx="0"/>
-            </p:cNvCxnSpPr>
-            <p:nvPr/>
-          </p:nvCxnSpPr>
-          <p:spPr>
-            <a:xfrm flipV="1">
-              <a:off x="3130466" y="2452937"/>
-              <a:ext cx="433422" cy="1"/>
-            </a:xfrm>
-            <a:prstGeom prst="line">
-              <a:avLst/>
-            </a:prstGeom>
-            <a:ln>
-              <a:solidFill>
-                <a:schemeClr val="tx1"/>
-              </a:solidFill>
-            </a:ln>
-          </p:spPr>
-          <p:style>
-            <a:lnRef idx="1">
-              <a:schemeClr val="accent1"/>
-            </a:lnRef>
-            <a:fillRef idx="0">
-              <a:schemeClr val="accent1"/>
-            </a:fillRef>
-            <a:effectRef idx="0">
-              <a:schemeClr val="accent1"/>
-            </a:effectRef>
-            <a:fontRef idx="minor">
-              <a:schemeClr val="tx1"/>
-            </a:fontRef>
-          </p:style>
-        </p:cxnSp>
-      </p:grpSp>
-      <p:sp>
-        <p:nvSpPr>
-          <p:cNvPr id="135" name="Textfeld 134"/>
-          <p:cNvSpPr txBox="1"/>
-          <p:nvPr/>
-        </p:nvSpPr>
-        <p:spPr>
-          <a:xfrm>
-            <a:off x="3203848" y="2754094"/>
-            <a:ext cx="412292" cy="276999"/>
-          </a:xfrm>
-          <a:prstGeom prst="rect">
-            <a:avLst/>
-          </a:prstGeom>
-          <a:noFill/>
-          <a:ln>
-            <a:solidFill>
-              <a:schemeClr val="tx1"/>
-            </a:solidFill>
-          </a:ln>
-        </p:spPr>
-        <p:txBody>
-          <a:bodyPr wrap="none" rtlCol="0">
-            <a:spAutoFit/>
-          </a:bodyPr>
-          <a:lstStyle/>
-          <a:p>
-            <a:r>
-              <a:rPr lang="de-DE" sz="1200" smtClean="0"/>
-              <a:t>10k</a:t>
-            </a:r>
-            <a:endParaRPr lang="de-DE" sz="1200"/>
-          </a:p>
-        </p:txBody>
-      </p:sp>
-      <p:sp>
-        <p:nvSpPr>
-          <p:cNvPr id="136" name="Textfeld 135"/>
-          <p:cNvSpPr txBox="1"/>
-          <p:nvPr/>
-        </p:nvSpPr>
-        <p:spPr>
-          <a:xfrm>
-            <a:off x="5023804" y="2754094"/>
-            <a:ext cx="412292" cy="276999"/>
-          </a:xfrm>
-          <a:prstGeom prst="rect">
-            <a:avLst/>
-          </a:prstGeom>
-          <a:noFill/>
-          <a:ln>
-            <a:solidFill>
-              <a:schemeClr val="tx1"/>
-            </a:solidFill>
-          </a:ln>
-        </p:spPr>
-        <p:txBody>
-          <a:bodyPr wrap="none" rtlCol="0">
-            <a:spAutoFit/>
-          </a:bodyPr>
-          <a:lstStyle/>
-          <a:p>
-            <a:r>
-              <a:rPr lang="de-DE" sz="1200" smtClean="0"/>
-              <a:t>10k</a:t>
-            </a:r>
-            <a:endParaRPr lang="de-DE" sz="1200"/>
-          </a:p>
-        </p:txBody>
-      </p:sp>
-      <p:cxnSp>
-        <p:nvCxnSpPr>
-          <p:cNvPr id="69" name="Gewinkelte Verbindung 68"/>
-          <p:cNvCxnSpPr>
-            <a:stCxn id="135" idx="3"/>
-            <a:endCxn id="4" idx="0"/>
-          </p:cNvCxnSpPr>
-          <p:nvPr/>
-        </p:nvCxnSpPr>
-        <p:spPr>
-          <a:xfrm>
-            <a:off x="3616140" y="2892594"/>
-            <a:ext cx="307788" cy="1352244"/>
-          </a:xfrm>
-          <a:prstGeom prst="bentConnector3">
-            <a:avLst>
-              <a:gd name="adj1" fmla="val 171326"/>
-            </a:avLst>
-          </a:prstGeom>
-          <a:ln>
-            <a:solidFill>
-              <a:schemeClr val="tx1"/>
-            </a:solidFill>
-          </a:ln>
-        </p:spPr>
-        <p:style>
-          <a:lnRef idx="1">
-            <a:schemeClr val="accent1"/>
-          </a:lnRef>
-          <a:fillRef idx="0">
-            <a:schemeClr val="accent1"/>
-          </a:fillRef>
-          <a:effectRef idx="0">
-            <a:schemeClr val="accent1"/>
-          </a:effectRef>
-          <a:fontRef idx="minor">
-            <a:schemeClr val="tx1"/>
-          </a:fontRef>
-        </p:style>
-      </p:cxnSp>
-      <p:cxnSp>
-        <p:nvCxnSpPr>
-          <p:cNvPr id="72" name="Gewinkelte Verbindung 71"/>
-          <p:cNvCxnSpPr>
-            <a:stCxn id="136" idx="1"/>
-            <a:endCxn id="12" idx="0"/>
-          </p:cNvCxnSpPr>
-          <p:nvPr/>
-        </p:nvCxnSpPr>
-        <p:spPr>
-          <a:xfrm rot="10800000" flipV="1">
-            <a:off x="4788024" y="2892593"/>
-            <a:ext cx="235780" cy="1362635"/>
-          </a:xfrm>
-          <a:prstGeom prst="bentConnector3">
-            <a:avLst>
-              <a:gd name="adj1" fmla="val 188701"/>
-            </a:avLst>
-          </a:prstGeom>
-          <a:ln>
-            <a:solidFill>
-              <a:schemeClr val="tx1"/>
-            </a:solidFill>
-          </a:ln>
-        </p:spPr>
-        <p:style>
-          <a:lnRef idx="1">
-            <a:schemeClr val="accent1"/>
-          </a:lnRef>
-          <a:fillRef idx="0">
-            <a:schemeClr val="accent1"/>
-          </a:fillRef>
-          <a:effectRef idx="0">
-            <a:schemeClr val="accent1"/>
-          </a:effectRef>
-          <a:fontRef idx="minor">
-            <a:schemeClr val="tx1"/>
-          </a:fontRef>
-        </p:style>
-      </p:cxnSp>
-      <p:cxnSp>
-        <p:nvCxnSpPr>
-          <p:cNvPr id="81" name="Gewinkelte Verbindung 80"/>
-          <p:cNvCxnSpPr>
-            <a:stCxn id="136" idx="3"/>
-          </p:cNvCxnSpPr>
-          <p:nvPr/>
-        </p:nvCxnSpPr>
-        <p:spPr>
-          <a:xfrm>
-            <a:off x="5436096" y="2892594"/>
-            <a:ext cx="936104" cy="1994622"/>
-          </a:xfrm>
-          <a:prstGeom prst="bentConnector2">
-            <a:avLst/>
-          </a:prstGeom>
-          <a:ln>
-            <a:solidFill>
-              <a:schemeClr val="tx1"/>
-            </a:solidFill>
-          </a:ln>
-        </p:spPr>
-        <p:style>
-          <a:lnRef idx="1">
-            <a:schemeClr val="accent1"/>
-          </a:lnRef>
-          <a:fillRef idx="0">
-            <a:schemeClr val="accent1"/>
-          </a:fillRef>
-          <a:effectRef idx="0">
-            <a:schemeClr val="accent1"/>
-          </a:effectRef>
-          <a:fontRef idx="minor">
-            <a:schemeClr val="tx1"/>
-          </a:fontRef>
-        </p:style>
-      </p:cxnSp>
-      <p:cxnSp>
-        <p:nvCxnSpPr>
-          <p:cNvPr id="148" name="Gewinkelte Verbindung 147"/>
-          <p:cNvCxnSpPr>
-            <a:stCxn id="135" idx="1"/>
-          </p:cNvCxnSpPr>
-          <p:nvPr/>
-        </p:nvCxnSpPr>
-        <p:spPr>
-          <a:xfrm rot="10800000" flipV="1">
-            <a:off x="2267744" y="2892594"/>
-            <a:ext cx="936104" cy="2000316"/>
-          </a:xfrm>
-          <a:prstGeom prst="bentConnector2">
-            <a:avLst/>
-          </a:prstGeom>
-          <a:ln>
-            <a:solidFill>
-              <a:schemeClr val="tx1"/>
-            </a:solidFill>
-          </a:ln>
-        </p:spPr>
-        <p:style>
-          <a:lnRef idx="1">
-            <a:schemeClr val="accent1"/>
-          </a:lnRef>
-          <a:fillRef idx="0">
-            <a:schemeClr val="accent1"/>
-          </a:fillRef>
-          <a:effectRef idx="0">
-            <a:schemeClr val="accent1"/>
-          </a:effectRef>
-          <a:fontRef idx="minor">
-            <a:schemeClr val="tx1"/>
-          </a:fontRef>
-        </p:style>
-      </p:cxnSp>
-      <p:sp>
-        <p:nvSpPr>
-          <p:cNvPr id="151" name="Ellipse 150"/>
-          <p:cNvSpPr/>
-          <p:nvPr/>
-        </p:nvSpPr>
-        <p:spPr>
-          <a:xfrm>
-            <a:off x="2239169" y="3563724"/>
-            <a:ext cx="72008" cy="72008"/>
-          </a:xfrm>
-          <a:prstGeom prst="ellipse">
-            <a:avLst/>
-          </a:prstGeom>
-          <a:solidFill>
-            <a:schemeClr val="tx1"/>
-          </a:solidFill>
-          <a:ln>
-            <a:noFill/>
-          </a:ln>
-        </p:spPr>
-        <p:style>
-          <a:lnRef idx="2">
-            <a:schemeClr val="accent1">
-              <a:shade val="50000"/>
-            </a:schemeClr>
-          </a:lnRef>
-          <a:fillRef idx="1">
-            <a:schemeClr val="accent1"/>
-          </a:fillRef>
-          <a:effectRef idx="0">
-            <a:schemeClr val="accent1"/>
-          </a:effectRef>
-          <a:fontRef idx="minor">
-            <a:schemeClr val="lt1"/>
-          </a:fontRef>
-        </p:style>
-        <p:txBody>
-          <a:bodyPr rtlCol="0" anchor="ctr"/>
-          <a:lstStyle/>
-          <a:p>
-            <a:pPr algn="ctr"/>
-            <a:endParaRPr lang="de-DE"/>
-          </a:p>
-        </p:txBody>
-      </p:sp>
-      <p:sp>
-        <p:nvSpPr>
-          <p:cNvPr id="152" name="Ellipse 151"/>
-          <p:cNvSpPr/>
-          <p:nvPr/>
-        </p:nvSpPr>
-        <p:spPr>
-          <a:xfrm>
-            <a:off x="2233836" y="3989298"/>
-            <a:ext cx="72008" cy="72008"/>
-          </a:xfrm>
-          <a:prstGeom prst="ellipse">
-            <a:avLst/>
-          </a:prstGeom>
-          <a:solidFill>
-            <a:schemeClr val="tx1"/>
-          </a:solidFill>
-          <a:ln>
-            <a:noFill/>
-          </a:ln>
-        </p:spPr>
-        <p:style>
-          <a:lnRef idx="2">
-            <a:schemeClr val="accent1">
-              <a:shade val="50000"/>
-            </a:schemeClr>
-          </a:lnRef>
-          <a:fillRef idx="1">
-            <a:schemeClr val="accent1"/>
-          </a:fillRef>
-          <a:effectRef idx="0">
-            <a:schemeClr val="accent1"/>
-          </a:effectRef>
-          <a:fontRef idx="minor">
-            <a:schemeClr val="lt1"/>
-          </a:fontRef>
-        </p:style>
-        <p:txBody>
-          <a:bodyPr rtlCol="0" anchor="ctr"/>
-          <a:lstStyle/>
-          <a:p>
-            <a:pPr algn="ctr"/>
-            <a:endParaRPr lang="de-DE"/>
-          </a:p>
-        </p:txBody>
-      </p:sp>
-      <p:sp>
-        <p:nvSpPr>
-          <p:cNvPr id="153" name="Ellipse 152"/>
-          <p:cNvSpPr/>
-          <p:nvPr/>
-        </p:nvSpPr>
-        <p:spPr>
-          <a:xfrm>
-            <a:off x="2239169" y="4418295"/>
-            <a:ext cx="72008" cy="72008"/>
-          </a:xfrm>
-          <a:prstGeom prst="ellipse">
-            <a:avLst/>
-          </a:prstGeom>
-          <a:solidFill>
-            <a:schemeClr val="tx1"/>
-          </a:solidFill>
-          <a:ln>
-            <a:noFill/>
-          </a:ln>
-        </p:spPr>
-        <p:style>
-          <a:lnRef idx="2">
-            <a:schemeClr val="accent1">
-              <a:shade val="50000"/>
-            </a:schemeClr>
-          </a:lnRef>
-          <a:fillRef idx="1">
-            <a:schemeClr val="accent1"/>
-          </a:fillRef>
-          <a:effectRef idx="0">
-            <a:schemeClr val="accent1"/>
-          </a:effectRef>
-          <a:fontRef idx="minor">
-            <a:schemeClr val="lt1"/>
-          </a:fontRef>
-        </p:style>
-        <p:txBody>
-          <a:bodyPr rtlCol="0" anchor="ctr"/>
-          <a:lstStyle/>
-          <a:p>
-            <a:pPr algn="ctr"/>
-            <a:endParaRPr lang="de-DE"/>
-          </a:p>
-        </p:txBody>
-      </p:sp>
-      <p:sp>
-        <p:nvSpPr>
-          <p:cNvPr id="154" name="Ellipse 153"/>
-          <p:cNvSpPr/>
-          <p:nvPr/>
-        </p:nvSpPr>
-        <p:spPr>
-          <a:xfrm>
-            <a:off x="6338291" y="3573248"/>
-            <a:ext cx="72008" cy="72008"/>
-          </a:xfrm>
-          <a:prstGeom prst="ellipse">
-            <a:avLst/>
-          </a:prstGeom>
-          <a:solidFill>
-            <a:schemeClr val="tx1"/>
-          </a:solidFill>
-          <a:ln>
-            <a:noFill/>
-          </a:ln>
-        </p:spPr>
-        <p:style>
-          <a:lnRef idx="2">
-            <a:schemeClr val="accent1">
-              <a:shade val="50000"/>
-            </a:schemeClr>
-          </a:lnRef>
-          <a:fillRef idx="1">
-            <a:schemeClr val="accent1"/>
-          </a:fillRef>
-          <a:effectRef idx="0">
-            <a:schemeClr val="accent1"/>
-          </a:effectRef>
-          <a:fontRef idx="minor">
-            <a:schemeClr val="lt1"/>
-          </a:fontRef>
-        </p:style>
-        <p:txBody>
-          <a:bodyPr rtlCol="0" anchor="ctr"/>
-          <a:lstStyle/>
-          <a:p>
-            <a:pPr algn="ctr"/>
-            <a:endParaRPr lang="de-DE"/>
-          </a:p>
-        </p:txBody>
-      </p:sp>
-      <p:sp>
-        <p:nvSpPr>
-          <p:cNvPr id="155" name="Ellipse 154"/>
-          <p:cNvSpPr/>
-          <p:nvPr/>
-        </p:nvSpPr>
-        <p:spPr>
-          <a:xfrm>
-            <a:off x="6342484" y="3979773"/>
-            <a:ext cx="72008" cy="72008"/>
-          </a:xfrm>
-          <a:prstGeom prst="ellipse">
-            <a:avLst/>
-          </a:prstGeom>
-          <a:solidFill>
-            <a:schemeClr val="tx1"/>
-          </a:solidFill>
-          <a:ln>
-            <a:noFill/>
-          </a:ln>
-        </p:spPr>
-        <p:style>
-          <a:lnRef idx="2">
-            <a:schemeClr val="accent1">
-              <a:shade val="50000"/>
-            </a:schemeClr>
-          </a:lnRef>
-          <a:fillRef idx="1">
-            <a:schemeClr val="accent1"/>
-          </a:fillRef>
-          <a:effectRef idx="0">
-            <a:schemeClr val="accent1"/>
-          </a:effectRef>
-          <a:fontRef idx="minor">
-            <a:schemeClr val="lt1"/>
-          </a:fontRef>
-        </p:style>
-        <p:txBody>
-          <a:bodyPr rtlCol="0" anchor="ctr"/>
-          <a:lstStyle/>
-          <a:p>
-            <a:pPr algn="ctr"/>
-            <a:endParaRPr lang="de-DE"/>
-          </a:p>
-        </p:txBody>
-      </p:sp>
-      <p:sp>
-        <p:nvSpPr>
-          <p:cNvPr id="156" name="Ellipse 155"/>
-          <p:cNvSpPr/>
-          <p:nvPr/>
-        </p:nvSpPr>
-        <p:spPr>
-          <a:xfrm>
-            <a:off x="6338291" y="4408770"/>
-            <a:ext cx="72008" cy="72008"/>
-          </a:xfrm>
-          <a:prstGeom prst="ellipse">
-            <a:avLst/>
-          </a:prstGeom>
-          <a:solidFill>
-            <a:schemeClr val="tx1"/>
-          </a:solidFill>
-          <a:ln>
-            <a:noFill/>
-          </a:ln>
-        </p:spPr>
-        <p:style>
-          <a:lnRef idx="2">
-            <a:schemeClr val="accent1">
-              <a:shade val="50000"/>
-            </a:schemeClr>
-          </a:lnRef>
-          <a:fillRef idx="1">
-            <a:schemeClr val="accent1"/>
-          </a:fillRef>
-          <a:effectRef idx="0">
-            <a:schemeClr val="accent1"/>
-          </a:effectRef>
-          <a:fontRef idx="minor">
-            <a:schemeClr val="lt1"/>
-          </a:fontRef>
-        </p:style>
-        <p:txBody>
-          <a:bodyPr rtlCol="0" anchor="ctr"/>
-          <a:lstStyle/>
-          <a:p>
-            <a:pPr algn="ctr"/>
-            <a:endParaRPr lang="de-DE"/>
-          </a:p>
-        </p:txBody>
-      </p:sp>
-      <p:sp>
-        <p:nvSpPr>
-          <p:cNvPr id="87" name="Textfeld 86"/>
-          <p:cNvSpPr txBox="1"/>
-          <p:nvPr/>
-        </p:nvSpPr>
-        <p:spPr>
-          <a:xfrm>
-            <a:off x="8316416" y="2013689"/>
-            <a:ext cx="665567" cy="369332"/>
-          </a:xfrm>
-          <a:prstGeom prst="rect">
-            <a:avLst/>
-          </a:prstGeom>
-          <a:noFill/>
-        </p:spPr>
-        <p:txBody>
-          <a:bodyPr wrap="none" rtlCol="0">
-            <a:spAutoFit/>
-          </a:bodyPr>
-          <a:lstStyle/>
-          <a:p>
-            <a:r>
-              <a:rPr lang="de-DE" smtClean="0"/>
-              <a:t>+12V</a:t>
-            </a:r>
-            <a:endParaRPr lang="de-DE"/>
-          </a:p>
-        </p:txBody>
-      </p:sp>
-      <p:sp>
-        <p:nvSpPr>
-          <p:cNvPr id="158" name="Textfeld 157"/>
-          <p:cNvSpPr txBox="1"/>
-          <p:nvPr/>
-        </p:nvSpPr>
-        <p:spPr>
-          <a:xfrm>
-            <a:off x="8316416" y="6084004"/>
-            <a:ext cx="574196" cy="369332"/>
-          </a:xfrm>
-          <a:prstGeom prst="rect">
-            <a:avLst/>
-          </a:prstGeom>
-          <a:noFill/>
-        </p:spPr>
-        <p:txBody>
-          <a:bodyPr wrap="none" rtlCol="0">
-            <a:spAutoFit/>
-          </a:bodyPr>
-          <a:lstStyle/>
-          <a:p>
-            <a:r>
-              <a:rPr lang="de-DE" smtClean="0"/>
-              <a:t>Gnd</a:t>
-            </a:r>
-            <a:endParaRPr lang="de-DE"/>
-          </a:p>
-        </p:txBody>
-      </p:sp>
-      <p:sp>
-        <p:nvSpPr>
-          <p:cNvPr id="159" name="Textfeld 158"/>
-          <p:cNvSpPr txBox="1"/>
-          <p:nvPr/>
-        </p:nvSpPr>
-        <p:spPr>
-          <a:xfrm>
-            <a:off x="4905913" y="829963"/>
-            <a:ext cx="1705916" cy="646331"/>
-          </a:xfrm>
-          <a:prstGeom prst="rect">
-            <a:avLst/>
-          </a:prstGeom>
-          <a:noFill/>
-        </p:spPr>
-        <p:txBody>
-          <a:bodyPr wrap="none" rtlCol="0">
-            <a:spAutoFit/>
-          </a:bodyPr>
-          <a:lstStyle/>
-          <a:p>
-            <a:r>
-              <a:rPr lang="de-DE" smtClean="0"/>
-              <a:t>Audio Mixer</a:t>
-            </a:r>
-          </a:p>
-          <a:p>
-            <a:r>
-              <a:rPr lang="de-DE" smtClean="0"/>
-              <a:t>Input f</a:t>
-            </a:r>
-            <a:r>
-              <a:rPr lang="de-DE" sz="1600" smtClean="0"/>
-              <a:t>g</a:t>
-            </a:r>
-            <a:r>
-              <a:rPr lang="de-DE" smtClean="0"/>
-              <a:t> = 3,4 Hz</a:t>
-            </a:r>
-            <a:endParaRPr lang="de-DE"/>
-          </a:p>
-        </p:txBody>
-      </p:sp>
-      <p:grpSp>
-        <p:nvGrpSpPr>
-          <p:cNvPr id="95" name="Gruppieren 94"/>
-          <p:cNvGrpSpPr/>
-          <p:nvPr/>
-        </p:nvGrpSpPr>
-        <p:grpSpPr>
-          <a:xfrm>
-            <a:off x="2422792" y="2198355"/>
-            <a:ext cx="276999" cy="4070315"/>
-            <a:chOff x="2422792" y="2092206"/>
-            <a:chExt cx="276999" cy="4070315"/>
-          </a:xfrm>
-        </p:grpSpPr>
-        <p:sp>
-          <p:nvSpPr>
-            <p:cNvPr id="160" name="Textfeld 159"/>
+            <p:cNvPr id="161" name="Textfeld 160"/>
             <p:cNvSpPr txBox="1"/>
             <p:nvPr/>
           </p:nvSpPr>
           <p:spPr>
             <a:xfrm rot="16200000">
-              <a:off x="2355146" y="3224362"/>
-              <a:ext cx="412292" cy="276999"/>
+              <a:off x="2394419" y="5172586"/>
+              <a:ext cx="333746" cy="276999"/>
             </a:xfrm>
             <a:prstGeom prst="rect">
               <a:avLst/>
@@ -29478,43 +28738,12 @@
             <a:lstStyle/>
             <a:p>
               <a:r>
-                <a:rPr lang="de-DE" sz="1200" smtClean="0"/>
-                <a:t>22k</a:t>
+                <a:rPr lang="de-DE" sz="1200"/>
+                <a:t>5</a:t>
               </a:r>
-              <a:endParaRPr lang="de-DE" sz="1200"/>
-            </a:p>
-          </p:txBody>
-        </p:sp>
-        <p:sp>
-          <p:nvSpPr>
-            <p:cNvPr id="161" name="Textfeld 160"/>
-            <p:cNvSpPr txBox="1"/>
-            <p:nvPr/>
-          </p:nvSpPr>
-          <p:spPr>
-            <a:xfrm rot="16200000">
-              <a:off x="2355146" y="5172586"/>
-              <a:ext cx="412292" cy="276999"/>
-            </a:xfrm>
-            <a:prstGeom prst="rect">
-              <a:avLst/>
-            </a:prstGeom>
-            <a:noFill/>
-            <a:ln>
-              <a:solidFill>
-                <a:schemeClr val="tx1"/>
-              </a:solidFill>
-            </a:ln>
-          </p:spPr>
-          <p:txBody>
-            <a:bodyPr wrap="none" rtlCol="0">
-              <a:spAutoFit/>
-            </a:bodyPr>
-            <a:lstStyle/>
-            <a:p>
               <a:r>
                 <a:rPr lang="de-DE" sz="1200" smtClean="0"/>
-                <a:t>22k</a:t>
+                <a:t>k</a:t>
               </a:r>
               <a:endParaRPr lang="de-DE" sz="1200"/>
             </a:p>
@@ -29531,8 +28760,8 @@
           </p:nvCxnSpPr>
           <p:spPr>
             <a:xfrm>
-              <a:off x="2561293" y="3569008"/>
-              <a:ext cx="0" cy="1535932"/>
+              <a:off x="2561293" y="3529735"/>
+              <a:ext cx="0" cy="1614478"/>
             </a:xfrm>
             <a:prstGeom prst="line">
               <a:avLst/>
@@ -29569,7 +28798,7 @@
           <p:spPr>
             <a:xfrm>
               <a:off x="2561292" y="2092206"/>
-              <a:ext cx="1" cy="1064510"/>
+              <a:ext cx="1" cy="1103783"/>
             </a:xfrm>
             <a:prstGeom prst="line">
               <a:avLst/>
@@ -29604,206 +28833,9 @@
             <p:nvPr/>
           </p:nvCxnSpPr>
           <p:spPr>
-            <a:xfrm flipH="1">
-              <a:off x="2561292" y="5517232"/>
-              <a:ext cx="1" cy="645289"/>
-            </a:xfrm>
-            <a:prstGeom prst="line">
-              <a:avLst/>
-            </a:prstGeom>
-            <a:ln>
-              <a:solidFill>
-                <a:schemeClr val="tx1"/>
-              </a:solidFill>
-            </a:ln>
-          </p:spPr>
-          <p:style>
-            <a:lnRef idx="1">
-              <a:schemeClr val="accent1"/>
-            </a:lnRef>
-            <a:fillRef idx="0">
-              <a:schemeClr val="accent1"/>
-            </a:fillRef>
-            <a:effectRef idx="0">
-              <a:schemeClr val="accent1"/>
-            </a:effectRef>
-            <a:fontRef idx="minor">
-              <a:schemeClr val="tx1"/>
-            </a:fontRef>
-          </p:style>
-        </p:cxnSp>
-      </p:grpSp>
-      <p:grpSp>
-        <p:nvGrpSpPr>
-          <p:cNvPr id="171" name="Gruppieren 170"/>
-          <p:cNvGrpSpPr/>
-          <p:nvPr/>
-        </p:nvGrpSpPr>
-        <p:grpSpPr>
-          <a:xfrm>
-            <a:off x="5951185" y="2201138"/>
-            <a:ext cx="276999" cy="4070315"/>
-            <a:chOff x="2422792" y="2092206"/>
-            <a:chExt cx="276999" cy="4070315"/>
-          </a:xfrm>
-        </p:grpSpPr>
-        <p:sp>
-          <p:nvSpPr>
-            <p:cNvPr id="172" name="Textfeld 171"/>
-            <p:cNvSpPr txBox="1"/>
-            <p:nvPr/>
-          </p:nvSpPr>
-          <p:spPr>
-            <a:xfrm rot="16200000">
-              <a:off x="2355146" y="3224362"/>
-              <a:ext cx="412292" cy="276999"/>
-            </a:xfrm>
-            <a:prstGeom prst="rect">
-              <a:avLst/>
-            </a:prstGeom>
-            <a:noFill/>
-            <a:ln>
-              <a:solidFill>
-                <a:schemeClr val="tx1"/>
-              </a:solidFill>
-            </a:ln>
-          </p:spPr>
-          <p:txBody>
-            <a:bodyPr wrap="none" rtlCol="0">
-              <a:spAutoFit/>
-            </a:bodyPr>
-            <a:lstStyle/>
-            <a:p>
-              <a:r>
-                <a:rPr lang="de-DE" sz="1200" smtClean="0"/>
-                <a:t>22k</a:t>
-              </a:r>
-              <a:endParaRPr lang="de-DE" sz="1200"/>
-            </a:p>
-          </p:txBody>
-        </p:sp>
-        <p:sp>
-          <p:nvSpPr>
-            <p:cNvPr id="173" name="Textfeld 172"/>
-            <p:cNvSpPr txBox="1"/>
-            <p:nvPr/>
-          </p:nvSpPr>
-          <p:spPr>
-            <a:xfrm rot="16200000">
-              <a:off x="2355146" y="5172586"/>
-              <a:ext cx="412292" cy="276999"/>
-            </a:xfrm>
-            <a:prstGeom prst="rect">
-              <a:avLst/>
-            </a:prstGeom>
-            <a:noFill/>
-            <a:ln>
-              <a:solidFill>
-                <a:schemeClr val="tx1"/>
-              </a:solidFill>
-            </a:ln>
-          </p:spPr>
-          <p:txBody>
-            <a:bodyPr wrap="none" rtlCol="0">
-              <a:spAutoFit/>
-            </a:bodyPr>
-            <a:lstStyle/>
-            <a:p>
-              <a:r>
-                <a:rPr lang="de-DE" sz="1200" smtClean="0"/>
-                <a:t>22k</a:t>
-              </a:r>
-              <a:endParaRPr lang="de-DE" sz="1200"/>
-            </a:p>
-          </p:txBody>
-        </p:sp>
-        <p:cxnSp>
-          <p:nvCxnSpPr>
-            <p:cNvPr id="174" name="Gerade Verbindung 173"/>
-            <p:cNvCxnSpPr>
-              <a:stCxn id="172" idx="1"/>
-              <a:endCxn id="173" idx="3"/>
-            </p:cNvCxnSpPr>
-            <p:nvPr/>
-          </p:nvCxnSpPr>
-          <p:spPr>
             <a:xfrm>
-              <a:off x="2561293" y="3569008"/>
-              <a:ext cx="0" cy="1535932"/>
-            </a:xfrm>
-            <a:prstGeom prst="line">
-              <a:avLst/>
-            </a:prstGeom>
-            <a:ln>
-              <a:solidFill>
-                <a:schemeClr val="tx1"/>
-              </a:solidFill>
-            </a:ln>
-          </p:spPr>
-          <p:style>
-            <a:lnRef idx="1">
-              <a:schemeClr val="accent1"/>
-            </a:lnRef>
-            <a:fillRef idx="0">
-              <a:schemeClr val="accent1"/>
-            </a:fillRef>
-            <a:effectRef idx="0">
-              <a:schemeClr val="accent1"/>
-            </a:effectRef>
-            <a:fontRef idx="minor">
-              <a:schemeClr val="tx1"/>
-            </a:fontRef>
-          </p:style>
-        </p:cxnSp>
-        <p:cxnSp>
-          <p:nvCxnSpPr>
-            <p:cNvPr id="175" name="Gerade Verbindung 174"/>
-            <p:cNvCxnSpPr>
-              <a:endCxn id="172" idx="3"/>
-            </p:cNvCxnSpPr>
-            <p:nvPr/>
-          </p:nvCxnSpPr>
-          <p:spPr>
-            <a:xfrm>
-              <a:off x="2561292" y="2092206"/>
-              <a:ext cx="1" cy="1064510"/>
-            </a:xfrm>
-            <a:prstGeom prst="line">
-              <a:avLst/>
-            </a:prstGeom>
-            <a:ln>
-              <a:solidFill>
-                <a:schemeClr val="tx1"/>
-              </a:solidFill>
-            </a:ln>
-          </p:spPr>
-          <p:style>
-            <a:lnRef idx="1">
-              <a:schemeClr val="accent1"/>
-            </a:lnRef>
-            <a:fillRef idx="0">
-              <a:schemeClr val="accent1"/>
-            </a:fillRef>
-            <a:effectRef idx="0">
-              <a:schemeClr val="accent1"/>
-            </a:effectRef>
-            <a:fontRef idx="minor">
-              <a:schemeClr val="tx1"/>
-            </a:fontRef>
-          </p:style>
-        </p:cxnSp>
-        <p:cxnSp>
-          <p:nvCxnSpPr>
-            <p:cNvPr id="176" name="Gerade Verbindung 175"/>
-            <p:cNvCxnSpPr>
-              <a:stCxn id="173" idx="1"/>
-            </p:cNvCxnSpPr>
-            <p:nvPr/>
-          </p:nvCxnSpPr>
-          <p:spPr>
-            <a:xfrm flipH="1">
-              <a:off x="2561292" y="5517232"/>
-              <a:ext cx="1" cy="645289"/>
+              <a:off x="2561293" y="5477959"/>
+              <a:ext cx="0" cy="684562"/>
             </a:xfrm>
             <a:prstGeom prst="line">
               <a:avLst/>
@@ -29838,7 +28870,7 @@
         </p:nvSpPr>
         <p:spPr>
           <a:xfrm>
-            <a:off x="2527201" y="2166997"/>
+            <a:off x="2527201" y="2296724"/>
             <a:ext cx="72008" cy="72008"/>
           </a:xfrm>
           <a:prstGeom prst="ellipse">
@@ -29884,7 +28916,7 @@
         </p:nvSpPr>
         <p:spPr>
           <a:xfrm>
-            <a:off x="2531393" y="6237545"/>
+            <a:off x="2526630" y="6381561"/>
             <a:ext cx="72008" cy="72008"/>
           </a:xfrm>
           <a:prstGeom prst="ellipse">
@@ -29922,98 +28954,6 @@
           </a:p>
         </p:txBody>
       </p:sp>
-      <p:sp>
-        <p:nvSpPr>
-          <p:cNvPr id="179" name="Ellipse 178"/>
-          <p:cNvSpPr/>
-          <p:nvPr/>
-        </p:nvSpPr>
-        <p:spPr>
-          <a:xfrm>
-            <a:off x="6050260" y="2166997"/>
-            <a:ext cx="72008" cy="72008"/>
-          </a:xfrm>
-          <a:prstGeom prst="ellipse">
-            <a:avLst/>
-          </a:prstGeom>
-          <a:solidFill>
-            <a:schemeClr val="tx1"/>
-          </a:solidFill>
-          <a:ln>
-            <a:noFill/>
-          </a:ln>
-        </p:spPr>
-        <p:style>
-          <a:lnRef idx="2">
-            <a:schemeClr val="accent1">
-              <a:shade val="50000"/>
-            </a:schemeClr>
-          </a:lnRef>
-          <a:fillRef idx="1">
-            <a:schemeClr val="accent1"/>
-          </a:fillRef>
-          <a:effectRef idx="0">
-            <a:schemeClr val="accent1"/>
-          </a:effectRef>
-          <a:fontRef idx="minor">
-            <a:schemeClr val="lt1"/>
-          </a:fontRef>
-        </p:style>
-        <p:txBody>
-          <a:bodyPr rtlCol="0" anchor="ctr"/>
-          <a:lstStyle/>
-          <a:p>
-            <a:pPr algn="ctr"/>
-            <a:endParaRPr lang="de-DE"/>
-          </a:p>
-        </p:txBody>
-      </p:sp>
-      <p:sp>
-        <p:nvSpPr>
-          <p:cNvPr id="180" name="Ellipse 179"/>
-          <p:cNvSpPr/>
-          <p:nvPr/>
-        </p:nvSpPr>
-        <p:spPr>
-          <a:xfrm>
-            <a:off x="6059785" y="6237545"/>
-            <a:ext cx="72008" cy="72008"/>
-          </a:xfrm>
-          <a:prstGeom prst="ellipse">
-            <a:avLst/>
-          </a:prstGeom>
-          <a:solidFill>
-            <a:schemeClr val="tx1"/>
-          </a:solidFill>
-          <a:ln>
-            <a:noFill/>
-          </a:ln>
-        </p:spPr>
-        <p:style>
-          <a:lnRef idx="2">
-            <a:schemeClr val="accent1">
-              <a:shade val="50000"/>
-            </a:schemeClr>
-          </a:lnRef>
-          <a:fillRef idx="1">
-            <a:schemeClr val="accent1"/>
-          </a:fillRef>
-          <a:effectRef idx="0">
-            <a:schemeClr val="accent1"/>
-          </a:effectRef>
-          <a:fontRef idx="minor">
-            <a:schemeClr val="lt1"/>
-          </a:fontRef>
-        </p:style>
-        <p:txBody>
-          <a:bodyPr rtlCol="0" anchor="ctr"/>
-          <a:lstStyle/>
-          <a:p>
-            <a:pPr algn="ctr"/>
-            <a:endParaRPr lang="de-DE"/>
-          </a:p>
-        </p:txBody>
-      </p:sp>
       <p:cxnSp>
         <p:nvCxnSpPr>
           <p:cNvPr id="97" name="Gerade Verbindung 96"/>
@@ -30022,7 +28962,7 @@
         </p:nvCxnSpPr>
         <p:spPr>
           <a:xfrm flipH="1">
-            <a:off x="2269840" y="3979773"/>
+            <a:off x="2269840" y="4123789"/>
             <a:ext cx="609972" cy="1"/>
           </a:xfrm>
           <a:prstGeom prst="line">
@@ -30057,7 +28997,7 @@
         </p:nvCxnSpPr>
         <p:spPr>
           <a:xfrm flipH="1">
-            <a:off x="5834236" y="3967199"/>
+            <a:off x="5834236" y="4111215"/>
             <a:ext cx="513581" cy="0"/>
           </a:xfrm>
           <a:prstGeom prst="line">
@@ -30092,7 +29032,7 @@
         </p:nvSpPr>
         <p:spPr>
           <a:xfrm>
-            <a:off x="6338859" y="3929093"/>
+            <a:off x="6332001" y="4072877"/>
             <a:ext cx="72008" cy="72008"/>
           </a:xfrm>
           <a:prstGeom prst="ellipse">
@@ -30138,7 +29078,7 @@
         </p:nvSpPr>
         <p:spPr>
           <a:xfrm>
-            <a:off x="2233840" y="3938619"/>
+            <a:off x="2233840" y="4082635"/>
             <a:ext cx="72008" cy="72008"/>
           </a:xfrm>
           <a:prstGeom prst="ellipse">
@@ -30184,7 +29124,7 @@
         </p:nvCxnSpPr>
         <p:spPr>
           <a:xfrm flipH="1">
-            <a:off x="2561292" y="4509357"/>
+            <a:off x="2561292" y="4653373"/>
             <a:ext cx="316424" cy="1"/>
           </a:xfrm>
           <a:prstGeom prst="line">
@@ -30219,7 +29159,7 @@
         </p:nvSpPr>
         <p:spPr>
           <a:xfrm>
-            <a:off x="2526635" y="4480198"/>
+            <a:off x="2526635" y="4624214"/>
             <a:ext cx="72008" cy="72008"/>
           </a:xfrm>
           <a:prstGeom prst="ellipse">
@@ -30265,7 +29205,7 @@
         </p:nvCxnSpPr>
         <p:spPr>
           <a:xfrm flipH="1">
-            <a:off x="5849094" y="4524209"/>
+            <a:off x="5849094" y="4668225"/>
             <a:ext cx="246695" cy="0"/>
           </a:xfrm>
           <a:prstGeom prst="line">
@@ -30292,56 +29232,6 @@
           </a:fontRef>
         </p:style>
       </p:cxnSp>
-      <p:sp>
-        <p:nvSpPr>
-          <p:cNvPr id="199" name="Ellipse 198"/>
-          <p:cNvSpPr/>
-          <p:nvPr/>
-        </p:nvSpPr>
-        <p:spPr>
-          <a:xfrm>
-            <a:off x="6055590" y="4494488"/>
-            <a:ext cx="72008" cy="72008"/>
-          </a:xfrm>
-          <a:prstGeom prst="ellipse">
-            <a:avLst/>
-          </a:prstGeom>
-          <a:solidFill>
-            <a:schemeClr val="tx1"/>
-          </a:solidFill>
-          <a:ln>
-            <a:noFill/>
-          </a:ln>
-        </p:spPr>
-        <p:style>
-          <a:lnRef idx="2">
-            <a:schemeClr val="accent1">
-              <a:shade val="50000"/>
-            </a:schemeClr>
-          </a:lnRef>
-          <a:fillRef idx="1">
-            <a:schemeClr val="accent1"/>
-          </a:fillRef>
-          <a:effectRef idx="0">
-            <a:schemeClr val="accent1"/>
-          </a:effectRef>
-          <a:fontRef idx="minor">
-            <a:schemeClr val="lt1"/>
-          </a:fontRef>
-        </p:style>
-        <p:txBody>
-          <a:bodyPr rtlCol="0" anchor="ctr"/>
-          <a:lstStyle/>
-          <a:p>
-            <a:pPr algn="ctr"/>
-            <a:endParaRPr lang="de-DE">
-              <a:solidFill>
-                <a:schemeClr val="bg1"/>
-              </a:solidFill>
-            </a:endParaRPr>
-          </a:p>
-        </p:txBody>
-      </p:sp>
       <p:grpSp>
         <p:nvGrpSpPr>
           <p:cNvPr id="201" name="Gruppieren 200"/>
@@ -30350,7 +29240,7 @@
         </p:nvGrpSpPr>
         <p:grpSpPr>
           <a:xfrm rot="5400000">
-            <a:off x="4113780" y="4508643"/>
+            <a:off x="4113780" y="4652659"/>
             <a:ext cx="968493" cy="461665"/>
             <a:chOff x="7203907" y="3251643"/>
             <a:chExt cx="968493" cy="461665"/>
@@ -30604,7 +29494,7 @@
         </p:nvGrpSpPr>
         <p:grpSpPr>
           <a:xfrm rot="5400000">
-            <a:off x="3682461" y="4508643"/>
+            <a:off x="3682461" y="4652659"/>
             <a:ext cx="968493" cy="461665"/>
             <a:chOff x="7203907" y="3251643"/>
             <a:chExt cx="968493" cy="461665"/>
@@ -30858,7 +29748,7 @@
         </p:nvSpPr>
         <p:spPr>
           <a:xfrm>
-            <a:off x="4109508" y="4208766"/>
+            <a:off x="4109508" y="4352782"/>
             <a:ext cx="72008" cy="72008"/>
           </a:xfrm>
           <a:prstGeom prst="ellipse">
@@ -30908,7 +29798,7 @@
         </p:nvSpPr>
         <p:spPr>
           <a:xfrm>
-            <a:off x="4541692" y="4219157"/>
+            <a:off x="4541692" y="4363173"/>
             <a:ext cx="72008" cy="72008"/>
           </a:xfrm>
           <a:prstGeom prst="ellipse">
@@ -30958,7 +29848,7 @@
         </p:nvSpPr>
         <p:spPr>
           <a:xfrm>
-            <a:off x="4077470" y="5191333"/>
+            <a:off x="4077470" y="5335349"/>
             <a:ext cx="144016" cy="134139"/>
           </a:xfrm>
           <a:prstGeom prst="blockArc">
@@ -31008,7 +29898,7 @@
         </p:nvSpPr>
         <p:spPr>
           <a:xfrm>
-            <a:off x="4509518" y="5191333"/>
+            <a:off x="4509518" y="5335349"/>
             <a:ext cx="144016" cy="134139"/>
           </a:xfrm>
           <a:prstGeom prst="blockArc">
@@ -31058,7 +29948,7 @@
         </p:nvSpPr>
         <p:spPr>
           <a:xfrm rot="16200000">
-            <a:off x="8167462" y="3538795"/>
+            <a:off x="8167462" y="3682811"/>
             <a:ext cx="144016" cy="134139"/>
           </a:xfrm>
           <a:prstGeom prst="blockArc">
@@ -31108,7 +29998,7 @@
         </p:nvSpPr>
         <p:spPr>
           <a:xfrm rot="16200000">
-            <a:off x="8167462" y="4370842"/>
+            <a:off x="8167462" y="4514858"/>
             <a:ext cx="144016" cy="134139"/>
           </a:xfrm>
           <a:prstGeom prst="blockArc">
@@ -31158,7 +30048,7 @@
         </p:nvSpPr>
         <p:spPr>
           <a:xfrm rot="16200000">
-            <a:off x="8167462" y="3938794"/>
+            <a:off x="8167462" y="4082810"/>
             <a:ext cx="144016" cy="134139"/>
           </a:xfrm>
           <a:prstGeom prst="blockArc">
@@ -31202,13 +30092,13 @@
       </p:sp>
       <p:sp>
         <p:nvSpPr>
-          <p:cNvPr id="222" name="Halbbogen 221"/>
+          <p:cNvPr id="223" name="Halbbogen 222"/>
           <p:cNvSpPr/>
           <p:nvPr/>
         </p:nvSpPr>
         <p:spPr>
-          <a:xfrm rot="16200000">
-            <a:off x="8167462" y="4807653"/>
+          <a:xfrm rot="5400000">
+            <a:off x="409087" y="3693629"/>
             <a:ext cx="144016" cy="134139"/>
           </a:xfrm>
           <a:prstGeom prst="blockArc">
@@ -31252,13 +30142,13 @@
       </p:sp>
       <p:sp>
         <p:nvSpPr>
-          <p:cNvPr id="223" name="Halbbogen 222"/>
+          <p:cNvPr id="226" name="Halbbogen 225"/>
           <p:cNvSpPr/>
           <p:nvPr/>
         </p:nvSpPr>
         <p:spPr>
           <a:xfrm rot="5400000">
-            <a:off x="409087" y="3549613"/>
+            <a:off x="400474" y="4116151"/>
             <a:ext cx="144016" cy="134139"/>
           </a:xfrm>
           <a:prstGeom prst="blockArc">
@@ -31302,13 +30192,13 @@
       </p:sp>
       <p:sp>
         <p:nvSpPr>
-          <p:cNvPr id="226" name="Halbbogen 225"/>
+          <p:cNvPr id="227" name="Halbbogen 226"/>
           <p:cNvSpPr/>
           <p:nvPr/>
         </p:nvSpPr>
         <p:spPr>
           <a:xfrm rot="5400000">
-            <a:off x="400474" y="3972135"/>
+            <a:off x="400474" y="4543436"/>
             <a:ext cx="144016" cy="134139"/>
           </a:xfrm>
           <a:prstGeom prst="blockArc">
@@ -31352,16 +30242,134 @@
       </p:sp>
       <p:sp>
         <p:nvSpPr>
-          <p:cNvPr id="227" name="Halbbogen 226"/>
+          <p:cNvPr id="140" name="Textfeld 139"/>
+          <p:cNvSpPr txBox="1"/>
+          <p:nvPr/>
+        </p:nvSpPr>
+        <p:spPr>
+          <a:xfrm>
+            <a:off x="4559441" y="4543261"/>
+            <a:ext cx="588623" cy="738664"/>
+          </a:xfrm>
+          <a:prstGeom prst="rect">
+            <a:avLst/>
+          </a:prstGeom>
+          <a:noFill/>
+        </p:spPr>
+        <p:txBody>
+          <a:bodyPr wrap="none" rtlCol="0">
+            <a:spAutoFit/>
+          </a:bodyPr>
+          <a:lstStyle/>
+          <a:p>
+            <a:r>
+              <a:rPr lang="de-DE" sz="1400" smtClean="0"/>
+              <a:t>+</a:t>
+            </a:r>
+          </a:p>
+          <a:p>
+            <a:endParaRPr lang="de-DE" sz="1400" smtClean="0"/>
+          </a:p>
+          <a:p>
+            <a:r>
+              <a:rPr lang="de-DE" sz="1400" smtClean="0"/>
+              <a:t>4,7uF</a:t>
+            </a:r>
+            <a:endParaRPr lang="de-DE" sz="1400"/>
+          </a:p>
+        </p:txBody>
+      </p:sp>
+      <p:sp>
+        <p:nvSpPr>
+          <p:cNvPr id="230" name="Textfeld 229"/>
+          <p:cNvSpPr txBox="1"/>
+          <p:nvPr/>
+        </p:nvSpPr>
+        <p:spPr>
+          <a:xfrm>
+            <a:off x="3623337" y="4543261"/>
+            <a:ext cx="588623" cy="738664"/>
+          </a:xfrm>
+          <a:prstGeom prst="rect">
+            <a:avLst/>
+          </a:prstGeom>
+          <a:noFill/>
+        </p:spPr>
+        <p:txBody>
+          <a:bodyPr wrap="none" rtlCol="0">
+            <a:spAutoFit/>
+          </a:bodyPr>
+          <a:lstStyle/>
+          <a:p>
+            <a:pPr algn="r"/>
+            <a:r>
+              <a:rPr lang="de-DE" sz="1400" smtClean="0"/>
+              <a:t>+</a:t>
+            </a:r>
+          </a:p>
+          <a:p>
+            <a:pPr algn="r"/>
+            <a:endParaRPr lang="de-DE" sz="1400" smtClean="0"/>
+          </a:p>
+          <a:p>
+            <a:pPr algn="r"/>
+            <a:r>
+              <a:rPr lang="de-DE" sz="1400" smtClean="0"/>
+              <a:t>4,7uF</a:t>
+            </a:r>
+            <a:endParaRPr lang="de-DE" sz="1400"/>
+          </a:p>
+        </p:txBody>
+      </p:sp>
+      <p:cxnSp>
+        <p:nvCxnSpPr>
+          <p:cNvPr id="3" name="Gewinkelte Verbindung 2"/>
+          <p:cNvCxnSpPr/>
+          <p:nvPr/>
+        </p:nvCxnSpPr>
+        <p:spPr>
+          <a:xfrm>
+            <a:off x="2571582" y="5174027"/>
+            <a:ext cx="3519444" cy="593370"/>
+          </a:xfrm>
+          <a:prstGeom prst="bentConnector3">
+            <a:avLst>
+              <a:gd name="adj1" fmla="val 20771"/>
+            </a:avLst>
+          </a:prstGeom>
+          <a:ln>
+            <a:solidFill>
+              <a:schemeClr val="tx1"/>
+            </a:solidFill>
+          </a:ln>
+        </p:spPr>
+        <p:style>
+          <a:lnRef idx="1">
+            <a:schemeClr val="accent1"/>
+          </a:lnRef>
+          <a:fillRef idx="0">
+            <a:schemeClr val="accent1"/>
+          </a:fillRef>
+          <a:effectRef idx="0">
+            <a:schemeClr val="accent1"/>
+          </a:effectRef>
+          <a:fontRef idx="minor">
+            <a:schemeClr val="tx1"/>
+          </a:fontRef>
+        </p:style>
+      </p:cxnSp>
+      <p:sp>
+        <p:nvSpPr>
+          <p:cNvPr id="162" name="Ellipse 161"/>
           <p:cNvSpPr/>
           <p:nvPr/>
         </p:nvSpPr>
         <p:spPr>
-          <a:xfrm rot="5400000">
-            <a:off x="400474" y="4399420"/>
-            <a:ext cx="144016" cy="134139"/>
-          </a:xfrm>
-          <a:prstGeom prst="blockArc">
+          <a:xfrm>
+            <a:off x="2526614" y="5137577"/>
+            <a:ext cx="72008" cy="72008"/>
+          </a:xfrm>
+          <a:prstGeom prst="ellipse">
             <a:avLst/>
           </a:prstGeom>
           <a:solidFill>
@@ -31392,26 +30400,131 @@
           <a:lstStyle/>
           <a:p>
             <a:pPr algn="ctr"/>
-            <a:endParaRPr lang="de-DE">
-              <a:solidFill>
-                <a:schemeClr val="tx1"/>
-              </a:solidFill>
-            </a:endParaRPr>
+            <a:endParaRPr lang="de-DE"/>
           </a:p>
         </p:txBody>
       </p:sp>
+      <p:cxnSp>
+        <p:nvCxnSpPr>
+          <p:cNvPr id="163" name="Gerade Verbindung 162"/>
+          <p:cNvCxnSpPr/>
+          <p:nvPr/>
+        </p:nvCxnSpPr>
+        <p:spPr>
+          <a:xfrm flipH="1">
+            <a:off x="6084168" y="4667993"/>
+            <a:ext cx="1" cy="1099172"/>
+          </a:xfrm>
+          <a:prstGeom prst="line">
+            <a:avLst/>
+          </a:prstGeom>
+          <a:ln>
+            <a:solidFill>
+              <a:schemeClr val="tx1"/>
+            </a:solidFill>
+          </a:ln>
+        </p:spPr>
+        <p:style>
+          <a:lnRef idx="1">
+            <a:schemeClr val="accent1"/>
+          </a:lnRef>
+          <a:fillRef idx="0">
+            <a:schemeClr val="accent1"/>
+          </a:fillRef>
+          <a:effectRef idx="0">
+            <a:schemeClr val="accent1"/>
+          </a:effectRef>
+          <a:fontRef idx="minor">
+            <a:schemeClr val="tx1"/>
+          </a:fontRef>
+        </p:style>
+      </p:cxnSp>
+      <p:cxnSp>
+        <p:nvCxnSpPr>
+          <p:cNvPr id="229" name="Gerade Verbindung 228"/>
+          <p:cNvCxnSpPr>
+            <a:stCxn id="12" idx="1"/>
+          </p:cNvCxnSpPr>
+          <p:nvPr/>
+        </p:nvCxnSpPr>
+        <p:spPr>
+          <a:xfrm flipV="1">
+            <a:off x="5310082" y="2331795"/>
+            <a:ext cx="0" cy="1743414"/>
+          </a:xfrm>
+          <a:prstGeom prst="line">
+            <a:avLst/>
+          </a:prstGeom>
+          <a:ln>
+            <a:solidFill>
+              <a:schemeClr val="tx1"/>
+            </a:solidFill>
+          </a:ln>
+        </p:spPr>
+        <p:style>
+          <a:lnRef idx="1">
+            <a:schemeClr val="accent1"/>
+          </a:lnRef>
+          <a:fillRef idx="0">
+            <a:schemeClr val="accent1"/>
+          </a:fillRef>
+          <a:effectRef idx="0">
+            <a:schemeClr val="accent1"/>
+          </a:effectRef>
+          <a:fontRef idx="minor">
+            <a:schemeClr val="tx1"/>
+          </a:fontRef>
+        </p:style>
+      </p:cxnSp>
+      <p:cxnSp>
+        <p:nvCxnSpPr>
+          <p:cNvPr id="181" name="Gerade Verbindung 180"/>
+          <p:cNvCxnSpPr>
+            <a:endCxn id="12" idx="5"/>
+          </p:cNvCxnSpPr>
+          <p:nvPr/>
+        </p:nvCxnSpPr>
+        <p:spPr>
+          <a:xfrm flipV="1">
+            <a:off x="5310082" y="4723281"/>
+            <a:ext cx="0" cy="1694284"/>
+          </a:xfrm>
+          <a:prstGeom prst="line">
+            <a:avLst/>
+          </a:prstGeom>
+          <a:ln>
+            <a:solidFill>
+              <a:schemeClr val="tx1"/>
+            </a:solidFill>
+          </a:ln>
+        </p:spPr>
+        <p:style>
+          <a:lnRef idx="1">
+            <a:schemeClr val="accent1"/>
+          </a:lnRef>
+          <a:fillRef idx="0">
+            <a:schemeClr val="accent1"/>
+          </a:fillRef>
+          <a:effectRef idx="0">
+            <a:schemeClr val="accent1"/>
+          </a:effectRef>
+          <a:fontRef idx="minor">
+            <a:schemeClr val="tx1"/>
+          </a:fontRef>
+        </p:style>
+      </p:cxnSp>
       <p:sp>
         <p:nvSpPr>
-          <p:cNvPr id="228" name="Halbbogen 227"/>
+          <p:cNvPr id="182" name="Ellipse 181"/>
           <p:cNvSpPr/>
           <p:nvPr/>
         </p:nvSpPr>
         <p:spPr>
-          <a:xfrm rot="5400000">
-            <a:off x="400474" y="4836231"/>
-            <a:ext cx="144016" cy="134139"/>
-          </a:xfrm>
-          <a:prstGeom prst="blockArc">
+          <a:xfrm>
+            <a:off x="5276061" y="2302553"/>
+            <a:ext cx="72008" cy="72008"/>
+          </a:xfrm>
+          <a:prstGeom prst="ellipse">
             <a:avLst/>
           </a:prstGeom>
           <a:solidFill>
@@ -31442,29 +30555,78 @@
           <a:lstStyle/>
           <a:p>
             <a:pPr algn="ctr"/>
-            <a:endParaRPr lang="de-DE">
-              <a:solidFill>
-                <a:schemeClr val="tx1"/>
-              </a:solidFill>
-            </a:endParaRPr>
+            <a:endParaRPr lang="de-DE"/>
           </a:p>
         </p:txBody>
       </p:sp>
       <p:sp>
         <p:nvSpPr>
-          <p:cNvPr id="140" name="Textfeld 139"/>
+          <p:cNvPr id="183" name="Ellipse 182"/>
+          <p:cNvSpPr/>
+          <p:nvPr/>
+        </p:nvSpPr>
+        <p:spPr>
+          <a:xfrm>
+            <a:off x="5277791" y="6381328"/>
+            <a:ext cx="72008" cy="72008"/>
+          </a:xfrm>
+          <a:prstGeom prst="ellipse">
+            <a:avLst/>
+          </a:prstGeom>
+          <a:solidFill>
+            <a:schemeClr val="tx1"/>
+          </a:solidFill>
+          <a:ln>
+            <a:noFill/>
+          </a:ln>
+        </p:spPr>
+        <p:style>
+          <a:lnRef idx="2">
+            <a:schemeClr val="accent1">
+              <a:shade val="50000"/>
+            </a:schemeClr>
+          </a:lnRef>
+          <a:fillRef idx="1">
+            <a:schemeClr val="accent1"/>
+          </a:fillRef>
+          <a:effectRef idx="0">
+            <a:schemeClr val="accent1"/>
+          </a:effectRef>
+          <a:fontRef idx="minor">
+            <a:schemeClr val="lt1"/>
+          </a:fontRef>
+        </p:style>
+        <p:txBody>
+          <a:bodyPr rtlCol="0" anchor="ctr"/>
+          <a:lstStyle/>
+          <a:p>
+            <a:pPr algn="ctr"/>
+            <a:endParaRPr lang="de-DE"/>
+          </a:p>
+        </p:txBody>
+      </p:sp>
+      <p:sp>
+        <p:nvSpPr>
+          <p:cNvPr id="136" name="Textfeld 135"/>
           <p:cNvSpPr txBox="1"/>
           <p:nvPr/>
         </p:nvSpPr>
         <p:spPr>
           <a:xfrm>
-            <a:off x="4559441" y="4399245"/>
-            <a:ext cx="588623" cy="738664"/>
+            <a:off x="5023804" y="2898110"/>
+            <a:ext cx="412292" cy="276999"/>
           </a:xfrm>
           <a:prstGeom prst="rect">
             <a:avLst/>
           </a:prstGeom>
-          <a:noFill/>
+          <a:solidFill>
+            <a:schemeClr val="bg1"/>
+          </a:solidFill>
+          <a:ln>
+            <a:solidFill>
+              <a:schemeClr val="tx1"/>
+            </a:solidFill>
+          </a:ln>
         </p:spPr>
         <p:txBody>
           <a:bodyPr wrap="none" rtlCol="0">
@@ -31473,32 +30635,424 @@
           <a:lstStyle/>
           <a:p>
             <a:r>
-              <a:rPr lang="de-DE" sz="1400" smtClean="0"/>
-              <a:t>+</a:t>
+              <a:rPr lang="de-DE" sz="1200"/>
+              <a:t>2</a:t>
             </a:r>
-          </a:p>
-          <a:p>
-            <a:endParaRPr lang="de-DE" sz="1400" smtClean="0"/>
-          </a:p>
-          <a:p>
             <a:r>
-              <a:rPr lang="de-DE" sz="1400" smtClean="0"/>
-              <a:t>4,7uF</a:t>
+              <a:rPr lang="de-DE" sz="1200" smtClean="0"/>
+              <a:t>0k</a:t>
             </a:r>
-            <a:endParaRPr lang="de-DE" sz="1400"/>
+            <a:endParaRPr lang="de-DE" sz="1200"/>
           </a:p>
         </p:txBody>
       </p:sp>
+      <p:grpSp>
+        <p:nvGrpSpPr>
+          <p:cNvPr id="187" name="Gruppieren 186"/>
+          <p:cNvGrpSpPr/>
+          <p:nvPr/>
+        </p:nvGrpSpPr>
+        <p:grpSpPr>
+          <a:xfrm rot="16200000">
+            <a:off x="7569059" y="1083178"/>
+            <a:ext cx="601001" cy="461665"/>
+            <a:chOff x="4763087" y="2957812"/>
+            <a:chExt cx="601001" cy="461665"/>
+          </a:xfrm>
+        </p:grpSpPr>
+        <p:grpSp>
+          <p:nvGrpSpPr>
+            <p:cNvPr id="189" name="Gruppieren 188"/>
+            <p:cNvGrpSpPr/>
+            <p:nvPr/>
+          </p:nvGrpSpPr>
+          <p:grpSpPr>
+            <a:xfrm rot="16200000">
+              <a:off x="4644008" y="3140968"/>
+              <a:ext cx="360040" cy="121882"/>
+              <a:chOff x="4572000" y="6165304"/>
+              <a:chExt cx="360040" cy="121882"/>
+            </a:xfrm>
+          </p:grpSpPr>
+          <p:sp>
+            <p:nvSpPr>
+              <p:cNvPr id="192" name="Rechteck 191"/>
+              <p:cNvSpPr/>
+              <p:nvPr/>
+            </p:nvSpPr>
+            <p:spPr>
+              <a:xfrm>
+                <a:off x="4572000" y="6165304"/>
+                <a:ext cx="360040" cy="45719"/>
+              </a:xfrm>
+              <a:prstGeom prst="rect">
+                <a:avLst/>
+              </a:prstGeom>
+              <a:solidFill>
+                <a:schemeClr val="tx1"/>
+              </a:solidFill>
+              <a:ln>
+                <a:noFill/>
+              </a:ln>
+            </p:spPr>
+            <p:style>
+              <a:lnRef idx="2">
+                <a:schemeClr val="accent1">
+                  <a:shade val="50000"/>
+                </a:schemeClr>
+              </a:lnRef>
+              <a:fillRef idx="1">
+                <a:schemeClr val="accent1"/>
+              </a:fillRef>
+              <a:effectRef idx="0">
+                <a:schemeClr val="accent1"/>
+              </a:effectRef>
+              <a:fontRef idx="minor">
+                <a:schemeClr val="lt1"/>
+              </a:fontRef>
+            </p:style>
+            <p:txBody>
+              <a:bodyPr rtlCol="0" anchor="ctr"/>
+              <a:lstStyle/>
+              <a:p>
+                <a:pPr algn="ctr"/>
+                <a:endParaRPr lang="de-DE"/>
+              </a:p>
+            </p:txBody>
+          </p:sp>
+          <p:sp>
+            <p:nvSpPr>
+              <p:cNvPr id="195" name="Rechteck 194"/>
+              <p:cNvSpPr/>
+              <p:nvPr/>
+            </p:nvSpPr>
+            <p:spPr>
+              <a:xfrm>
+                <a:off x="4572000" y="6241467"/>
+                <a:ext cx="360040" cy="45719"/>
+              </a:xfrm>
+              <a:prstGeom prst="rect">
+                <a:avLst/>
+              </a:prstGeom>
+              <a:solidFill>
+                <a:schemeClr val="tx1"/>
+              </a:solidFill>
+              <a:ln>
+                <a:noFill/>
+              </a:ln>
+            </p:spPr>
+            <p:style>
+              <a:lnRef idx="2">
+                <a:schemeClr val="accent1">
+                  <a:shade val="50000"/>
+                </a:schemeClr>
+              </a:lnRef>
+              <a:fillRef idx="1">
+                <a:schemeClr val="accent1"/>
+              </a:fillRef>
+              <a:effectRef idx="0">
+                <a:schemeClr val="accent1"/>
+              </a:effectRef>
+              <a:fontRef idx="minor">
+                <a:schemeClr val="lt1"/>
+              </a:fontRef>
+            </p:style>
+            <p:txBody>
+              <a:bodyPr rtlCol="0" anchor="ctr"/>
+              <a:lstStyle/>
+              <a:p>
+                <a:pPr algn="ctr"/>
+                <a:endParaRPr lang="de-DE"/>
+              </a:p>
+            </p:txBody>
+          </p:sp>
+        </p:grpSp>
+        <p:sp>
+          <p:nvSpPr>
+            <p:cNvPr id="191" name="Textfeld 190"/>
+            <p:cNvSpPr txBox="1"/>
+            <p:nvPr/>
+          </p:nvSpPr>
+          <p:spPr>
+            <a:xfrm>
+              <a:off x="4833173" y="2957812"/>
+              <a:ext cx="530915" cy="461665"/>
+            </a:xfrm>
+            <a:prstGeom prst="rect">
+              <a:avLst/>
+            </a:prstGeom>
+            <a:noFill/>
+            <a:ln>
+              <a:noFill/>
+            </a:ln>
+          </p:spPr>
+          <p:txBody>
+            <a:bodyPr wrap="none" rtlCol="0">
+              <a:spAutoFit/>
+            </a:bodyPr>
+            <a:lstStyle/>
+            <a:p>
+              <a:endParaRPr lang="de-DE" sz="1200" smtClean="0"/>
+            </a:p>
+            <a:p>
+              <a:r>
+                <a:rPr lang="de-DE" sz="1200" smtClean="0"/>
+                <a:t>0</a:t>
+              </a:r>
+              <a:r>
+                <a:rPr lang="de-DE" sz="1200" smtClean="0"/>
+                <a:t>,1uF</a:t>
+              </a:r>
+              <a:endParaRPr lang="de-DE" sz="1200"/>
+            </a:p>
+          </p:txBody>
+        </p:sp>
+      </p:grpSp>
+      <p:cxnSp>
+        <p:nvCxnSpPr>
+          <p:cNvPr id="188" name="Gerade Verbindung 187"/>
+          <p:cNvCxnSpPr/>
+          <p:nvPr/>
+        </p:nvCxnSpPr>
+        <p:spPr>
+          <a:xfrm flipH="1" flipV="1">
+            <a:off x="7869560" y="655821"/>
+            <a:ext cx="1" cy="836351"/>
+          </a:xfrm>
+          <a:prstGeom prst="line">
+            <a:avLst/>
+          </a:prstGeom>
+          <a:ln>
+            <a:solidFill>
+              <a:schemeClr val="tx1"/>
+            </a:solidFill>
+          </a:ln>
+        </p:spPr>
+        <p:style>
+          <a:lnRef idx="1">
+            <a:schemeClr val="accent1"/>
+          </a:lnRef>
+          <a:fillRef idx="0">
+            <a:schemeClr val="accent1"/>
+          </a:fillRef>
+          <a:effectRef idx="0">
+            <a:schemeClr val="accent1"/>
+          </a:effectRef>
+          <a:fontRef idx="minor">
+            <a:schemeClr val="tx1"/>
+          </a:fontRef>
+        </p:style>
+      </p:cxnSp>
       <p:sp>
         <p:nvSpPr>
-          <p:cNvPr id="230" name="Textfeld 229"/>
+          <p:cNvPr id="200" name="Ellipse 199"/>
+          <p:cNvSpPr/>
+          <p:nvPr/>
+        </p:nvSpPr>
+        <p:spPr>
+          <a:xfrm>
+            <a:off x="7845701" y="1810920"/>
+            <a:ext cx="72008" cy="72008"/>
+          </a:xfrm>
+          <a:prstGeom prst="ellipse">
+            <a:avLst/>
+          </a:prstGeom>
+          <a:solidFill>
+            <a:schemeClr val="tx1"/>
+          </a:solidFill>
+          <a:ln>
+            <a:noFill/>
+          </a:ln>
+        </p:spPr>
+        <p:style>
+          <a:lnRef idx="2">
+            <a:schemeClr val="accent1">
+              <a:shade val="50000"/>
+            </a:schemeClr>
+          </a:lnRef>
+          <a:fillRef idx="1">
+            <a:schemeClr val="accent1"/>
+          </a:fillRef>
+          <a:effectRef idx="0">
+            <a:schemeClr val="accent1"/>
+          </a:effectRef>
+          <a:fontRef idx="minor">
+            <a:schemeClr val="lt1"/>
+          </a:fontRef>
+        </p:style>
+        <p:txBody>
+          <a:bodyPr rtlCol="0" anchor="ctr"/>
+          <a:lstStyle/>
+          <a:p>
+            <a:pPr algn="ctr"/>
+            <a:endParaRPr lang="de-DE"/>
+          </a:p>
+        </p:txBody>
+      </p:sp>
+      <p:cxnSp>
+        <p:nvCxnSpPr>
+          <p:cNvPr id="217" name="Gerade Verbindung 216"/>
+          <p:cNvCxnSpPr>
+            <a:endCxn id="192" idx="0"/>
+          </p:cNvCxnSpPr>
+          <p:nvPr/>
+        </p:nvCxnSpPr>
+        <p:spPr>
+          <a:xfrm flipV="1">
+            <a:off x="7882824" y="1614511"/>
+            <a:ext cx="0" cy="232976"/>
+          </a:xfrm>
+          <a:prstGeom prst="line">
+            <a:avLst/>
+          </a:prstGeom>
+          <a:ln>
+            <a:solidFill>
+              <a:schemeClr val="tx1"/>
+            </a:solidFill>
+          </a:ln>
+        </p:spPr>
+        <p:style>
+          <a:lnRef idx="1">
+            <a:schemeClr val="accent1"/>
+          </a:lnRef>
+          <a:fillRef idx="0">
+            <a:schemeClr val="accent1"/>
+          </a:fillRef>
+          <a:effectRef idx="0">
+            <a:schemeClr val="accent1"/>
+          </a:effectRef>
+          <a:fontRef idx="minor">
+            <a:schemeClr val="tx1"/>
+          </a:fontRef>
+        </p:style>
+      </p:cxnSp>
+      <p:sp>
+        <p:nvSpPr>
+          <p:cNvPr id="240" name="Textfeld 239"/>
           <p:cNvSpPr txBox="1"/>
           <p:nvPr/>
         </p:nvSpPr>
         <p:spPr>
           <a:xfrm>
-            <a:off x="3623337" y="4399245"/>
-            <a:ext cx="588623" cy="738664"/>
+            <a:off x="6660232" y="332656"/>
+            <a:ext cx="902195" cy="646331"/>
+          </a:xfrm>
+          <a:prstGeom prst="rect">
+            <a:avLst/>
+          </a:prstGeom>
+          <a:solidFill>
+            <a:schemeClr val="bg1"/>
+          </a:solidFill>
+          <a:ln>
+            <a:solidFill>
+              <a:schemeClr val="tx1"/>
+            </a:solidFill>
+          </a:ln>
+        </p:spPr>
+        <p:txBody>
+          <a:bodyPr wrap="square" rtlCol="0">
+            <a:spAutoFit/>
+          </a:bodyPr>
+          <a:lstStyle/>
+          <a:p>
+            <a:endParaRPr lang="de-DE" sz="1200" smtClean="0"/>
+          </a:p>
+          <a:p>
+            <a:pPr algn="ctr"/>
+            <a:r>
+              <a:rPr lang="de-DE" sz="1200" smtClean="0"/>
+              <a:t>7809</a:t>
+            </a:r>
+          </a:p>
+          <a:p>
+            <a:endParaRPr lang="de-DE" sz="1200"/>
+          </a:p>
+        </p:txBody>
+      </p:sp>
+      <p:cxnSp>
+        <p:nvCxnSpPr>
+          <p:cNvPr id="241" name="Gerade Verbindung 240"/>
+          <p:cNvCxnSpPr>
+            <a:endCxn id="240" idx="1"/>
+          </p:cNvCxnSpPr>
+          <p:nvPr/>
+        </p:nvCxnSpPr>
+        <p:spPr>
+          <a:xfrm>
+            <a:off x="4653534" y="655821"/>
+            <a:ext cx="2006698" cy="1"/>
+          </a:xfrm>
+          <a:prstGeom prst="line">
+            <a:avLst/>
+          </a:prstGeom>
+          <a:ln>
+            <a:solidFill>
+              <a:schemeClr val="tx1"/>
+            </a:solidFill>
+          </a:ln>
+        </p:spPr>
+        <p:style>
+          <a:lnRef idx="1">
+            <a:schemeClr val="accent1"/>
+          </a:lnRef>
+          <a:fillRef idx="0">
+            <a:schemeClr val="accent1"/>
+          </a:fillRef>
+          <a:effectRef idx="0">
+            <a:schemeClr val="accent1"/>
+          </a:effectRef>
+          <a:fontRef idx="minor">
+            <a:schemeClr val="tx1"/>
+          </a:fontRef>
+        </p:style>
+      </p:cxnSp>
+      <p:cxnSp>
+        <p:nvCxnSpPr>
+          <p:cNvPr id="244" name="Gerade Verbindung 243"/>
+          <p:cNvCxnSpPr>
+            <a:stCxn id="240" idx="3"/>
+          </p:cNvCxnSpPr>
+          <p:nvPr/>
+        </p:nvCxnSpPr>
+        <p:spPr>
+          <a:xfrm>
+            <a:off x="7562427" y="655822"/>
+            <a:ext cx="677043" cy="0"/>
+          </a:xfrm>
+          <a:prstGeom prst="line">
+            <a:avLst/>
+          </a:prstGeom>
+          <a:ln>
+            <a:solidFill>
+              <a:schemeClr val="tx1"/>
+            </a:solidFill>
+          </a:ln>
+        </p:spPr>
+        <p:style>
+          <a:lnRef idx="1">
+            <a:schemeClr val="accent1"/>
+          </a:lnRef>
+          <a:fillRef idx="0">
+            <a:schemeClr val="accent1"/>
+          </a:fillRef>
+          <a:effectRef idx="0">
+            <a:schemeClr val="accent1"/>
+          </a:effectRef>
+          <a:fontRef idx="minor">
+            <a:schemeClr val="tx1"/>
+          </a:fontRef>
+        </p:style>
+      </p:cxnSp>
+      <p:sp>
+        <p:nvSpPr>
+          <p:cNvPr id="247" name="Textfeld 246"/>
+          <p:cNvSpPr txBox="1"/>
+          <p:nvPr/>
+        </p:nvSpPr>
+        <p:spPr>
+          <a:xfrm>
+            <a:off x="8316416" y="455890"/>
+            <a:ext cx="548548" cy="369332"/>
           </a:xfrm>
           <a:prstGeom prst="rect">
             <a:avLst/>
@@ -31511,21 +31065,792 @@
           </a:bodyPr>
           <a:lstStyle/>
           <a:p>
-            <a:pPr algn="r"/>
+            <a:r>
+              <a:rPr lang="de-DE" smtClean="0"/>
+              <a:t>+</a:t>
+            </a:r>
+            <a:r>
+              <a:rPr lang="de-DE"/>
+              <a:t>9</a:t>
+            </a:r>
+            <a:r>
+              <a:rPr lang="de-DE" smtClean="0"/>
+              <a:t>V</a:t>
+            </a:r>
+            <a:endParaRPr lang="de-DE"/>
+          </a:p>
+        </p:txBody>
+      </p:sp>
+      <p:cxnSp>
+        <p:nvCxnSpPr>
+          <p:cNvPr id="248" name="Gerade Verbindung 247"/>
+          <p:cNvCxnSpPr/>
+          <p:nvPr/>
+        </p:nvCxnSpPr>
+        <p:spPr>
+          <a:xfrm>
+            <a:off x="4653534" y="1844824"/>
+            <a:ext cx="3522331" cy="0"/>
+          </a:xfrm>
+          <a:prstGeom prst="line">
+            <a:avLst/>
+          </a:prstGeom>
+          <a:ln>
+            <a:solidFill>
+              <a:schemeClr val="tx1"/>
+            </a:solidFill>
+          </a:ln>
+        </p:spPr>
+        <p:style>
+          <a:lnRef idx="1">
+            <a:schemeClr val="accent1"/>
+          </a:lnRef>
+          <a:fillRef idx="0">
+            <a:schemeClr val="accent1"/>
+          </a:fillRef>
+          <a:effectRef idx="0">
+            <a:schemeClr val="accent1"/>
+          </a:effectRef>
+          <a:fontRef idx="minor">
+            <a:schemeClr val="tx1"/>
+          </a:fontRef>
+        </p:style>
+      </p:cxnSp>
+      <p:sp>
+        <p:nvSpPr>
+          <p:cNvPr id="250" name="Textfeld 249"/>
+          <p:cNvSpPr txBox="1"/>
+          <p:nvPr/>
+        </p:nvSpPr>
+        <p:spPr>
+          <a:xfrm>
+            <a:off x="8316416" y="1670364"/>
+            <a:ext cx="574196" cy="369332"/>
+          </a:xfrm>
+          <a:prstGeom prst="rect">
+            <a:avLst/>
+          </a:prstGeom>
+          <a:noFill/>
+        </p:spPr>
+        <p:txBody>
+          <a:bodyPr wrap="none" rtlCol="0">
+            <a:spAutoFit/>
+          </a:bodyPr>
+          <a:lstStyle/>
+          <a:p>
+            <a:r>
+              <a:rPr lang="de-DE" smtClean="0"/>
+              <a:t>Gnd</a:t>
+            </a:r>
+            <a:endParaRPr lang="de-DE"/>
+          </a:p>
+        </p:txBody>
+      </p:sp>
+      <p:grpSp>
+        <p:nvGrpSpPr>
+          <p:cNvPr id="251" name="Gruppieren 250"/>
+          <p:cNvGrpSpPr/>
+          <p:nvPr/>
+        </p:nvGrpSpPr>
+        <p:grpSpPr>
+          <a:xfrm rot="16200000">
+            <a:off x="5925342" y="965921"/>
+            <a:ext cx="720083" cy="461665"/>
+            <a:chOff x="4763087" y="2957817"/>
+            <a:chExt cx="720083" cy="461665"/>
+          </a:xfrm>
+        </p:grpSpPr>
+        <p:grpSp>
+          <p:nvGrpSpPr>
+            <p:cNvPr id="252" name="Gruppieren 251"/>
+            <p:cNvGrpSpPr/>
+            <p:nvPr/>
+          </p:nvGrpSpPr>
+          <p:grpSpPr>
+            <a:xfrm rot="16200000">
+              <a:off x="4644008" y="3140968"/>
+              <a:ext cx="360040" cy="121882"/>
+              <a:chOff x="4572000" y="6165304"/>
+              <a:chExt cx="360040" cy="121882"/>
+            </a:xfrm>
+          </p:grpSpPr>
+          <p:sp>
+            <p:nvSpPr>
+              <p:cNvPr id="254" name="Rechteck 253"/>
+              <p:cNvSpPr/>
+              <p:nvPr/>
+            </p:nvSpPr>
+            <p:spPr>
+              <a:xfrm>
+                <a:off x="4572000" y="6165304"/>
+                <a:ext cx="360040" cy="45719"/>
+              </a:xfrm>
+              <a:prstGeom prst="rect">
+                <a:avLst/>
+              </a:prstGeom>
+              <a:solidFill>
+                <a:schemeClr val="tx1"/>
+              </a:solidFill>
+              <a:ln>
+                <a:noFill/>
+              </a:ln>
+            </p:spPr>
+            <p:style>
+              <a:lnRef idx="2">
+                <a:schemeClr val="accent1">
+                  <a:shade val="50000"/>
+                </a:schemeClr>
+              </a:lnRef>
+              <a:fillRef idx="1">
+                <a:schemeClr val="accent1"/>
+              </a:fillRef>
+              <a:effectRef idx="0">
+                <a:schemeClr val="accent1"/>
+              </a:effectRef>
+              <a:fontRef idx="minor">
+                <a:schemeClr val="lt1"/>
+              </a:fontRef>
+            </p:style>
+            <p:txBody>
+              <a:bodyPr rtlCol="0" anchor="ctr"/>
+              <a:lstStyle/>
+              <a:p>
+                <a:pPr algn="ctr"/>
+                <a:endParaRPr lang="de-DE"/>
+              </a:p>
+            </p:txBody>
+          </p:sp>
+          <p:sp>
+            <p:nvSpPr>
+              <p:cNvPr id="255" name="Rechteck 254"/>
+              <p:cNvSpPr/>
+              <p:nvPr/>
+            </p:nvSpPr>
+            <p:spPr>
+              <a:xfrm>
+                <a:off x="4572000" y="6241467"/>
+                <a:ext cx="360040" cy="45719"/>
+              </a:xfrm>
+              <a:prstGeom prst="rect">
+                <a:avLst/>
+              </a:prstGeom>
+              <a:solidFill>
+                <a:schemeClr val="tx1"/>
+              </a:solidFill>
+              <a:ln>
+                <a:noFill/>
+              </a:ln>
+            </p:spPr>
+            <p:style>
+              <a:lnRef idx="2">
+                <a:schemeClr val="accent1">
+                  <a:shade val="50000"/>
+                </a:schemeClr>
+              </a:lnRef>
+              <a:fillRef idx="1">
+                <a:schemeClr val="accent1"/>
+              </a:fillRef>
+              <a:effectRef idx="0">
+                <a:schemeClr val="accent1"/>
+              </a:effectRef>
+              <a:fontRef idx="minor">
+                <a:schemeClr val="lt1"/>
+              </a:fontRef>
+            </p:style>
+            <p:txBody>
+              <a:bodyPr rtlCol="0" anchor="ctr"/>
+              <a:lstStyle/>
+              <a:p>
+                <a:pPr algn="ctr"/>
+                <a:endParaRPr lang="de-DE"/>
+              </a:p>
+            </p:txBody>
+          </p:sp>
+        </p:grpSp>
+        <p:sp>
+          <p:nvSpPr>
+            <p:cNvPr id="253" name="Textfeld 252"/>
+            <p:cNvSpPr txBox="1"/>
+            <p:nvPr/>
+          </p:nvSpPr>
+          <p:spPr>
+            <a:xfrm>
+              <a:off x="4833633" y="2957817"/>
+              <a:ext cx="649537" cy="461665"/>
+            </a:xfrm>
+            <a:prstGeom prst="rect">
+              <a:avLst/>
+            </a:prstGeom>
+            <a:noFill/>
+            <a:ln>
+              <a:noFill/>
+            </a:ln>
+          </p:spPr>
+          <p:txBody>
+            <a:bodyPr wrap="none" rtlCol="0">
+              <a:spAutoFit/>
+            </a:bodyPr>
+            <a:lstStyle/>
+            <a:p>
+              <a:r>
+                <a:rPr lang="de-DE" sz="1200" smtClean="0"/>
+                <a:t>+</a:t>
+              </a:r>
+            </a:p>
+            <a:p>
+              <a:r>
+                <a:rPr lang="de-DE" sz="1200" smtClean="0"/>
+                <a:t>1000uF</a:t>
+              </a:r>
+              <a:endParaRPr lang="de-DE" sz="1200"/>
+            </a:p>
+          </p:txBody>
+        </p:sp>
+      </p:grpSp>
+      <p:cxnSp>
+        <p:nvCxnSpPr>
+          <p:cNvPr id="256" name="Gerade Verbindung 255"/>
+          <p:cNvCxnSpPr>
+            <a:endCxn id="254" idx="0"/>
+          </p:cNvCxnSpPr>
+          <p:nvPr/>
+        </p:nvCxnSpPr>
+        <p:spPr>
+          <a:xfrm flipH="1" flipV="1">
+            <a:off x="6298643" y="1556795"/>
+            <a:ext cx="1442" cy="288029"/>
+          </a:xfrm>
+          <a:prstGeom prst="line">
+            <a:avLst/>
+          </a:prstGeom>
+          <a:ln>
+            <a:solidFill>
+              <a:schemeClr val="tx1"/>
+            </a:solidFill>
+          </a:ln>
+        </p:spPr>
+        <p:style>
+          <a:lnRef idx="1">
+            <a:schemeClr val="accent1"/>
+          </a:lnRef>
+          <a:fillRef idx="0">
+            <a:schemeClr val="accent1"/>
+          </a:fillRef>
+          <a:effectRef idx="0">
+            <a:schemeClr val="accent1"/>
+          </a:effectRef>
+          <a:fontRef idx="minor">
+            <a:schemeClr val="tx1"/>
+          </a:fontRef>
+        </p:style>
+      </p:cxnSp>
+      <p:cxnSp>
+        <p:nvCxnSpPr>
+          <p:cNvPr id="257" name="Gerade Verbindung 256"/>
+          <p:cNvCxnSpPr/>
+          <p:nvPr/>
+        </p:nvCxnSpPr>
+        <p:spPr>
+          <a:xfrm flipV="1">
+            <a:off x="6280453" y="655822"/>
+            <a:ext cx="0" cy="779090"/>
+          </a:xfrm>
+          <a:prstGeom prst="line">
+            <a:avLst/>
+          </a:prstGeom>
+          <a:ln>
+            <a:solidFill>
+              <a:schemeClr val="tx1"/>
+            </a:solidFill>
+          </a:ln>
+        </p:spPr>
+        <p:style>
+          <a:lnRef idx="1">
+            <a:schemeClr val="accent1"/>
+          </a:lnRef>
+          <a:fillRef idx="0">
+            <a:schemeClr val="accent1"/>
+          </a:fillRef>
+          <a:effectRef idx="0">
+            <a:schemeClr val="accent1"/>
+          </a:effectRef>
+          <a:fontRef idx="minor">
+            <a:schemeClr val="tx1"/>
+          </a:fontRef>
+        </p:style>
+      </p:cxnSp>
+      <p:sp>
+        <p:nvSpPr>
+          <p:cNvPr id="258" name="Ellipse 257"/>
+          <p:cNvSpPr/>
+          <p:nvPr/>
+        </p:nvSpPr>
+        <p:spPr>
+          <a:xfrm>
+            <a:off x="6267414" y="1806157"/>
+            <a:ext cx="72008" cy="72008"/>
+          </a:xfrm>
+          <a:prstGeom prst="ellipse">
+            <a:avLst/>
+          </a:prstGeom>
+          <a:solidFill>
+            <a:schemeClr val="tx1"/>
+          </a:solidFill>
+          <a:ln>
+            <a:noFill/>
+          </a:ln>
+        </p:spPr>
+        <p:style>
+          <a:lnRef idx="2">
+            <a:schemeClr val="accent1">
+              <a:shade val="50000"/>
+            </a:schemeClr>
+          </a:lnRef>
+          <a:fillRef idx="1">
+            <a:schemeClr val="accent1"/>
+          </a:fillRef>
+          <a:effectRef idx="0">
+            <a:schemeClr val="accent1"/>
+          </a:effectRef>
+          <a:fontRef idx="minor">
+            <a:schemeClr val="lt1"/>
+          </a:fontRef>
+        </p:style>
+        <p:txBody>
+          <a:bodyPr rtlCol="0" anchor="ctr"/>
+          <a:lstStyle/>
+          <a:p>
+            <a:pPr algn="ctr"/>
+            <a:endParaRPr lang="de-DE"/>
+          </a:p>
+        </p:txBody>
+      </p:sp>
+      <p:sp>
+        <p:nvSpPr>
+          <p:cNvPr id="259" name="Ellipse 258"/>
+          <p:cNvSpPr/>
+          <p:nvPr/>
+        </p:nvSpPr>
+        <p:spPr>
+          <a:xfrm>
+            <a:off x="6247236" y="620688"/>
+            <a:ext cx="72008" cy="72008"/>
+          </a:xfrm>
+          <a:prstGeom prst="ellipse">
+            <a:avLst/>
+          </a:prstGeom>
+          <a:solidFill>
+            <a:schemeClr val="tx1"/>
+          </a:solidFill>
+          <a:ln>
+            <a:noFill/>
+          </a:ln>
+        </p:spPr>
+        <p:style>
+          <a:lnRef idx="2">
+            <a:schemeClr val="accent1">
+              <a:shade val="50000"/>
+            </a:schemeClr>
+          </a:lnRef>
+          <a:fillRef idx="1">
+            <a:schemeClr val="accent1"/>
+          </a:fillRef>
+          <a:effectRef idx="0">
+            <a:schemeClr val="accent1"/>
+          </a:effectRef>
+          <a:fontRef idx="minor">
+            <a:schemeClr val="lt1"/>
+          </a:fontRef>
+        </p:style>
+        <p:txBody>
+          <a:bodyPr rtlCol="0" anchor="ctr"/>
+          <a:lstStyle/>
+          <a:p>
+            <a:pPr algn="ctr"/>
+            <a:endParaRPr lang="de-DE"/>
+          </a:p>
+        </p:txBody>
+      </p:sp>
+      <p:cxnSp>
+        <p:nvCxnSpPr>
+          <p:cNvPr id="260" name="Gerade Verbindung 259"/>
+          <p:cNvCxnSpPr>
+            <a:endCxn id="240" idx="2"/>
+          </p:cNvCxnSpPr>
+          <p:nvPr/>
+        </p:nvCxnSpPr>
+        <p:spPr>
+          <a:xfrm flipV="1">
+            <a:off x="7111329" y="978987"/>
+            <a:ext cx="1" cy="876043"/>
+          </a:xfrm>
+          <a:prstGeom prst="line">
+            <a:avLst/>
+          </a:prstGeom>
+          <a:ln>
+            <a:solidFill>
+              <a:schemeClr val="tx1"/>
+            </a:solidFill>
+          </a:ln>
+        </p:spPr>
+        <p:style>
+          <a:lnRef idx="1">
+            <a:schemeClr val="accent1"/>
+          </a:lnRef>
+          <a:fillRef idx="0">
+            <a:schemeClr val="accent1"/>
+          </a:fillRef>
+          <a:effectRef idx="0">
+            <a:schemeClr val="accent1"/>
+          </a:effectRef>
+          <a:fontRef idx="minor">
+            <a:schemeClr val="tx1"/>
+          </a:fontRef>
+        </p:style>
+      </p:cxnSp>
+      <p:sp>
+        <p:nvSpPr>
+          <p:cNvPr id="261" name="Ellipse 260"/>
+          <p:cNvSpPr/>
+          <p:nvPr/>
+        </p:nvSpPr>
+        <p:spPr>
+          <a:xfrm>
+            <a:off x="7077991" y="1811483"/>
+            <a:ext cx="72008" cy="72008"/>
+          </a:xfrm>
+          <a:prstGeom prst="ellipse">
+            <a:avLst/>
+          </a:prstGeom>
+          <a:solidFill>
+            <a:schemeClr val="tx1"/>
+          </a:solidFill>
+          <a:ln>
+            <a:noFill/>
+          </a:ln>
+        </p:spPr>
+        <p:style>
+          <a:lnRef idx="2">
+            <a:schemeClr val="accent1">
+              <a:shade val="50000"/>
+            </a:schemeClr>
+          </a:lnRef>
+          <a:fillRef idx="1">
+            <a:schemeClr val="accent1"/>
+          </a:fillRef>
+          <a:effectRef idx="0">
+            <a:schemeClr val="accent1"/>
+          </a:effectRef>
+          <a:fontRef idx="minor">
+            <a:schemeClr val="lt1"/>
+          </a:fontRef>
+        </p:style>
+        <p:txBody>
+          <a:bodyPr rtlCol="0" anchor="ctr"/>
+          <a:lstStyle/>
+          <a:p>
+            <a:pPr algn="ctr"/>
+            <a:endParaRPr lang="de-DE"/>
+          </a:p>
+        </p:txBody>
+      </p:sp>
+      <p:sp>
+        <p:nvSpPr>
+          <p:cNvPr id="262" name="Ellipse 261"/>
+          <p:cNvSpPr/>
+          <p:nvPr/>
+        </p:nvSpPr>
+        <p:spPr>
+          <a:xfrm>
+            <a:off x="7831412" y="620688"/>
+            <a:ext cx="72008" cy="72008"/>
+          </a:xfrm>
+          <a:prstGeom prst="ellipse">
+            <a:avLst/>
+          </a:prstGeom>
+          <a:solidFill>
+            <a:schemeClr val="tx1"/>
+          </a:solidFill>
+          <a:ln>
+            <a:noFill/>
+          </a:ln>
+        </p:spPr>
+        <p:style>
+          <a:lnRef idx="2">
+            <a:schemeClr val="accent1">
+              <a:shade val="50000"/>
+            </a:schemeClr>
+          </a:lnRef>
+          <a:fillRef idx="1">
+            <a:schemeClr val="accent1"/>
+          </a:fillRef>
+          <a:effectRef idx="0">
+            <a:schemeClr val="accent1"/>
+          </a:effectRef>
+          <a:fontRef idx="minor">
+            <a:schemeClr val="lt1"/>
+          </a:fontRef>
+        </p:style>
+        <p:txBody>
+          <a:bodyPr rtlCol="0" anchor="ctr"/>
+          <a:lstStyle/>
+          <a:p>
+            <a:pPr algn="ctr"/>
+            <a:endParaRPr lang="de-DE"/>
+          </a:p>
+        </p:txBody>
+      </p:sp>
+      <p:sp>
+        <p:nvSpPr>
+          <p:cNvPr id="263" name="Textfeld 262"/>
+          <p:cNvSpPr txBox="1"/>
+          <p:nvPr/>
+        </p:nvSpPr>
+        <p:spPr>
+          <a:xfrm>
+            <a:off x="4572000" y="476672"/>
+            <a:ext cx="1001832" cy="1569660"/>
+          </a:xfrm>
+          <a:prstGeom prst="rect">
+            <a:avLst/>
+          </a:prstGeom>
+          <a:solidFill>
+            <a:schemeClr val="bg1"/>
+          </a:solidFill>
+          <a:ln>
+            <a:solidFill>
+              <a:schemeClr val="tx1"/>
+            </a:solidFill>
+          </a:ln>
+        </p:spPr>
+        <p:txBody>
+          <a:bodyPr wrap="square" rtlCol="0">
+            <a:spAutoFit/>
+          </a:bodyPr>
+          <a:lstStyle/>
+          <a:p>
+            <a:endParaRPr lang="de-DE" sz="1200" smtClean="0"/>
+          </a:p>
+          <a:p>
+            <a:endParaRPr lang="de-DE" sz="1200" smtClean="0"/>
+          </a:p>
+          <a:p>
+            <a:pPr algn="ctr"/>
+            <a:r>
+              <a:rPr lang="de-DE" sz="1200" smtClean="0"/>
+              <a:t>Netzteil </a:t>
+            </a:r>
+          </a:p>
+          <a:p>
+            <a:pPr algn="ctr"/>
+            <a:r>
+              <a:rPr lang="de-DE" sz="1200" smtClean="0"/>
+              <a:t>mit</a:t>
+            </a:r>
+          </a:p>
+          <a:p>
+            <a:pPr algn="ctr"/>
+            <a:r>
+              <a:rPr lang="de-DE" sz="1200" smtClean="0"/>
+              <a:t>Brücken-gleichrichter</a:t>
+            </a:r>
+            <a:endParaRPr lang="de-DE" sz="1200" smtClean="0"/>
+          </a:p>
+          <a:p>
+            <a:endParaRPr lang="de-DE" sz="1200" smtClean="0"/>
+          </a:p>
+          <a:p>
+            <a:endParaRPr lang="de-DE" sz="1200"/>
+          </a:p>
+        </p:txBody>
+      </p:sp>
+      <p:sp>
+        <p:nvSpPr>
+          <p:cNvPr id="2067" name="Textfeld 2066"/>
+          <p:cNvSpPr txBox="1"/>
+          <p:nvPr/>
+        </p:nvSpPr>
+        <p:spPr>
+          <a:xfrm>
+            <a:off x="2072502" y="230204"/>
+            <a:ext cx="1568058" cy="400110"/>
+          </a:xfrm>
+          <a:prstGeom prst="rect">
+            <a:avLst/>
+          </a:prstGeom>
+          <a:noFill/>
+        </p:spPr>
+        <p:txBody>
+          <a:bodyPr wrap="none" rtlCol="0">
+            <a:spAutoFit/>
+          </a:bodyPr>
+          <a:lstStyle/>
+          <a:p>
+            <a:r>
+              <a:rPr lang="de-DE" sz="2000" b="1" i="1" smtClean="0">
+                <a:latin typeface="Times New Roman" pitchFamily="18" charset="0"/>
+                <a:cs typeface="Times New Roman" pitchFamily="18" charset="0"/>
+              </a:rPr>
+              <a:t>, NE5532, …</a:t>
+            </a:r>
+            <a:endParaRPr lang="de-DE" sz="2000" b="1" i="1">
+              <a:latin typeface="Times New Roman" pitchFamily="18" charset="0"/>
+              <a:cs typeface="Times New Roman" pitchFamily="18" charset="0"/>
+            </a:endParaRPr>
+          </a:p>
+        </p:txBody>
+      </p:sp>
+      <p:sp>
+        <p:nvSpPr>
+          <p:cNvPr id="264" name="Textfeld 263"/>
+          <p:cNvSpPr txBox="1"/>
+          <p:nvPr/>
+        </p:nvSpPr>
+        <p:spPr>
+          <a:xfrm>
+            <a:off x="8316416" y="3573016"/>
+            <a:ext cx="727187" cy="1169551"/>
+          </a:xfrm>
+          <a:prstGeom prst="rect">
+            <a:avLst/>
+          </a:prstGeom>
+          <a:noFill/>
+        </p:spPr>
+        <p:txBody>
+          <a:bodyPr wrap="none" rtlCol="0">
+            <a:spAutoFit/>
+          </a:bodyPr>
+          <a:lstStyle/>
+          <a:p>
             <a:r>
               <a:rPr lang="de-DE" sz="1400" smtClean="0"/>
-              <a:t>+</a:t>
+              <a:t>GT2 x 1</a:t>
             </a:r>
           </a:p>
           <a:p>
-            <a:pPr algn="r"/>
             <a:endParaRPr lang="de-DE" sz="1400" smtClean="0"/>
           </a:p>
           <a:p>
-            <a:pPr algn="r"/>
             <a:r>
               <a:rPr lang="de-DE" sz="1400" smtClean="0"/>
-              <a:t>4,7uF</a:t>
+              <a:t>ext. x 2</a:t>
+            </a:r>
+          </a:p>
+          <a:p>
+            <a:endParaRPr lang="de-DE" sz="1400"/>
+          </a:p>
+          <a:p>
+            <a:r>
+              <a:rPr lang="de-DE" sz="1400" smtClean="0"/>
+              <a:t>ext. x 2</a:t>
+            </a:r>
+            <a:endParaRPr lang="de-DE" sz="1400"/>
+          </a:p>
+        </p:txBody>
+      </p:sp>
+      <p:sp>
+        <p:nvSpPr>
+          <p:cNvPr id="265" name="Textfeld 264"/>
+          <p:cNvSpPr txBox="1"/>
+          <p:nvPr/>
+        </p:nvSpPr>
+        <p:spPr>
+          <a:xfrm>
+            <a:off x="72884" y="3596428"/>
+            <a:ext cx="394660" cy="1169551"/>
+          </a:xfrm>
+          <a:prstGeom prst="rect">
+            <a:avLst/>
+          </a:prstGeom>
+          <a:noFill/>
+        </p:spPr>
+        <p:txBody>
+          <a:bodyPr wrap="none" rtlCol="0">
+            <a:spAutoFit/>
+          </a:bodyPr>
+          <a:lstStyle/>
+          <a:p>
+            <a:r>
+              <a:rPr lang="de-DE" sz="1400" smtClean="0"/>
+              <a:t>x 1</a:t>
+            </a:r>
+          </a:p>
+          <a:p>
+            <a:endParaRPr lang="de-DE" sz="1400" smtClean="0"/>
+          </a:p>
+          <a:p>
+            <a:r>
+              <a:rPr lang="de-DE" sz="1400" smtClean="0"/>
+              <a:t>x 2</a:t>
+            </a:r>
+          </a:p>
+          <a:p>
+            <a:endParaRPr lang="de-DE" sz="1400"/>
+          </a:p>
+          <a:p>
+            <a:r>
+              <a:rPr lang="de-DE" sz="1400" smtClean="0"/>
+              <a:t>x 2</a:t>
+            </a:r>
+            <a:endParaRPr lang="de-DE" sz="1400"/>
+          </a:p>
+        </p:txBody>
+      </p:sp>
+      <p:sp>
+        <p:nvSpPr>
+          <p:cNvPr id="266" name="Textfeld 265"/>
+          <p:cNvSpPr txBox="1"/>
+          <p:nvPr/>
+        </p:nvSpPr>
+        <p:spPr>
+          <a:xfrm>
+            <a:off x="1045730" y="2833191"/>
+            <a:ext cx="429926" cy="307777"/>
+          </a:xfrm>
+          <a:prstGeom prst="rect">
+            <a:avLst/>
+          </a:prstGeom>
+          <a:noFill/>
+        </p:spPr>
+        <p:txBody>
+          <a:bodyPr wrap="none" rtlCol="0">
+            <a:spAutoFit/>
+          </a:bodyPr>
+          <a:lstStyle/>
+          <a:p>
+            <a:r>
+              <a:rPr lang="de-DE" sz="1400" smtClean="0"/>
+              <a:t>left</a:t>
+            </a:r>
+            <a:endParaRPr lang="de-DE" sz="1400"/>
+          </a:p>
+        </p:txBody>
+      </p:sp>
+      <p:sp>
+        <p:nvSpPr>
+          <p:cNvPr id="267" name="Textfeld 266"/>
+          <p:cNvSpPr txBox="1"/>
+          <p:nvPr/>
+        </p:nvSpPr>
+        <p:spPr>
+          <a:xfrm>
+            <a:off x="7166410" y="2833191"/>
+            <a:ext cx="527645" cy="307777"/>
+          </a:xfrm>
+          <a:prstGeom prst="rect">
+            <a:avLst/>
+          </a:prstGeom>
+          <a:noFill/>
+        </p:spPr>
+        <p:txBody>
+          <a:bodyPr wrap="none" rtlCol="0">
+            <a:spAutoFit/>
+          </a:bodyPr>
+          <a:lstStyle/>
+          <a:p>
+            <a:r>
+              <a:rPr lang="de-DE" sz="1400" smtClean="0"/>
+              <a:t>right</a:t>
             </a:r>
             <a:endParaRPr lang="de-DE" sz="1400"/>
           </a:p>
